--- a/docs/CS3300 – Introduction to Software Engineering - Final.pptx
+++ b/docs/CS3300 – Introduction to Software Engineering - Final.pptx
@@ -5,12 +5,14 @@
     <p:sldMasterId id="2147483648" r:id="rId4"/>
   </p:sldMasterIdLst>
   <p:notesMasterIdLst>
-    <p:notesMasterId r:id="rId8"/>
+    <p:notesMasterId r:id="rId10"/>
   </p:notesMasterIdLst>
   <p:sldIdLst>
     <p:sldId id="256" r:id="rId5"/>
     <p:sldId id="257" r:id="rId6"/>
-    <p:sldId id="277" r:id="rId7"/>
+    <p:sldId id="278" r:id="rId7"/>
+    <p:sldId id="279" r:id="rId8"/>
+    <p:sldId id="277" r:id="rId9"/>
   </p:sldIdLst>
   <p:sldSz cx="12192000" cy="6858000"/>
   <p:notesSz cx="6858000" cy="9144000"/>
@@ -120,6 +122,8 @@
         <p14:section name="Untitled Section" id="{870FFFBF-A951-4C36-ACE4-027A72280618}">
           <p14:sldIdLst>
             <p14:sldId id="257"/>
+            <p14:sldId id="278"/>
+            <p14:sldId id="279"/>
             <p14:sldId id="277"/>
           </p14:sldIdLst>
         </p14:section>
@@ -227,7 +231,7 @@
           <a:p>
             <a:fld id="{F8B5B181-1792-431A-B18A-2085692FD22C}" type="datetimeFigureOut">
               <a:rPr lang="en-US" smtClean="0"/>
-              <a:t>4/16/2025</a:t>
+              <a:t>4/25/2025</a:t>
             </a:fld>
             <a:endParaRPr lang="en-US"/>
           </a:p>
@@ -641,7 +645,7 @@
           <a:p>
             <a:fld id="{AD772B8A-C981-4167-97B2-9389764143AA}" type="datetimeFigureOut">
               <a:rPr lang="en-US" smtClean="0"/>
-              <a:t>4/16/2025</a:t>
+              <a:t>4/25/2025</a:t>
             </a:fld>
             <a:endParaRPr lang="en-US"/>
           </a:p>
@@ -839,7 +843,7 @@
           <a:p>
             <a:fld id="{AD772B8A-C981-4167-97B2-9389764143AA}" type="datetimeFigureOut">
               <a:rPr lang="en-US" smtClean="0"/>
-              <a:t>4/16/2025</a:t>
+              <a:t>4/25/2025</a:t>
             </a:fld>
             <a:endParaRPr lang="en-US"/>
           </a:p>
@@ -1047,7 +1051,7 @@
           <a:p>
             <a:fld id="{AD772B8A-C981-4167-97B2-9389764143AA}" type="datetimeFigureOut">
               <a:rPr lang="en-US" smtClean="0"/>
-              <a:t>4/16/2025</a:t>
+              <a:t>4/25/2025</a:t>
             </a:fld>
             <a:endParaRPr lang="en-US"/>
           </a:p>
@@ -1245,7 +1249,7 @@
           <a:p>
             <a:fld id="{AD772B8A-C981-4167-97B2-9389764143AA}" type="datetimeFigureOut">
               <a:rPr lang="en-US" smtClean="0"/>
-              <a:t>4/16/2025</a:t>
+              <a:t>4/25/2025</a:t>
             </a:fld>
             <a:endParaRPr lang="en-US"/>
           </a:p>
@@ -1520,7 +1524,7 @@
           <a:p>
             <a:fld id="{AD772B8A-C981-4167-97B2-9389764143AA}" type="datetimeFigureOut">
               <a:rPr lang="en-US" smtClean="0"/>
-              <a:t>4/16/2025</a:t>
+              <a:t>4/25/2025</a:t>
             </a:fld>
             <a:endParaRPr lang="en-US"/>
           </a:p>
@@ -1785,7 +1789,7 @@
           <a:p>
             <a:fld id="{AD772B8A-C981-4167-97B2-9389764143AA}" type="datetimeFigureOut">
               <a:rPr lang="en-US" smtClean="0"/>
-              <a:t>4/16/2025</a:t>
+              <a:t>4/25/2025</a:t>
             </a:fld>
             <a:endParaRPr lang="en-US"/>
           </a:p>
@@ -2197,7 +2201,7 @@
           <a:p>
             <a:fld id="{AD772B8A-C981-4167-97B2-9389764143AA}" type="datetimeFigureOut">
               <a:rPr lang="en-US" smtClean="0"/>
-              <a:t>4/16/2025</a:t>
+              <a:t>4/25/2025</a:t>
             </a:fld>
             <a:endParaRPr lang="en-US"/>
           </a:p>
@@ -2338,7 +2342,7 @@
           <a:p>
             <a:fld id="{AD772B8A-C981-4167-97B2-9389764143AA}" type="datetimeFigureOut">
               <a:rPr lang="en-US" smtClean="0"/>
-              <a:t>4/16/2025</a:t>
+              <a:t>4/25/2025</a:t>
             </a:fld>
             <a:endParaRPr lang="en-US"/>
           </a:p>
@@ -2765,7 +2769,7 @@
           <a:p>
             <a:fld id="{AD772B8A-C981-4167-97B2-9389764143AA}" type="datetimeFigureOut">
               <a:rPr lang="en-US" smtClean="0"/>
-              <a:t>4/16/2025</a:t>
+              <a:t>4/25/2025</a:t>
             </a:fld>
             <a:endParaRPr lang="en-US"/>
           </a:p>
@@ -3053,7 +3057,7 @@
           <a:p>
             <a:fld id="{AD772B8A-C981-4167-97B2-9389764143AA}" type="datetimeFigureOut">
               <a:rPr lang="en-US" smtClean="0"/>
-              <a:t>4/16/2025</a:t>
+              <a:t>4/25/2025</a:t>
             </a:fld>
             <a:endParaRPr lang="en-US"/>
           </a:p>
@@ -4363,13 +4367,16 @@
           </a:bodyPr>
           <a:lstStyle/>
           <a:p>
-            <a:endParaRPr lang="en-US" b="1" dirty="0">
-              <a:solidFill>
-                <a:srgbClr val="FE5E61"/>
-              </a:solidFill>
-              <a:latin typeface="EB Garamond" panose="00000500000000000000" pitchFamily="2" charset="0"/>
-              <a:ea typeface="EB Garamond" panose="00000500000000000000" pitchFamily="2" charset="0"/>
-            </a:endParaRPr>
+            <a:r>
+              <a:rPr lang="en-US" b="1" dirty="0">
+                <a:solidFill>
+                  <a:srgbClr val="FE5E61"/>
+                </a:solidFill>
+                <a:latin typeface="EB Garamond" panose="00000500000000000000" pitchFamily="2" charset="0"/>
+                <a:ea typeface="EB Garamond" panose="00000500000000000000" pitchFamily="2" charset="0"/>
+              </a:rPr>
+              <a:t>Architecture Diagram</a:t>
+            </a:r>
           </a:p>
         </p:txBody>
       </p:sp>
@@ -4391,13 +4398,13 @@
         </p:nvSpPr>
         <p:spPr>
           <a:xfrm>
-            <a:off x="676275" y="1087688"/>
-            <a:ext cx="10696575" cy="4684713"/>
+            <a:off x="8165228" y="1087688"/>
+            <a:ext cx="3549694" cy="4684713"/>
           </a:xfrm>
         </p:spPr>
         <p:txBody>
           <a:bodyPr vert="horz" lIns="91440" tIns="45720" rIns="91440" bIns="45720" rtlCol="0" anchor="t">
-            <a:normAutofit/>
+            <a:normAutofit fontScale="92500" lnSpcReduction="20000"/>
           </a:bodyPr>
           <a:lstStyle/>
           <a:p>
@@ -4406,10 +4413,13 @@
                 <a:spcPct val="150000"/>
               </a:lnSpc>
             </a:pPr>
-            <a:endParaRPr lang="en-US" sz="3600" dirty="0">
-              <a:latin typeface="EB Garamond"/>
-              <a:ea typeface="EB Garamond"/>
-            </a:endParaRPr>
+            <a:r>
+              <a:rPr lang="en-US" sz="3600" dirty="0">
+                <a:latin typeface="EB Garamond"/>
+                <a:ea typeface="EB Garamond"/>
+              </a:rPr>
+              <a:t>The architecture diagram for our project is fairly straightforward since GitHub Pages is a static site host.</a:t>
+            </a:r>
           </a:p>
         </p:txBody>
       </p:sp>
@@ -4555,6 +4565,42 @@
           </a:p>
         </p:txBody>
       </p:sp>
+      <p:pic>
+        <p:nvPicPr>
+          <p:cNvPr id="8" name="Picture 7" descr="A diagram of a computer network&#10;&#10;AI-generated content may be incorrect.">
+            <a:extLst>
+              <a:ext uri="{FF2B5EF4-FFF2-40B4-BE49-F238E27FC236}">
+                <a16:creationId xmlns:a16="http://schemas.microsoft.com/office/drawing/2014/main" id="{BC154AC7-7226-2E79-A064-22E6C6936720}"/>
+              </a:ext>
+            </a:extLst>
+          </p:cNvPr>
+          <p:cNvPicPr>
+            <a:picLocks noChangeAspect="1"/>
+          </p:cNvPicPr>
+          <p:nvPr/>
+        </p:nvPicPr>
+        <p:blipFill>
+          <a:blip r:embed="rId2">
+            <a:extLst>
+              <a:ext uri="{28A0092B-C50C-407E-A947-70E740481C1C}">
+                <a14:useLocalDpi xmlns:a14="http://schemas.microsoft.com/office/drawing/2010/main" val="0"/>
+              </a:ext>
+            </a:extLst>
+          </a:blip>
+          <a:stretch>
+            <a:fillRect/>
+          </a:stretch>
+        </p:blipFill>
+        <p:spPr>
+          <a:xfrm>
+            <a:off x="305216" y="898358"/>
+            <a:ext cx="7860012" cy="5160009"/>
+          </a:xfrm>
+          <a:prstGeom prst="rect">
+            <a:avLst/>
+          </a:prstGeom>
+        </p:spPr>
+      </p:pic>
     </p:spTree>
     <p:extLst>
       <p:ext uri="{BB962C8B-B14F-4D97-AF65-F5344CB8AC3E}">
@@ -4569,6 +4615,517 @@
 </file>
 
 <file path=ppt/slides/slide3.xml><?xml version="1.0" encoding="utf-8"?>
+<p:sld xmlns:a="http://schemas.openxmlformats.org/drawingml/2006/main" xmlns:r="http://schemas.openxmlformats.org/officeDocument/2006/relationships" xmlns:p="http://schemas.openxmlformats.org/presentationml/2006/main">
+  <p:cSld>
+    <p:spTree>
+      <p:nvGrpSpPr>
+        <p:cNvPr id="1" name="">
+          <a:extLst>
+            <a:ext uri="{FF2B5EF4-FFF2-40B4-BE49-F238E27FC236}">
+              <a16:creationId xmlns:a16="http://schemas.microsoft.com/office/drawing/2014/main" id="{64848D39-F1F7-9FF0-1C4C-C32B281415F8}"/>
+            </a:ext>
+          </a:extLst>
+        </p:cNvPr>
+        <p:cNvGrpSpPr/>
+        <p:nvPr/>
+      </p:nvGrpSpPr>
+      <p:grpSpPr>
+        <a:xfrm>
+          <a:off x="0" y="0"/>
+          <a:ext cx="0" cy="0"/>
+          <a:chOff x="0" y="0"/>
+          <a:chExt cx="0" cy="0"/>
+        </a:xfrm>
+      </p:grpSpPr>
+      <p:sp>
+        <p:nvSpPr>
+          <p:cNvPr id="2" name="Title 1">
+            <a:extLst>
+              <a:ext uri="{FF2B5EF4-FFF2-40B4-BE49-F238E27FC236}">
+                <a16:creationId xmlns:a16="http://schemas.microsoft.com/office/drawing/2014/main" id="{CE1C61D3-49AA-178A-F651-D1E49C84C863}"/>
+              </a:ext>
+            </a:extLst>
+          </p:cNvPr>
+          <p:cNvSpPr>
+            <a:spLocks noGrp="1"/>
+          </p:cNvSpPr>
+          <p:nvPr>
+            <p:ph type="title"/>
+          </p:nvPr>
+        </p:nvSpPr>
+        <p:spPr>
+          <a:xfrm>
+            <a:off x="-1" y="0"/>
+            <a:ext cx="6488349" cy="898358"/>
+          </a:xfrm>
+        </p:spPr>
+        <p:txBody>
+          <a:bodyPr>
+            <a:noAutofit/>
+          </a:bodyPr>
+          <a:lstStyle/>
+          <a:p>
+            <a:r>
+              <a:rPr lang="en-US" b="1" dirty="0">
+                <a:solidFill>
+                  <a:srgbClr val="FE5E61"/>
+                </a:solidFill>
+                <a:latin typeface="EB Garamond" panose="00000500000000000000" pitchFamily="2" charset="0"/>
+                <a:ea typeface="EB Garamond" panose="00000500000000000000" pitchFamily="2" charset="0"/>
+              </a:rPr>
+              <a:t>Software Design Diagram</a:t>
+            </a:r>
+          </a:p>
+        </p:txBody>
+      </p:sp>
+      <p:sp>
+        <p:nvSpPr>
+          <p:cNvPr id="4" name="Rectangle 3">
+            <a:extLst>
+              <a:ext uri="{FF2B5EF4-FFF2-40B4-BE49-F238E27FC236}">
+                <a16:creationId xmlns:a16="http://schemas.microsoft.com/office/drawing/2014/main" id="{81FFC2DF-6E66-7B71-089B-B41BA3707BBC}"/>
+              </a:ext>
+            </a:extLst>
+          </p:cNvPr>
+          <p:cNvSpPr/>
+          <p:nvPr/>
+        </p:nvSpPr>
+        <p:spPr>
+          <a:xfrm>
+            <a:off x="-1" y="6614809"/>
+            <a:ext cx="12192000" cy="243191"/>
+          </a:xfrm>
+          <a:prstGeom prst="rect">
+            <a:avLst/>
+          </a:prstGeom>
+          <a:solidFill>
+            <a:srgbClr val="FE5E61"/>
+          </a:solidFill>
+          <a:ln>
+            <a:noFill/>
+          </a:ln>
+        </p:spPr>
+        <p:style>
+          <a:lnRef idx="2">
+            <a:schemeClr val="accent1">
+              <a:shade val="15000"/>
+            </a:schemeClr>
+          </a:lnRef>
+          <a:fillRef idx="1">
+            <a:schemeClr val="accent1"/>
+          </a:fillRef>
+          <a:effectRef idx="0">
+            <a:schemeClr val="accent1"/>
+          </a:effectRef>
+          <a:fontRef idx="minor">
+            <a:schemeClr val="lt1"/>
+          </a:fontRef>
+        </p:style>
+        <p:txBody>
+          <a:bodyPr rtlCol="0" anchor="ctr"/>
+          <a:lstStyle/>
+          <a:p>
+            <a:pPr algn="ctr"/>
+            <a:endParaRPr lang="en-US"/>
+          </a:p>
+        </p:txBody>
+      </p:sp>
+      <p:sp>
+        <p:nvSpPr>
+          <p:cNvPr id="7" name="TextBox 6">
+            <a:extLst>
+              <a:ext uri="{FF2B5EF4-FFF2-40B4-BE49-F238E27FC236}">
+                <a16:creationId xmlns:a16="http://schemas.microsoft.com/office/drawing/2014/main" id="{CBE8E69D-9867-FB50-3355-31953BA9D842}"/>
+              </a:ext>
+            </a:extLst>
+          </p:cNvPr>
+          <p:cNvSpPr txBox="1"/>
+          <p:nvPr/>
+        </p:nvSpPr>
+        <p:spPr>
+          <a:xfrm>
+            <a:off x="5594098" y="6430143"/>
+            <a:ext cx="728084" cy="369332"/>
+          </a:xfrm>
+          <a:prstGeom prst="rect">
+            <a:avLst/>
+          </a:prstGeom>
+          <a:solidFill>
+            <a:schemeClr val="bg1"/>
+          </a:solidFill>
+          <a:ln>
+            <a:solidFill>
+              <a:schemeClr val="tx1"/>
+            </a:solidFill>
+          </a:ln>
+        </p:spPr>
+        <p:txBody>
+          <a:bodyPr wrap="none" rtlCol="0">
+            <a:spAutoFit/>
+          </a:bodyPr>
+          <a:lstStyle/>
+          <a:p>
+            <a:r>
+              <a:rPr lang="en-US" dirty="0">
+                <a:latin typeface="EB Garamond" panose="00000500000000000000" pitchFamily="2" charset="0"/>
+                <a:ea typeface="EB Garamond" panose="00000500000000000000" pitchFamily="2" charset="0"/>
+              </a:rPr>
+              <a:t>Name</a:t>
+            </a:r>
+          </a:p>
+        </p:txBody>
+      </p:sp>
+      <p:sp>
+        <p:nvSpPr>
+          <p:cNvPr id="5" name="TextBox 4">
+            <a:extLst>
+              <a:ext uri="{FF2B5EF4-FFF2-40B4-BE49-F238E27FC236}">
+                <a16:creationId xmlns:a16="http://schemas.microsoft.com/office/drawing/2014/main" id="{0605E4FE-AB98-B162-FD11-2EA7787215FF}"/>
+              </a:ext>
+            </a:extLst>
+          </p:cNvPr>
+          <p:cNvSpPr txBox="1"/>
+          <p:nvPr/>
+        </p:nvSpPr>
+        <p:spPr>
+          <a:xfrm>
+            <a:off x="2031455" y="6430143"/>
+            <a:ext cx="612668" cy="369332"/>
+          </a:xfrm>
+          <a:prstGeom prst="rect">
+            <a:avLst/>
+          </a:prstGeom>
+          <a:solidFill>
+            <a:schemeClr val="bg1"/>
+          </a:solidFill>
+          <a:ln>
+            <a:solidFill>
+              <a:schemeClr val="tx1"/>
+            </a:solidFill>
+          </a:ln>
+        </p:spPr>
+        <p:txBody>
+          <a:bodyPr wrap="none" rtlCol="0">
+            <a:spAutoFit/>
+          </a:bodyPr>
+          <a:lstStyle/>
+          <a:p>
+            <a:r>
+              <a:rPr lang="en-US" dirty="0">
+                <a:latin typeface="EB Garamond" panose="00000500000000000000" pitchFamily="2" charset="0"/>
+                <a:ea typeface="EB Garamond" panose="00000500000000000000" pitchFamily="2" charset="0"/>
+              </a:rPr>
+              <a:t>Date</a:t>
+            </a:r>
+          </a:p>
+        </p:txBody>
+      </p:sp>
+      <p:pic>
+        <p:nvPicPr>
+          <p:cNvPr id="12" name="Picture 11" descr="A diagram of a company&#10;&#10;AI-generated content may be incorrect.">
+            <a:extLst>
+              <a:ext uri="{FF2B5EF4-FFF2-40B4-BE49-F238E27FC236}">
+                <a16:creationId xmlns:a16="http://schemas.microsoft.com/office/drawing/2014/main" id="{54292CBC-D113-8091-096F-1E79579176FD}"/>
+              </a:ext>
+            </a:extLst>
+          </p:cNvPr>
+          <p:cNvPicPr>
+            <a:picLocks noChangeAspect="1"/>
+          </p:cNvPicPr>
+          <p:nvPr/>
+        </p:nvPicPr>
+        <p:blipFill>
+          <a:blip r:embed="rId2">
+            <a:extLst>
+              <a:ext uri="{28A0092B-C50C-407E-A947-70E740481C1C}">
+                <a14:useLocalDpi xmlns:a14="http://schemas.microsoft.com/office/drawing/2010/main" val="0"/>
+              </a:ext>
+            </a:extLst>
+          </a:blip>
+          <a:stretch>
+            <a:fillRect/>
+          </a:stretch>
+        </p:blipFill>
+        <p:spPr>
+          <a:xfrm>
+            <a:off x="-1" y="635000"/>
+            <a:ext cx="12192000" cy="5588000"/>
+          </a:xfrm>
+          <a:prstGeom prst="rect">
+            <a:avLst/>
+          </a:prstGeom>
+        </p:spPr>
+      </p:pic>
+    </p:spTree>
+    <p:extLst>
+      <p:ext uri="{BB962C8B-B14F-4D97-AF65-F5344CB8AC3E}">
+        <p14:creationId xmlns:p14="http://schemas.microsoft.com/office/powerpoint/2010/main" val="941188688"/>
+      </p:ext>
+    </p:extLst>
+  </p:cSld>
+  <p:clrMapOvr>
+    <a:masterClrMapping/>
+  </p:clrMapOvr>
+</p:sld>
+</file>
+
+<file path=ppt/slides/slide4.xml><?xml version="1.0" encoding="utf-8"?>
+<p:sld xmlns:a="http://schemas.openxmlformats.org/drawingml/2006/main" xmlns:r="http://schemas.openxmlformats.org/officeDocument/2006/relationships" xmlns:p="http://schemas.openxmlformats.org/presentationml/2006/main">
+  <p:cSld>
+    <p:spTree>
+      <p:nvGrpSpPr>
+        <p:cNvPr id="1" name="">
+          <a:extLst>
+            <a:ext uri="{FF2B5EF4-FFF2-40B4-BE49-F238E27FC236}">
+              <a16:creationId xmlns:a16="http://schemas.microsoft.com/office/drawing/2014/main" id="{6BEA85D4-EECB-1437-2910-0C5EF0059E21}"/>
+            </a:ext>
+          </a:extLst>
+        </p:cNvPr>
+        <p:cNvGrpSpPr/>
+        <p:nvPr/>
+      </p:nvGrpSpPr>
+      <p:grpSpPr>
+        <a:xfrm>
+          <a:off x="0" y="0"/>
+          <a:ext cx="0" cy="0"/>
+          <a:chOff x="0" y="0"/>
+          <a:chExt cx="0" cy="0"/>
+        </a:xfrm>
+      </p:grpSpPr>
+      <p:sp>
+        <p:nvSpPr>
+          <p:cNvPr id="2" name="Title 1">
+            <a:extLst>
+              <a:ext uri="{FF2B5EF4-FFF2-40B4-BE49-F238E27FC236}">
+                <a16:creationId xmlns:a16="http://schemas.microsoft.com/office/drawing/2014/main" id="{53778690-60F9-3BC4-ACED-35BB7052E159}"/>
+              </a:ext>
+            </a:extLst>
+          </p:cNvPr>
+          <p:cNvSpPr>
+            <a:spLocks noGrp="1"/>
+          </p:cNvSpPr>
+          <p:nvPr>
+            <p:ph type="title"/>
+          </p:nvPr>
+        </p:nvSpPr>
+        <p:spPr>
+          <a:xfrm>
+            <a:off x="-1" y="0"/>
+            <a:ext cx="6488349" cy="898358"/>
+          </a:xfrm>
+        </p:spPr>
+        <p:txBody>
+          <a:bodyPr>
+            <a:noAutofit/>
+          </a:bodyPr>
+          <a:lstStyle/>
+          <a:p>
+            <a:endParaRPr lang="en-US" b="1" dirty="0">
+              <a:solidFill>
+                <a:srgbClr val="FE5E61"/>
+              </a:solidFill>
+              <a:latin typeface="EB Garamond" panose="00000500000000000000" pitchFamily="2" charset="0"/>
+              <a:ea typeface="EB Garamond" panose="00000500000000000000" pitchFamily="2" charset="0"/>
+            </a:endParaRPr>
+          </a:p>
+        </p:txBody>
+      </p:sp>
+      <p:sp>
+        <p:nvSpPr>
+          <p:cNvPr id="3" name="Content Placeholder 2">
+            <a:extLst>
+              <a:ext uri="{FF2B5EF4-FFF2-40B4-BE49-F238E27FC236}">
+                <a16:creationId xmlns:a16="http://schemas.microsoft.com/office/drawing/2014/main" id="{CDEC6139-2386-11D5-18E0-052415D9CEDE}"/>
+              </a:ext>
+            </a:extLst>
+          </p:cNvPr>
+          <p:cNvSpPr>
+            <a:spLocks noGrp="1"/>
+          </p:cNvSpPr>
+          <p:nvPr>
+            <p:ph idx="1"/>
+          </p:nvPr>
+        </p:nvSpPr>
+        <p:spPr>
+          <a:xfrm>
+            <a:off x="676275" y="1087688"/>
+            <a:ext cx="10696575" cy="4684713"/>
+          </a:xfrm>
+        </p:spPr>
+        <p:txBody>
+          <a:bodyPr vert="horz" lIns="91440" tIns="45720" rIns="91440" bIns="45720" rtlCol="0" anchor="t">
+            <a:normAutofit/>
+          </a:bodyPr>
+          <a:lstStyle/>
+          <a:p>
+            <a:pPr marL="571500" indent="-571500">
+              <a:lnSpc>
+                <a:spcPct val="150000"/>
+              </a:lnSpc>
+            </a:pPr>
+            <a:endParaRPr lang="en-US" sz="3600" dirty="0">
+              <a:latin typeface="EB Garamond"/>
+              <a:ea typeface="EB Garamond"/>
+            </a:endParaRPr>
+          </a:p>
+        </p:txBody>
+      </p:sp>
+      <p:sp>
+        <p:nvSpPr>
+          <p:cNvPr id="4" name="Rectangle 3">
+            <a:extLst>
+              <a:ext uri="{FF2B5EF4-FFF2-40B4-BE49-F238E27FC236}">
+                <a16:creationId xmlns:a16="http://schemas.microsoft.com/office/drawing/2014/main" id="{61DB66AB-CDF3-CBD1-3BA4-437414AFE91B}"/>
+              </a:ext>
+            </a:extLst>
+          </p:cNvPr>
+          <p:cNvSpPr/>
+          <p:nvPr/>
+        </p:nvSpPr>
+        <p:spPr>
+          <a:xfrm>
+            <a:off x="-1" y="6614809"/>
+            <a:ext cx="12192000" cy="243191"/>
+          </a:xfrm>
+          <a:prstGeom prst="rect">
+            <a:avLst/>
+          </a:prstGeom>
+          <a:solidFill>
+            <a:srgbClr val="FE5E61"/>
+          </a:solidFill>
+          <a:ln>
+            <a:noFill/>
+          </a:ln>
+        </p:spPr>
+        <p:style>
+          <a:lnRef idx="2">
+            <a:schemeClr val="accent1">
+              <a:shade val="15000"/>
+            </a:schemeClr>
+          </a:lnRef>
+          <a:fillRef idx="1">
+            <a:schemeClr val="accent1"/>
+          </a:fillRef>
+          <a:effectRef idx="0">
+            <a:schemeClr val="accent1"/>
+          </a:effectRef>
+          <a:fontRef idx="minor">
+            <a:schemeClr val="lt1"/>
+          </a:fontRef>
+        </p:style>
+        <p:txBody>
+          <a:bodyPr rtlCol="0" anchor="ctr"/>
+          <a:lstStyle/>
+          <a:p>
+            <a:pPr algn="ctr"/>
+            <a:endParaRPr lang="en-US"/>
+          </a:p>
+        </p:txBody>
+      </p:sp>
+      <p:sp>
+        <p:nvSpPr>
+          <p:cNvPr id="7" name="TextBox 6">
+            <a:extLst>
+              <a:ext uri="{FF2B5EF4-FFF2-40B4-BE49-F238E27FC236}">
+                <a16:creationId xmlns:a16="http://schemas.microsoft.com/office/drawing/2014/main" id="{C874703E-32CE-2F50-A0AC-0FA515FD6CF1}"/>
+              </a:ext>
+            </a:extLst>
+          </p:cNvPr>
+          <p:cNvSpPr txBox="1"/>
+          <p:nvPr/>
+        </p:nvSpPr>
+        <p:spPr>
+          <a:xfrm>
+            <a:off x="5594098" y="6430143"/>
+            <a:ext cx="728084" cy="369332"/>
+          </a:xfrm>
+          <a:prstGeom prst="rect">
+            <a:avLst/>
+          </a:prstGeom>
+          <a:solidFill>
+            <a:schemeClr val="bg1"/>
+          </a:solidFill>
+          <a:ln>
+            <a:solidFill>
+              <a:schemeClr val="tx1"/>
+            </a:solidFill>
+          </a:ln>
+        </p:spPr>
+        <p:txBody>
+          <a:bodyPr wrap="none" rtlCol="0">
+            <a:spAutoFit/>
+          </a:bodyPr>
+          <a:lstStyle/>
+          <a:p>
+            <a:r>
+              <a:rPr lang="en-US" dirty="0">
+                <a:latin typeface="EB Garamond" panose="00000500000000000000" pitchFamily="2" charset="0"/>
+                <a:ea typeface="EB Garamond" panose="00000500000000000000" pitchFamily="2" charset="0"/>
+              </a:rPr>
+              <a:t>Name</a:t>
+            </a:r>
+          </a:p>
+        </p:txBody>
+      </p:sp>
+      <p:sp>
+        <p:nvSpPr>
+          <p:cNvPr id="5" name="TextBox 4">
+            <a:extLst>
+              <a:ext uri="{FF2B5EF4-FFF2-40B4-BE49-F238E27FC236}">
+                <a16:creationId xmlns:a16="http://schemas.microsoft.com/office/drawing/2014/main" id="{4D047CF3-C41D-7D15-6BA5-F46A71EB6B84}"/>
+              </a:ext>
+            </a:extLst>
+          </p:cNvPr>
+          <p:cNvSpPr txBox="1"/>
+          <p:nvPr/>
+        </p:nvSpPr>
+        <p:spPr>
+          <a:xfrm>
+            <a:off x="2031455" y="6430143"/>
+            <a:ext cx="612668" cy="369332"/>
+          </a:xfrm>
+          <a:prstGeom prst="rect">
+            <a:avLst/>
+          </a:prstGeom>
+          <a:solidFill>
+            <a:schemeClr val="bg1"/>
+          </a:solidFill>
+          <a:ln>
+            <a:solidFill>
+              <a:schemeClr val="tx1"/>
+            </a:solidFill>
+          </a:ln>
+        </p:spPr>
+        <p:txBody>
+          <a:bodyPr wrap="none" rtlCol="0">
+            <a:spAutoFit/>
+          </a:bodyPr>
+          <a:lstStyle/>
+          <a:p>
+            <a:r>
+              <a:rPr lang="en-US" dirty="0">
+                <a:latin typeface="EB Garamond" panose="00000500000000000000" pitchFamily="2" charset="0"/>
+                <a:ea typeface="EB Garamond" panose="00000500000000000000" pitchFamily="2" charset="0"/>
+              </a:rPr>
+              <a:t>Date</a:t>
+            </a:r>
+          </a:p>
+        </p:txBody>
+      </p:sp>
+    </p:spTree>
+    <p:extLst>
+      <p:ext uri="{BB962C8B-B14F-4D97-AF65-F5344CB8AC3E}">
+        <p14:creationId xmlns:p14="http://schemas.microsoft.com/office/powerpoint/2010/main" val="4086607083"/>
+      </p:ext>
+    </p:extLst>
+  </p:cSld>
+  <p:clrMapOvr>
+    <a:masterClrMapping/>
+  </p:clrMapOvr>
+</p:sld>
+</file>
+
+<file path=ppt/slides/slide5.xml><?xml version="1.0" encoding="utf-8"?>
 <p:sld xmlns:a="http://schemas.openxmlformats.org/drawingml/2006/main" xmlns:r="http://schemas.openxmlformats.org/officeDocument/2006/relationships" xmlns:p="http://schemas.openxmlformats.org/presentationml/2006/main">
   <p:cSld>
     <p:bg>
@@ -5655,23 +6212,6 @@
 </file>
 
 <file path=customXml/item1.xml><?xml version="1.0" encoding="utf-8"?>
-<p:properties xmlns:p="http://schemas.microsoft.com/office/2006/metadata/properties" xmlns:xsi="http://www.w3.org/2001/XMLSchema-instance" xmlns:pc="http://schemas.microsoft.com/office/infopath/2007/PartnerControls">
-  <documentManagement>
-    <_activity xmlns="13ff1bab-4769-433b-887e-aafb5391e712" xsi:nil="true"/>
-  </documentManagement>
-</p:properties>
-</file>
-
-<file path=customXml/item2.xml><?xml version="1.0" encoding="utf-8"?>
-<?mso-contentType ?>
-<FormTemplates xmlns="http://schemas.microsoft.com/sharepoint/v3/contenttype/forms">
-  <Display>DocumentLibraryForm</Display>
-  <Edit>DocumentLibraryForm</Edit>
-  <New>DocumentLibraryForm</New>
-</FormTemplates>
-</file>
-
-<file path=customXml/item3.xml><?xml version="1.0" encoding="utf-8"?>
 <ct:contentTypeSchema xmlns:ct="http://schemas.microsoft.com/office/2006/metadata/contentType" xmlns:ma="http://schemas.microsoft.com/office/2006/metadata/properties/metaAttributes" ct:_="" ma:_="" ma:contentTypeName="Document" ma:contentTypeID="0x0101004936A5488FF3914287EE64018993C202" ma:contentTypeVersion="14" ma:contentTypeDescription="Create a new document." ma:contentTypeScope="" ma:versionID="ac011f3bbec9840af9e457523cea10db">
   <xsd:schema xmlns:xsd="http://www.w3.org/2001/XMLSchema" xmlns:xs="http://www.w3.org/2001/XMLSchema" xmlns:p="http://schemas.microsoft.com/office/2006/metadata/properties" xmlns:ns3="13ff1bab-4769-433b-887e-aafb5391e712" xmlns:ns4="321aa1e2-ece3-4db8-866f-99c9ff5f174f" targetNamespace="http://schemas.microsoft.com/office/2006/metadata/properties" ma:root="true" ma:fieldsID="147e52241c906e7cb508fc2c920d1e35" ns3:_="" ns4:_="">
     <xsd:import namespace="13ff1bab-4769-433b-887e-aafb5391e712"/>
@@ -5898,32 +6438,24 @@
 </ct:contentTypeSchema>
 </file>
 
-<file path=customXml/itemProps1.xml><?xml version="1.0" encoding="utf-8"?>
-<ds:datastoreItem xmlns:ds="http://schemas.openxmlformats.org/officeDocument/2006/customXml" ds:itemID="{43C57BCB-4048-4813-9E3A-7B9B126D99DF}">
-  <ds:schemaRefs>
-    <ds:schemaRef ds:uri="13ff1bab-4769-433b-887e-aafb5391e712"/>
-    <ds:schemaRef ds:uri="321aa1e2-ece3-4db8-866f-99c9ff5f174f"/>
-    <ds:schemaRef ds:uri="http://purl.org/dc/dcmitype/"/>
-    <ds:schemaRef ds:uri="http://purl.org/dc/elements/1.1/"/>
-    <ds:schemaRef ds:uri="http://purl.org/dc/terms/"/>
-    <ds:schemaRef ds:uri="http://schemas.microsoft.com/office/2006/documentManagement/types"/>
-    <ds:schemaRef ds:uri="http://schemas.microsoft.com/office/2006/metadata/properties"/>
-    <ds:schemaRef ds:uri="http://schemas.microsoft.com/office/infopath/2007/PartnerControls"/>
-    <ds:schemaRef ds:uri="http://schemas.openxmlformats.org/package/2006/metadata/core-properties"/>
-    <ds:schemaRef ds:uri="http://www.w3.org/XML/1998/namespace"/>
-  </ds:schemaRefs>
-</ds:datastoreItem>
+<file path=customXml/item2.xml><?xml version="1.0" encoding="utf-8"?>
+<?mso-contentType ?>
+<FormTemplates xmlns="http://schemas.microsoft.com/sharepoint/v3/contenttype/forms">
+  <Display>DocumentLibraryForm</Display>
+  <Edit>DocumentLibraryForm</Edit>
+  <New>DocumentLibraryForm</New>
+</FormTemplates>
 </file>
 
-<file path=customXml/itemProps2.xml><?xml version="1.0" encoding="utf-8"?>
-<ds:datastoreItem xmlns:ds="http://schemas.openxmlformats.org/officeDocument/2006/customXml" ds:itemID="{07D81689-5A9E-4B2F-99F3-AD6CFA2AE90B}">
-  <ds:schemaRefs>
-    <ds:schemaRef ds:uri="http://schemas.microsoft.com/sharepoint/v3/contenttype/forms"/>
-  </ds:schemaRefs>
-</ds:datastoreItem>
+<file path=customXml/item3.xml><?xml version="1.0" encoding="utf-8"?>
+<p:properties xmlns:p="http://schemas.microsoft.com/office/2006/metadata/properties" xmlns:xsi="http://www.w3.org/2001/XMLSchema-instance" xmlns:pc="http://schemas.microsoft.com/office/infopath/2007/PartnerControls">
+  <documentManagement>
+    <_activity xmlns="13ff1bab-4769-433b-887e-aafb5391e712" xsi:nil="true"/>
+  </documentManagement>
+</p:properties>
 </file>
 
-<file path=customXml/itemProps3.xml><?xml version="1.0" encoding="utf-8"?>
+<file path=customXml/itemProps1.xml><?xml version="1.0" encoding="utf-8"?>
 <ds:datastoreItem xmlns:ds="http://schemas.openxmlformats.org/officeDocument/2006/customXml" ds:itemID="{65525922-5AA1-4147-994C-42F002C9920A}">
   <ds:schemaRefs>
     <ds:schemaRef ds:uri="13ff1bab-4769-433b-887e-aafb5391e712"/>
@@ -5940,4 +6472,29 @@
     <ds:schemaRef ds:uri="http://www.w3.org/2001/XMLSchema"/>
   </ds:schemaRefs>
 </ds:datastoreItem>
+</file>
+
+<file path=customXml/itemProps2.xml><?xml version="1.0" encoding="utf-8"?>
+<ds:datastoreItem xmlns:ds="http://schemas.openxmlformats.org/officeDocument/2006/customXml" ds:itemID="{07D81689-5A9E-4B2F-99F3-AD6CFA2AE90B}">
+  <ds:schemaRefs>
+    <ds:schemaRef ds:uri="http://schemas.microsoft.com/sharepoint/v3/contenttype/forms"/>
+  </ds:schemaRefs>
+</ds:datastoreItem>
+</file>
+
+<file path=customXml/itemProps3.xml><?xml version="1.0" encoding="utf-8"?>
+<ds:datastoreItem xmlns:ds="http://schemas.openxmlformats.org/officeDocument/2006/customXml" ds:itemID="{43C57BCB-4048-4813-9E3A-7B9B126D99DF}">
+  <ds:schemaRefs>
+    <ds:schemaRef ds:uri="13ff1bab-4769-433b-887e-aafb5391e712"/>
+    <ds:schemaRef ds:uri="321aa1e2-ece3-4db8-866f-99c9ff5f174f"/>
+    <ds:schemaRef ds:uri="http://purl.org/dc/dcmitype/"/>
+    <ds:schemaRef ds:uri="http://purl.org/dc/elements/1.1/"/>
+    <ds:schemaRef ds:uri="http://purl.org/dc/terms/"/>
+    <ds:schemaRef ds:uri="http://schemas.microsoft.com/office/2006/documentManagement/types"/>
+    <ds:schemaRef ds:uri="http://schemas.microsoft.com/office/2006/metadata/properties"/>
+    <ds:schemaRef ds:uri="http://schemas.microsoft.com/office/infopath/2007/PartnerControls"/>
+    <ds:schemaRef ds:uri="http://schemas.openxmlformats.org/package/2006/metadata/core-properties"/>
+    <ds:schemaRef ds:uri="http://www.w3.org/XML/1998/namespace"/>
+  </ds:schemaRefs>
+</ds:datastoreItem>
 </file>
--- a/docs/CS3300 – Introduction to Software Engineering - Final.pptx
+++ b/docs/CS3300 – Introduction to Software Engineering - Final.pptx
@@ -231,7 +231,7 @@
           <a:p>
             <a:fld id="{F8B5B181-1792-431A-B18A-2085692FD22C}" type="datetimeFigureOut">
               <a:rPr lang="en-US" smtClean="0"/>
-              <a:t>4/25/2025</a:t>
+              <a:t>4/27/2025</a:t>
             </a:fld>
             <a:endParaRPr lang="en-US"/>
           </a:p>
@@ -645,7 +645,7 @@
           <a:p>
             <a:fld id="{AD772B8A-C981-4167-97B2-9389764143AA}" type="datetimeFigureOut">
               <a:rPr lang="en-US" smtClean="0"/>
-              <a:t>4/25/2025</a:t>
+              <a:t>4/27/2025</a:t>
             </a:fld>
             <a:endParaRPr lang="en-US"/>
           </a:p>
@@ -843,7 +843,7 @@
           <a:p>
             <a:fld id="{AD772B8A-C981-4167-97B2-9389764143AA}" type="datetimeFigureOut">
               <a:rPr lang="en-US" smtClean="0"/>
-              <a:t>4/25/2025</a:t>
+              <a:t>4/27/2025</a:t>
             </a:fld>
             <a:endParaRPr lang="en-US"/>
           </a:p>
@@ -1051,7 +1051,7 @@
           <a:p>
             <a:fld id="{AD772B8A-C981-4167-97B2-9389764143AA}" type="datetimeFigureOut">
               <a:rPr lang="en-US" smtClean="0"/>
-              <a:t>4/25/2025</a:t>
+              <a:t>4/27/2025</a:t>
             </a:fld>
             <a:endParaRPr lang="en-US"/>
           </a:p>
@@ -1249,7 +1249,7 @@
           <a:p>
             <a:fld id="{AD772B8A-C981-4167-97B2-9389764143AA}" type="datetimeFigureOut">
               <a:rPr lang="en-US" smtClean="0"/>
-              <a:t>4/25/2025</a:t>
+              <a:t>4/27/2025</a:t>
             </a:fld>
             <a:endParaRPr lang="en-US"/>
           </a:p>
@@ -1524,7 +1524,7 @@
           <a:p>
             <a:fld id="{AD772B8A-C981-4167-97B2-9389764143AA}" type="datetimeFigureOut">
               <a:rPr lang="en-US" smtClean="0"/>
-              <a:t>4/25/2025</a:t>
+              <a:t>4/27/2025</a:t>
             </a:fld>
             <a:endParaRPr lang="en-US"/>
           </a:p>
@@ -1789,7 +1789,7 @@
           <a:p>
             <a:fld id="{AD772B8A-C981-4167-97B2-9389764143AA}" type="datetimeFigureOut">
               <a:rPr lang="en-US" smtClean="0"/>
-              <a:t>4/25/2025</a:t>
+              <a:t>4/27/2025</a:t>
             </a:fld>
             <a:endParaRPr lang="en-US"/>
           </a:p>
@@ -2201,7 +2201,7 @@
           <a:p>
             <a:fld id="{AD772B8A-C981-4167-97B2-9389764143AA}" type="datetimeFigureOut">
               <a:rPr lang="en-US" smtClean="0"/>
-              <a:t>4/25/2025</a:t>
+              <a:t>4/27/2025</a:t>
             </a:fld>
             <a:endParaRPr lang="en-US"/>
           </a:p>
@@ -2342,7 +2342,7 @@
           <a:p>
             <a:fld id="{AD772B8A-C981-4167-97B2-9389764143AA}" type="datetimeFigureOut">
               <a:rPr lang="en-US" smtClean="0"/>
-              <a:t>4/25/2025</a:t>
+              <a:t>4/27/2025</a:t>
             </a:fld>
             <a:endParaRPr lang="en-US"/>
           </a:p>
@@ -2769,7 +2769,7 @@
           <a:p>
             <a:fld id="{AD772B8A-C981-4167-97B2-9389764143AA}" type="datetimeFigureOut">
               <a:rPr lang="en-US" smtClean="0"/>
-              <a:t>4/25/2025</a:t>
+              <a:t>4/27/2025</a:t>
             </a:fld>
             <a:endParaRPr lang="en-US"/>
           </a:p>
@@ -3057,7 +3057,7 @@
           <a:p>
             <a:fld id="{AD772B8A-C981-4167-97B2-9389764143AA}" type="datetimeFigureOut">
               <a:rPr lang="en-US" smtClean="0"/>
-              <a:t>4/25/2025</a:t>
+              <a:t>4/27/2025</a:t>
             </a:fld>
             <a:endParaRPr lang="en-US"/>
           </a:p>
@@ -4822,10 +4822,10 @@
       </p:sp>
       <p:pic>
         <p:nvPicPr>
-          <p:cNvPr id="12" name="Picture 11" descr="A diagram of a company&#10;&#10;AI-generated content may be incorrect.">
-            <a:extLst>
-              <a:ext uri="{FF2B5EF4-FFF2-40B4-BE49-F238E27FC236}">
-                <a16:creationId xmlns:a16="http://schemas.microsoft.com/office/drawing/2014/main" id="{54292CBC-D113-8091-096F-1E79579176FD}"/>
+          <p:cNvPr id="6" name="Picture 5" descr="A diagram of a company&#10;&#10;AI-generated content may be incorrect.">
+            <a:extLst>
+              <a:ext uri="{FF2B5EF4-FFF2-40B4-BE49-F238E27FC236}">
+                <a16:creationId xmlns:a16="http://schemas.microsoft.com/office/drawing/2014/main" id="{1AEF83E9-E76E-7046-DFCB-B623CF5C5860}"/>
               </a:ext>
             </a:extLst>
           </p:cNvPr>
@@ -4848,8 +4848,8 @@
         </p:blipFill>
         <p:spPr>
           <a:xfrm>
-            <a:off x="-1" y="635000"/>
-            <a:ext cx="12192000" cy="5588000"/>
+            <a:off x="0" y="717176"/>
+            <a:ext cx="12192000" cy="5423647"/>
           </a:xfrm>
           <a:prstGeom prst="rect">
             <a:avLst/>
@@ -6439,20 +6439,20 @@
 </file>
 
 <file path=customXml/item2.xml><?xml version="1.0" encoding="utf-8"?>
+<p:properties xmlns:p="http://schemas.microsoft.com/office/2006/metadata/properties" xmlns:xsi="http://www.w3.org/2001/XMLSchema-instance" xmlns:pc="http://schemas.microsoft.com/office/infopath/2007/PartnerControls">
+  <documentManagement>
+    <_activity xmlns="13ff1bab-4769-433b-887e-aafb5391e712" xsi:nil="true"/>
+  </documentManagement>
+</p:properties>
+</file>
+
+<file path=customXml/item3.xml><?xml version="1.0" encoding="utf-8"?>
 <?mso-contentType ?>
 <FormTemplates xmlns="http://schemas.microsoft.com/sharepoint/v3/contenttype/forms">
   <Display>DocumentLibraryForm</Display>
   <Edit>DocumentLibraryForm</Edit>
   <New>DocumentLibraryForm</New>
 </FormTemplates>
-</file>
-
-<file path=customXml/item3.xml><?xml version="1.0" encoding="utf-8"?>
-<p:properties xmlns:p="http://schemas.microsoft.com/office/2006/metadata/properties" xmlns:xsi="http://www.w3.org/2001/XMLSchema-instance" xmlns:pc="http://schemas.microsoft.com/office/infopath/2007/PartnerControls">
-  <documentManagement>
-    <_activity xmlns="13ff1bab-4769-433b-887e-aafb5391e712" xsi:nil="true"/>
-  </documentManagement>
-</p:properties>
 </file>
 
 <file path=customXml/itemProps1.xml><?xml version="1.0" encoding="utf-8"?>
@@ -6475,14 +6475,6 @@
 </file>
 
 <file path=customXml/itemProps2.xml><?xml version="1.0" encoding="utf-8"?>
-<ds:datastoreItem xmlns:ds="http://schemas.openxmlformats.org/officeDocument/2006/customXml" ds:itemID="{07D81689-5A9E-4B2F-99F3-AD6CFA2AE90B}">
-  <ds:schemaRefs>
-    <ds:schemaRef ds:uri="http://schemas.microsoft.com/sharepoint/v3/contenttype/forms"/>
-  </ds:schemaRefs>
-</ds:datastoreItem>
-</file>
-
-<file path=customXml/itemProps3.xml><?xml version="1.0" encoding="utf-8"?>
 <ds:datastoreItem xmlns:ds="http://schemas.openxmlformats.org/officeDocument/2006/customXml" ds:itemID="{43C57BCB-4048-4813-9E3A-7B9B126D99DF}">
   <ds:schemaRefs>
     <ds:schemaRef ds:uri="13ff1bab-4769-433b-887e-aafb5391e712"/>
@@ -6497,4 +6489,12 @@
     <ds:schemaRef ds:uri="http://www.w3.org/XML/1998/namespace"/>
   </ds:schemaRefs>
 </ds:datastoreItem>
+</file>
+
+<file path=customXml/itemProps3.xml><?xml version="1.0" encoding="utf-8"?>
+<ds:datastoreItem xmlns:ds="http://schemas.openxmlformats.org/officeDocument/2006/customXml" ds:itemID="{07D81689-5A9E-4B2F-99F3-AD6CFA2AE90B}">
+  <ds:schemaRefs>
+    <ds:schemaRef ds:uri="http://schemas.microsoft.com/sharepoint/v3/contenttype/forms"/>
+  </ds:schemaRefs>
+</ds:datastoreItem>
 </file>
--- a/docs/CS3300 – Introduction to Software Engineering - Final.pptx
+++ b/docs/CS3300 – Introduction to Software Engineering - Final.pptx
@@ -5,14 +5,27 @@
     <p:sldMasterId id="2147483648" r:id="rId4"/>
   </p:sldMasterIdLst>
   <p:notesMasterIdLst>
-    <p:notesMasterId r:id="rId10"/>
+    <p:notesMasterId r:id="rId23"/>
   </p:notesMasterIdLst>
   <p:sldIdLst>
     <p:sldId id="256" r:id="rId5"/>
-    <p:sldId id="257" r:id="rId6"/>
-    <p:sldId id="278" r:id="rId7"/>
-    <p:sldId id="279" r:id="rId8"/>
-    <p:sldId id="277" r:id="rId9"/>
+    <p:sldId id="285" r:id="rId6"/>
+    <p:sldId id="258" r:id="rId7"/>
+    <p:sldId id="259" r:id="rId8"/>
+    <p:sldId id="257" r:id="rId9"/>
+    <p:sldId id="278" r:id="rId10"/>
+    <p:sldId id="286" r:id="rId11"/>
+    <p:sldId id="279" r:id="rId12"/>
+    <p:sldId id="281" r:id="rId13"/>
+    <p:sldId id="289" r:id="rId14"/>
+    <p:sldId id="280" r:id="rId15"/>
+    <p:sldId id="282" r:id="rId16"/>
+    <p:sldId id="284" r:id="rId17"/>
+    <p:sldId id="261" r:id="rId18"/>
+    <p:sldId id="283" r:id="rId19"/>
+    <p:sldId id="288" r:id="rId20"/>
+    <p:sldId id="287" r:id="rId21"/>
+    <p:sldId id="277" r:id="rId22"/>
   </p:sldIdLst>
   <p:sldSz cx="12192000" cy="6858000"/>
   <p:notesSz cx="6858000" cy="9144000"/>
@@ -121,9 +134,22 @@
         </p14:section>
         <p14:section name="Untitled Section" id="{870FFFBF-A951-4C36-ACE4-027A72280618}">
           <p14:sldIdLst>
+            <p14:sldId id="285"/>
+            <p14:sldId id="258"/>
+            <p14:sldId id="259"/>
             <p14:sldId id="257"/>
             <p14:sldId id="278"/>
+            <p14:sldId id="286"/>
             <p14:sldId id="279"/>
+            <p14:sldId id="281"/>
+            <p14:sldId id="289"/>
+            <p14:sldId id="280"/>
+            <p14:sldId id="282"/>
+            <p14:sldId id="284"/>
+            <p14:sldId id="261"/>
+            <p14:sldId id="283"/>
+            <p14:sldId id="288"/>
+            <p14:sldId id="287"/>
             <p14:sldId id="277"/>
           </p14:sldIdLst>
         </p14:section>
@@ -231,7 +257,7 @@
           <a:p>
             <a:fld id="{F8B5B181-1792-431A-B18A-2085692FD22C}" type="datetimeFigureOut">
               <a:rPr lang="en-US" smtClean="0"/>
-              <a:t>4/27/2025</a:t>
+              <a:t>4/30/2025</a:t>
             </a:fld>
             <a:endParaRPr lang="en-US"/>
           </a:p>
@@ -645,7 +671,7 @@
           <a:p>
             <a:fld id="{AD772B8A-C981-4167-97B2-9389764143AA}" type="datetimeFigureOut">
               <a:rPr lang="en-US" smtClean="0"/>
-              <a:t>4/27/2025</a:t>
+              <a:t>4/30/2025</a:t>
             </a:fld>
             <a:endParaRPr lang="en-US"/>
           </a:p>
@@ -843,7 +869,7 @@
           <a:p>
             <a:fld id="{AD772B8A-C981-4167-97B2-9389764143AA}" type="datetimeFigureOut">
               <a:rPr lang="en-US" smtClean="0"/>
-              <a:t>4/27/2025</a:t>
+              <a:t>4/30/2025</a:t>
             </a:fld>
             <a:endParaRPr lang="en-US"/>
           </a:p>
@@ -1051,7 +1077,7 @@
           <a:p>
             <a:fld id="{AD772B8A-C981-4167-97B2-9389764143AA}" type="datetimeFigureOut">
               <a:rPr lang="en-US" smtClean="0"/>
-              <a:t>4/27/2025</a:t>
+              <a:t>4/30/2025</a:t>
             </a:fld>
             <a:endParaRPr lang="en-US"/>
           </a:p>
@@ -1249,7 +1275,7 @@
           <a:p>
             <a:fld id="{AD772B8A-C981-4167-97B2-9389764143AA}" type="datetimeFigureOut">
               <a:rPr lang="en-US" smtClean="0"/>
-              <a:t>4/27/2025</a:t>
+              <a:t>4/30/2025</a:t>
             </a:fld>
             <a:endParaRPr lang="en-US"/>
           </a:p>
@@ -1524,7 +1550,7 @@
           <a:p>
             <a:fld id="{AD772B8A-C981-4167-97B2-9389764143AA}" type="datetimeFigureOut">
               <a:rPr lang="en-US" smtClean="0"/>
-              <a:t>4/27/2025</a:t>
+              <a:t>4/30/2025</a:t>
             </a:fld>
             <a:endParaRPr lang="en-US"/>
           </a:p>
@@ -1789,7 +1815,7 @@
           <a:p>
             <a:fld id="{AD772B8A-C981-4167-97B2-9389764143AA}" type="datetimeFigureOut">
               <a:rPr lang="en-US" smtClean="0"/>
-              <a:t>4/27/2025</a:t>
+              <a:t>4/30/2025</a:t>
             </a:fld>
             <a:endParaRPr lang="en-US"/>
           </a:p>
@@ -2201,7 +2227,7 @@
           <a:p>
             <a:fld id="{AD772B8A-C981-4167-97B2-9389764143AA}" type="datetimeFigureOut">
               <a:rPr lang="en-US" smtClean="0"/>
-              <a:t>4/27/2025</a:t>
+              <a:t>4/30/2025</a:t>
             </a:fld>
             <a:endParaRPr lang="en-US"/>
           </a:p>
@@ -2342,7 +2368,7 @@
           <a:p>
             <a:fld id="{AD772B8A-C981-4167-97B2-9389764143AA}" type="datetimeFigureOut">
               <a:rPr lang="en-US" smtClean="0"/>
-              <a:t>4/27/2025</a:t>
+              <a:t>4/30/2025</a:t>
             </a:fld>
             <a:endParaRPr lang="en-US"/>
           </a:p>
@@ -2769,7 +2795,7 @@
           <a:p>
             <a:fld id="{AD772B8A-C981-4167-97B2-9389764143AA}" type="datetimeFigureOut">
               <a:rPr lang="en-US" smtClean="0"/>
-              <a:t>4/27/2025</a:t>
+              <a:t>4/30/2025</a:t>
             </a:fld>
             <a:endParaRPr lang="en-US"/>
           </a:p>
@@ -3057,7 +3083,7 @@
           <a:p>
             <a:fld id="{AD772B8A-C981-4167-97B2-9389764143AA}" type="datetimeFigureOut">
               <a:rPr lang="en-US" smtClean="0"/>
-              <a:t>4/27/2025</a:t>
+              <a:t>4/30/2025</a:t>
             </a:fld>
             <a:endParaRPr lang="en-US"/>
           </a:p>
@@ -4322,12 +4348,18 @@
 </p:sld>
 </file>
 
-<file path=ppt/slides/slide2.xml><?xml version="1.0" encoding="utf-8"?>
+<file path=ppt/slides/slide10.xml><?xml version="1.0" encoding="utf-8"?>
 <p:sld xmlns:a="http://schemas.openxmlformats.org/drawingml/2006/main" xmlns:r="http://schemas.openxmlformats.org/officeDocument/2006/relationships" xmlns:p="http://schemas.openxmlformats.org/presentationml/2006/main">
   <p:cSld>
     <p:spTree>
       <p:nvGrpSpPr>
-        <p:cNvPr id="1" name=""/>
+        <p:cNvPr id="1" name="">
+          <a:extLst>
+            <a:ext uri="{FF2B5EF4-FFF2-40B4-BE49-F238E27FC236}">
+              <a16:creationId xmlns:a16="http://schemas.microsoft.com/office/drawing/2014/main" id="{A384A2EC-2AA6-A26C-FA5E-E2FD18539A19}"/>
+            </a:ext>
+          </a:extLst>
+        </p:cNvPr>
         <p:cNvGrpSpPr/>
         <p:nvPr/>
       </p:nvGrpSpPr>
@@ -4344,7 +4376,7 @@
           <p:cNvPr id="2" name="Title 1">
             <a:extLst>
               <a:ext uri="{FF2B5EF4-FFF2-40B4-BE49-F238E27FC236}">
-                <a16:creationId xmlns:a16="http://schemas.microsoft.com/office/drawing/2014/main" id="{E6419D91-3230-958F-8080-174B112D8CAF}"/>
+                <a16:creationId xmlns:a16="http://schemas.microsoft.com/office/drawing/2014/main" id="{6B7E1E73-C394-A4F3-02FB-7FF12C7C3F89}"/>
               </a:ext>
             </a:extLst>
           </p:cNvPr>
@@ -4375,7 +4407,7 @@
                 <a:latin typeface="EB Garamond" panose="00000500000000000000" pitchFamily="2" charset="0"/>
                 <a:ea typeface="EB Garamond" panose="00000500000000000000" pitchFamily="2" charset="0"/>
               </a:rPr>
-              <a:t>Architecture Diagram</a:t>
+              <a:t>Known Bugs</a:t>
             </a:r>
           </a:p>
         </p:txBody>
@@ -4385,7 +4417,7 @@
           <p:cNvPr id="3" name="Content Placeholder 2">
             <a:extLst>
               <a:ext uri="{FF2B5EF4-FFF2-40B4-BE49-F238E27FC236}">
-                <a16:creationId xmlns:a16="http://schemas.microsoft.com/office/drawing/2014/main" id="{36F69D32-976F-3D50-5F0B-01CF99CE469B}"/>
+                <a16:creationId xmlns:a16="http://schemas.microsoft.com/office/drawing/2014/main" id="{F6084F8B-0B4C-54BA-B86C-12E61D30408F}"/>
               </a:ext>
             </a:extLst>
           </p:cNvPr>
@@ -4398,13 +4430,13 @@
         </p:nvSpPr>
         <p:spPr>
           <a:xfrm>
-            <a:off x="8165228" y="1087688"/>
-            <a:ext cx="3549694" cy="4684713"/>
+            <a:off x="676275" y="1087688"/>
+            <a:ext cx="10696575" cy="4684713"/>
           </a:xfrm>
         </p:spPr>
         <p:txBody>
           <a:bodyPr vert="horz" lIns="91440" tIns="45720" rIns="91440" bIns="45720" rtlCol="0" anchor="t">
-            <a:normAutofit fontScale="92500" lnSpcReduction="20000"/>
+            <a:normAutofit fontScale="92500" lnSpcReduction="10000"/>
           </a:bodyPr>
           <a:lstStyle/>
           <a:p>
@@ -4418,7 +4450,49 @@
                 <a:latin typeface="EB Garamond"/>
                 <a:ea typeface="EB Garamond"/>
               </a:rPr>
-              <a:t>The architecture diagram for our project is fairly straightforward since GitHub Pages is a static site host.</a:t>
+              <a:t>Even with extensive coding, we finished our project with a couple of known bugs: </a:t>
+            </a:r>
+          </a:p>
+          <a:p>
+            <a:pPr marL="1485900" lvl="2" indent="-571500">
+              <a:lnSpc>
+                <a:spcPct val="150000"/>
+              </a:lnSpc>
+            </a:pPr>
+            <a:r>
+              <a:rPr lang="en-US" sz="2800" dirty="0">
+                <a:latin typeface="EB Garamond"/>
+                <a:ea typeface="EB Garamond"/>
+              </a:rPr>
+              <a:t>Tic Tac Toe game doesn’t end after a winner is decided. </a:t>
+            </a:r>
+          </a:p>
+          <a:p>
+            <a:pPr marL="1485900" lvl="2" indent="-571500">
+              <a:lnSpc>
+                <a:spcPct val="150000"/>
+              </a:lnSpc>
+            </a:pPr>
+            <a:r>
+              <a:rPr lang="en-US" sz="2800" dirty="0">
+                <a:latin typeface="EB Garamond"/>
+                <a:ea typeface="EB Garamond"/>
+              </a:rPr>
+              <a:t>Snake  and Blackjack games have issues with being embedded on a site hosted by GitHub Pages</a:t>
+            </a:r>
+          </a:p>
+          <a:p>
+            <a:pPr marL="1485900" lvl="2" indent="-571500">
+              <a:lnSpc>
+                <a:spcPct val="150000"/>
+              </a:lnSpc>
+            </a:pPr>
+            <a:r>
+              <a:rPr lang="en-US" sz="2800" dirty="0">
+                <a:latin typeface="EB Garamond"/>
+                <a:ea typeface="EB Garamond"/>
+              </a:rPr>
+              <a:t>Hill Cipher program can encrypt messages but is unable to decrypt them.</a:t>
             </a:r>
           </a:p>
         </p:txBody>
@@ -4428,7 +4502,7 @@
           <p:cNvPr id="4" name="Rectangle 3">
             <a:extLst>
               <a:ext uri="{FF2B5EF4-FFF2-40B4-BE49-F238E27FC236}">
-                <a16:creationId xmlns:a16="http://schemas.microsoft.com/office/drawing/2014/main" id="{FCAC9C3A-2990-8FD8-0F7F-B55377EDAF41}"/>
+                <a16:creationId xmlns:a16="http://schemas.microsoft.com/office/drawing/2014/main" id="{8BA58C35-025D-C4EB-8789-4F8AA51A4EAB}"/>
               </a:ext>
             </a:extLst>
           </p:cNvPr>
@@ -4480,7 +4554,7 @@
           <p:cNvPr id="7" name="TextBox 6">
             <a:extLst>
               <a:ext uri="{FF2B5EF4-FFF2-40B4-BE49-F238E27FC236}">
-                <a16:creationId xmlns:a16="http://schemas.microsoft.com/office/drawing/2014/main" id="{2AAE6FC4-8150-2FA6-AE90-949EADC63CEF}"/>
+                <a16:creationId xmlns:a16="http://schemas.microsoft.com/office/drawing/2014/main" id="{9281B97A-1561-719A-183C-F3664E20E6AB}"/>
               </a:ext>
             </a:extLst>
           </p:cNvPr>
@@ -4525,7 +4599,7 @@
           <p:cNvPr id="5" name="TextBox 4">
             <a:extLst>
               <a:ext uri="{FF2B5EF4-FFF2-40B4-BE49-F238E27FC236}">
-                <a16:creationId xmlns:a16="http://schemas.microsoft.com/office/drawing/2014/main" id="{7A526C39-BF35-2D0B-107C-D0EEE8B2E277}"/>
+                <a16:creationId xmlns:a16="http://schemas.microsoft.com/office/drawing/2014/main" id="{F4230883-F0E6-6E86-BF2B-4684B2A33ED9}"/>
               </a:ext>
             </a:extLst>
           </p:cNvPr>
@@ -4565,46 +4639,10 @@
           </a:p>
         </p:txBody>
       </p:sp>
-      <p:pic>
-        <p:nvPicPr>
-          <p:cNvPr id="8" name="Picture 7" descr="A diagram of a computer network&#10;&#10;AI-generated content may be incorrect.">
-            <a:extLst>
-              <a:ext uri="{FF2B5EF4-FFF2-40B4-BE49-F238E27FC236}">
-                <a16:creationId xmlns:a16="http://schemas.microsoft.com/office/drawing/2014/main" id="{BC154AC7-7226-2E79-A064-22E6C6936720}"/>
-              </a:ext>
-            </a:extLst>
-          </p:cNvPr>
-          <p:cNvPicPr>
-            <a:picLocks noChangeAspect="1"/>
-          </p:cNvPicPr>
-          <p:nvPr/>
-        </p:nvPicPr>
-        <p:blipFill>
-          <a:blip r:embed="rId2">
-            <a:extLst>
-              <a:ext uri="{28A0092B-C50C-407E-A947-70E740481C1C}">
-                <a14:useLocalDpi xmlns:a14="http://schemas.microsoft.com/office/drawing/2010/main" val="0"/>
-              </a:ext>
-            </a:extLst>
-          </a:blip>
-          <a:stretch>
-            <a:fillRect/>
-          </a:stretch>
-        </p:blipFill>
-        <p:spPr>
-          <a:xfrm>
-            <a:off x="305216" y="898358"/>
-            <a:ext cx="7860012" cy="5160009"/>
-          </a:xfrm>
-          <a:prstGeom prst="rect">
-            <a:avLst/>
-          </a:prstGeom>
-        </p:spPr>
-      </p:pic>
     </p:spTree>
     <p:extLst>
       <p:ext uri="{BB962C8B-B14F-4D97-AF65-F5344CB8AC3E}">
-        <p14:creationId xmlns:p14="http://schemas.microsoft.com/office/powerpoint/2010/main" val="1751938663"/>
+        <p14:creationId xmlns:p14="http://schemas.microsoft.com/office/powerpoint/2010/main" val="32975847"/>
       </p:ext>
     </p:extLst>
   </p:cSld>
@@ -4614,7 +4652,7 @@
 </p:sld>
 </file>
 
-<file path=ppt/slides/slide3.xml><?xml version="1.0" encoding="utf-8"?>
+<file path=ppt/slides/slide11.xml><?xml version="1.0" encoding="utf-8"?>
 <p:sld xmlns:a="http://schemas.openxmlformats.org/drawingml/2006/main" xmlns:r="http://schemas.openxmlformats.org/officeDocument/2006/relationships" xmlns:p="http://schemas.openxmlformats.org/presentationml/2006/main">
   <p:cSld>
     <p:spTree>
@@ -4622,7 +4660,7 @@
         <p:cNvPr id="1" name="">
           <a:extLst>
             <a:ext uri="{FF2B5EF4-FFF2-40B4-BE49-F238E27FC236}">
-              <a16:creationId xmlns:a16="http://schemas.microsoft.com/office/drawing/2014/main" id="{64848D39-F1F7-9FF0-1C4C-C32B281415F8}"/>
+              <a16:creationId xmlns:a16="http://schemas.microsoft.com/office/drawing/2014/main" id="{2763444D-72F4-92B4-BC5B-FC02827FA037}"/>
             </a:ext>
           </a:extLst>
         </p:cNvPr>
@@ -4642,7 +4680,7 @@
           <p:cNvPr id="2" name="Title 1">
             <a:extLst>
               <a:ext uri="{FF2B5EF4-FFF2-40B4-BE49-F238E27FC236}">
-                <a16:creationId xmlns:a16="http://schemas.microsoft.com/office/drawing/2014/main" id="{CE1C61D3-49AA-178A-F651-D1E49C84C863}"/>
+                <a16:creationId xmlns:a16="http://schemas.microsoft.com/office/drawing/2014/main" id="{25D89F99-EF53-6D2A-B25D-F8A0D4DEE9EE}"/>
               </a:ext>
             </a:extLst>
           </p:cNvPr>
@@ -4673,8 +4711,48 @@
                 <a:latin typeface="EB Garamond" panose="00000500000000000000" pitchFamily="2" charset="0"/>
                 <a:ea typeface="EB Garamond" panose="00000500000000000000" pitchFamily="2" charset="0"/>
               </a:rPr>
-              <a:t>Software Design Diagram</a:t>
-            </a:r>
+              <a:t>Metrics</a:t>
+            </a:r>
+          </a:p>
+        </p:txBody>
+      </p:sp>
+      <p:sp>
+        <p:nvSpPr>
+          <p:cNvPr id="3" name="Content Placeholder 2">
+            <a:extLst>
+              <a:ext uri="{FF2B5EF4-FFF2-40B4-BE49-F238E27FC236}">
+                <a16:creationId xmlns:a16="http://schemas.microsoft.com/office/drawing/2014/main" id="{923866AB-577A-ABF9-65DC-6B50AF6E313E}"/>
+              </a:ext>
+            </a:extLst>
+          </p:cNvPr>
+          <p:cNvSpPr>
+            <a:spLocks noGrp="1"/>
+          </p:cNvSpPr>
+          <p:nvPr>
+            <p:ph idx="1"/>
+          </p:nvPr>
+        </p:nvSpPr>
+        <p:spPr>
+          <a:xfrm>
+            <a:off x="676275" y="1087688"/>
+            <a:ext cx="10696575" cy="4684713"/>
+          </a:xfrm>
+        </p:spPr>
+        <p:txBody>
+          <a:bodyPr vert="horz" lIns="91440" tIns="45720" rIns="91440" bIns="45720" rtlCol="0" anchor="t">
+            <a:normAutofit/>
+          </a:bodyPr>
+          <a:lstStyle/>
+          <a:p>
+            <a:pPr marL="571500" indent="-571500">
+              <a:lnSpc>
+                <a:spcPct val="150000"/>
+              </a:lnSpc>
+            </a:pPr>
+            <a:endParaRPr lang="en-US" sz="3600" dirty="0">
+              <a:latin typeface="EB Garamond"/>
+              <a:ea typeface="EB Garamond"/>
+            </a:endParaRPr>
           </a:p>
         </p:txBody>
       </p:sp>
@@ -4683,7 +4761,7 @@
           <p:cNvPr id="4" name="Rectangle 3">
             <a:extLst>
               <a:ext uri="{FF2B5EF4-FFF2-40B4-BE49-F238E27FC236}">
-                <a16:creationId xmlns:a16="http://schemas.microsoft.com/office/drawing/2014/main" id="{81FFC2DF-6E66-7B71-089B-B41BA3707BBC}"/>
+                <a16:creationId xmlns:a16="http://schemas.microsoft.com/office/drawing/2014/main" id="{15978FBE-68D3-551B-DBAC-7C0F167C6611}"/>
               </a:ext>
             </a:extLst>
           </p:cNvPr>
@@ -4735,7 +4813,7 @@
           <p:cNvPr id="7" name="TextBox 6">
             <a:extLst>
               <a:ext uri="{FF2B5EF4-FFF2-40B4-BE49-F238E27FC236}">
-                <a16:creationId xmlns:a16="http://schemas.microsoft.com/office/drawing/2014/main" id="{CBE8E69D-9867-FB50-3355-31953BA9D842}"/>
+                <a16:creationId xmlns:a16="http://schemas.microsoft.com/office/drawing/2014/main" id="{7E7294D3-63C8-E7E0-DBCB-468D64BBD0B1}"/>
               </a:ext>
             </a:extLst>
           </p:cNvPr>
@@ -4780,7 +4858,7 @@
           <p:cNvPr id="5" name="TextBox 4">
             <a:extLst>
               <a:ext uri="{FF2B5EF4-FFF2-40B4-BE49-F238E27FC236}">
-                <a16:creationId xmlns:a16="http://schemas.microsoft.com/office/drawing/2014/main" id="{0605E4FE-AB98-B162-FD11-2EA7787215FF}"/>
+                <a16:creationId xmlns:a16="http://schemas.microsoft.com/office/drawing/2014/main" id="{439431F1-BC14-00C4-225A-1ECEC147AF7C}"/>
               </a:ext>
             </a:extLst>
           </p:cNvPr>
@@ -4820,46 +4898,10 @@
           </a:p>
         </p:txBody>
       </p:sp>
-      <p:pic>
-        <p:nvPicPr>
-          <p:cNvPr id="6" name="Picture 5" descr="A diagram of a company&#10;&#10;AI-generated content may be incorrect.">
-            <a:extLst>
-              <a:ext uri="{FF2B5EF4-FFF2-40B4-BE49-F238E27FC236}">
-                <a16:creationId xmlns:a16="http://schemas.microsoft.com/office/drawing/2014/main" id="{1AEF83E9-E76E-7046-DFCB-B623CF5C5860}"/>
-              </a:ext>
-            </a:extLst>
-          </p:cNvPr>
-          <p:cNvPicPr>
-            <a:picLocks noChangeAspect="1"/>
-          </p:cNvPicPr>
-          <p:nvPr/>
-        </p:nvPicPr>
-        <p:blipFill>
-          <a:blip r:embed="rId2">
-            <a:extLst>
-              <a:ext uri="{28A0092B-C50C-407E-A947-70E740481C1C}">
-                <a14:useLocalDpi xmlns:a14="http://schemas.microsoft.com/office/drawing/2010/main" val="0"/>
-              </a:ext>
-            </a:extLst>
-          </a:blip>
-          <a:stretch>
-            <a:fillRect/>
-          </a:stretch>
-        </p:blipFill>
-        <p:spPr>
-          <a:xfrm>
-            <a:off x="0" y="717176"/>
-            <a:ext cx="12192000" cy="5423647"/>
-          </a:xfrm>
-          <a:prstGeom prst="rect">
-            <a:avLst/>
-          </a:prstGeom>
-        </p:spPr>
-      </p:pic>
     </p:spTree>
     <p:extLst>
       <p:ext uri="{BB962C8B-B14F-4D97-AF65-F5344CB8AC3E}">
-        <p14:creationId xmlns:p14="http://schemas.microsoft.com/office/powerpoint/2010/main" val="941188688"/>
+        <p14:creationId xmlns:p14="http://schemas.microsoft.com/office/powerpoint/2010/main" val="1523415049"/>
       </p:ext>
     </p:extLst>
   </p:cSld>
@@ -4869,7 +4911,7 @@
 </p:sld>
 </file>
 
-<file path=ppt/slides/slide4.xml><?xml version="1.0" encoding="utf-8"?>
+<file path=ppt/slides/slide12.xml><?xml version="1.0" encoding="utf-8"?>
 <p:sld xmlns:a="http://schemas.openxmlformats.org/drawingml/2006/main" xmlns:r="http://schemas.openxmlformats.org/officeDocument/2006/relationships" xmlns:p="http://schemas.openxmlformats.org/presentationml/2006/main">
   <p:cSld>
     <p:spTree>
@@ -4877,7 +4919,7 @@
         <p:cNvPr id="1" name="">
           <a:extLst>
             <a:ext uri="{FF2B5EF4-FFF2-40B4-BE49-F238E27FC236}">
-              <a16:creationId xmlns:a16="http://schemas.microsoft.com/office/drawing/2014/main" id="{6BEA85D4-EECB-1437-2910-0C5EF0059E21}"/>
+              <a16:creationId xmlns:a16="http://schemas.microsoft.com/office/drawing/2014/main" id="{9C4BD967-1C01-7E12-971A-3DB4311204BE}"/>
             </a:ext>
           </a:extLst>
         </p:cNvPr>
@@ -4897,7 +4939,7 @@
           <p:cNvPr id="2" name="Title 1">
             <a:extLst>
               <a:ext uri="{FF2B5EF4-FFF2-40B4-BE49-F238E27FC236}">
-                <a16:creationId xmlns:a16="http://schemas.microsoft.com/office/drawing/2014/main" id="{53778690-60F9-3BC4-ACED-35BB7052E159}"/>
+                <a16:creationId xmlns:a16="http://schemas.microsoft.com/office/drawing/2014/main" id="{3D7B25CB-3E56-AA1E-D067-451E8D1F49EC}"/>
               </a:ext>
             </a:extLst>
           </p:cNvPr>
@@ -4911,7 +4953,7 @@
         <p:spPr>
           <a:xfrm>
             <a:off x="-1" y="0"/>
-            <a:ext cx="6488349" cy="898358"/>
+            <a:ext cx="7218948" cy="898358"/>
           </a:xfrm>
         </p:spPr>
         <p:txBody>
@@ -4920,53 +4962,16 @@
           </a:bodyPr>
           <a:lstStyle/>
           <a:p>
-            <a:endParaRPr lang="en-US" b="1" dirty="0">
-              <a:solidFill>
-                <a:srgbClr val="FE5E61"/>
-              </a:solidFill>
-              <a:latin typeface="EB Garamond" panose="00000500000000000000" pitchFamily="2" charset="0"/>
-              <a:ea typeface="EB Garamond" panose="00000500000000000000" pitchFamily="2" charset="0"/>
-            </a:endParaRPr>
-          </a:p>
-        </p:txBody>
-      </p:sp>
-      <p:sp>
-        <p:nvSpPr>
-          <p:cNvPr id="3" name="Content Placeholder 2">
-            <a:extLst>
-              <a:ext uri="{FF2B5EF4-FFF2-40B4-BE49-F238E27FC236}">
-                <a16:creationId xmlns:a16="http://schemas.microsoft.com/office/drawing/2014/main" id="{CDEC6139-2386-11D5-18E0-052415D9CEDE}"/>
-              </a:ext>
-            </a:extLst>
-          </p:cNvPr>
-          <p:cNvSpPr>
-            <a:spLocks noGrp="1"/>
-          </p:cNvSpPr>
-          <p:nvPr>
-            <p:ph idx="1"/>
-          </p:nvPr>
-        </p:nvSpPr>
-        <p:spPr>
-          <a:xfrm>
-            <a:off x="676275" y="1087688"/>
-            <a:ext cx="10696575" cy="4684713"/>
-          </a:xfrm>
-        </p:spPr>
-        <p:txBody>
-          <a:bodyPr vert="horz" lIns="91440" tIns="45720" rIns="91440" bIns="45720" rtlCol="0" anchor="t">
-            <a:normAutofit/>
-          </a:bodyPr>
-          <a:lstStyle/>
-          <a:p>
-            <a:pPr marL="571500" indent="-571500">
-              <a:lnSpc>
-                <a:spcPct val="150000"/>
-              </a:lnSpc>
-            </a:pPr>
-            <a:endParaRPr lang="en-US" sz="3600" dirty="0">
-              <a:latin typeface="EB Garamond"/>
-              <a:ea typeface="EB Garamond"/>
-            </a:endParaRPr>
+            <a:r>
+              <a:rPr lang="en-US" b="1" dirty="0">
+                <a:solidFill>
+                  <a:srgbClr val="FE5E61"/>
+                </a:solidFill>
+                <a:latin typeface="EB Garamond" panose="00000500000000000000" pitchFamily="2" charset="0"/>
+                <a:ea typeface="EB Garamond" panose="00000500000000000000" pitchFamily="2" charset="0"/>
+              </a:rPr>
+              <a:t>Software Engineering Tools</a:t>
+            </a:r>
           </a:p>
         </p:txBody>
       </p:sp>
@@ -4975,7 +4980,7 @@
           <p:cNvPr id="4" name="Rectangle 3">
             <a:extLst>
               <a:ext uri="{FF2B5EF4-FFF2-40B4-BE49-F238E27FC236}">
-                <a16:creationId xmlns:a16="http://schemas.microsoft.com/office/drawing/2014/main" id="{61DB66AB-CDF3-CBD1-3BA4-437414AFE91B}"/>
+                <a16:creationId xmlns:a16="http://schemas.microsoft.com/office/drawing/2014/main" id="{4DEF959D-C3A7-7E2A-589F-00B0FF277CE1}"/>
               </a:ext>
             </a:extLst>
           </p:cNvPr>
@@ -5027,7 +5032,7 @@
           <p:cNvPr id="7" name="TextBox 6">
             <a:extLst>
               <a:ext uri="{FF2B5EF4-FFF2-40B4-BE49-F238E27FC236}">
-                <a16:creationId xmlns:a16="http://schemas.microsoft.com/office/drawing/2014/main" id="{C874703E-32CE-2F50-A0AC-0FA515FD6CF1}"/>
+                <a16:creationId xmlns:a16="http://schemas.microsoft.com/office/drawing/2014/main" id="{88F51EC1-8F89-98AB-ACF2-5B1311187F86}"/>
               </a:ext>
             </a:extLst>
           </p:cNvPr>
@@ -5072,7 +5077,7 @@
           <p:cNvPr id="5" name="TextBox 4">
             <a:extLst>
               <a:ext uri="{FF2B5EF4-FFF2-40B4-BE49-F238E27FC236}">
-                <a16:creationId xmlns:a16="http://schemas.microsoft.com/office/drawing/2014/main" id="{4D047CF3-C41D-7D15-6BA5-F46A71EB6B84}"/>
+                <a16:creationId xmlns:a16="http://schemas.microsoft.com/office/drawing/2014/main" id="{0B4D2A85-E24E-F58B-CB13-2240D4C1C2E2}"/>
               </a:ext>
             </a:extLst>
           </p:cNvPr>
@@ -5112,10 +5117,601 @@
           </a:p>
         </p:txBody>
       </p:sp>
+      <p:sp>
+        <p:nvSpPr>
+          <p:cNvPr id="6" name="Content Placeholder 2">
+            <a:extLst>
+              <a:ext uri="{FF2B5EF4-FFF2-40B4-BE49-F238E27FC236}">
+                <a16:creationId xmlns:a16="http://schemas.microsoft.com/office/drawing/2014/main" id="{E3C4BD1E-1F38-5CD6-B19B-4AE69A08EE62}"/>
+              </a:ext>
+            </a:extLst>
+          </p:cNvPr>
+          <p:cNvSpPr>
+            <a:spLocks noGrp="1"/>
+          </p:cNvSpPr>
+          <p:nvPr>
+            <p:ph idx="1"/>
+          </p:nvPr>
+        </p:nvSpPr>
+        <p:spPr>
+          <a:xfrm>
+            <a:off x="676275" y="1087438"/>
+            <a:ext cx="10696575" cy="4684712"/>
+          </a:xfrm>
+          <a:prstGeom prst="rect">
+            <a:avLst/>
+          </a:prstGeom>
+        </p:spPr>
+        <p:txBody>
+          <a:bodyPr vert="horz" lIns="91440" tIns="45720" rIns="91440" bIns="45720" numCol="2" rtlCol="0" anchor="t">
+            <a:normAutofit lnSpcReduction="10000"/>
+          </a:bodyPr>
+          <a:lstStyle>
+            <a:lvl1pPr marL="228600" indent="-228600" algn="l" defTabSz="914400" rtl="0" eaLnBrk="1" latinLnBrk="0" hangingPunct="1">
+              <a:lnSpc>
+                <a:spcPct val="90000"/>
+              </a:lnSpc>
+              <a:spcBef>
+                <a:spcPts val="1000"/>
+              </a:spcBef>
+              <a:buFont typeface="Arial" panose="020B0604020202020204" pitchFamily="34" charset="0"/>
+              <a:buChar char="•"/>
+              <a:defRPr sz="2800" kern="1200">
+                <a:solidFill>
+                  <a:schemeClr val="tx1"/>
+                </a:solidFill>
+                <a:latin typeface="+mn-lt"/>
+                <a:ea typeface="+mn-ea"/>
+                <a:cs typeface="+mn-cs"/>
+              </a:defRPr>
+            </a:lvl1pPr>
+            <a:lvl2pPr marL="685800" indent="-228600" algn="l" defTabSz="914400" rtl="0" eaLnBrk="1" latinLnBrk="0" hangingPunct="1">
+              <a:lnSpc>
+                <a:spcPct val="90000"/>
+              </a:lnSpc>
+              <a:spcBef>
+                <a:spcPts val="500"/>
+              </a:spcBef>
+              <a:buFont typeface="Arial" panose="020B0604020202020204" pitchFamily="34" charset="0"/>
+              <a:buChar char="•"/>
+              <a:defRPr sz="2400" kern="1200">
+                <a:solidFill>
+                  <a:schemeClr val="tx1"/>
+                </a:solidFill>
+                <a:latin typeface="+mn-lt"/>
+                <a:ea typeface="+mn-ea"/>
+                <a:cs typeface="+mn-cs"/>
+              </a:defRPr>
+            </a:lvl2pPr>
+            <a:lvl3pPr marL="1143000" indent="-228600" algn="l" defTabSz="914400" rtl="0" eaLnBrk="1" latinLnBrk="0" hangingPunct="1">
+              <a:lnSpc>
+                <a:spcPct val="90000"/>
+              </a:lnSpc>
+              <a:spcBef>
+                <a:spcPts val="500"/>
+              </a:spcBef>
+              <a:buFont typeface="Arial" panose="020B0604020202020204" pitchFamily="34" charset="0"/>
+              <a:buChar char="•"/>
+              <a:defRPr sz="2000" kern="1200">
+                <a:solidFill>
+                  <a:schemeClr val="tx1"/>
+                </a:solidFill>
+                <a:latin typeface="+mn-lt"/>
+                <a:ea typeface="+mn-ea"/>
+                <a:cs typeface="+mn-cs"/>
+              </a:defRPr>
+            </a:lvl3pPr>
+            <a:lvl4pPr marL="1600200" indent="-228600" algn="l" defTabSz="914400" rtl="0" eaLnBrk="1" latinLnBrk="0" hangingPunct="1">
+              <a:lnSpc>
+                <a:spcPct val="90000"/>
+              </a:lnSpc>
+              <a:spcBef>
+                <a:spcPts val="500"/>
+              </a:spcBef>
+              <a:buFont typeface="Arial" panose="020B0604020202020204" pitchFamily="34" charset="0"/>
+              <a:buChar char="•"/>
+              <a:defRPr sz="1800" kern="1200">
+                <a:solidFill>
+                  <a:schemeClr val="tx1"/>
+                </a:solidFill>
+                <a:latin typeface="+mn-lt"/>
+                <a:ea typeface="+mn-ea"/>
+                <a:cs typeface="+mn-cs"/>
+              </a:defRPr>
+            </a:lvl4pPr>
+            <a:lvl5pPr marL="2057400" indent="-228600" algn="l" defTabSz="914400" rtl="0" eaLnBrk="1" latinLnBrk="0" hangingPunct="1">
+              <a:lnSpc>
+                <a:spcPct val="90000"/>
+              </a:lnSpc>
+              <a:spcBef>
+                <a:spcPts val="500"/>
+              </a:spcBef>
+              <a:buFont typeface="Arial" panose="020B0604020202020204" pitchFamily="34" charset="0"/>
+              <a:buChar char="•"/>
+              <a:defRPr sz="1800" kern="1200">
+                <a:solidFill>
+                  <a:schemeClr val="tx1"/>
+                </a:solidFill>
+                <a:latin typeface="+mn-lt"/>
+                <a:ea typeface="+mn-ea"/>
+                <a:cs typeface="+mn-cs"/>
+              </a:defRPr>
+            </a:lvl5pPr>
+            <a:lvl6pPr marL="2514600" indent="-228600" algn="l" defTabSz="914400" rtl="0" eaLnBrk="1" latinLnBrk="0" hangingPunct="1">
+              <a:lnSpc>
+                <a:spcPct val="90000"/>
+              </a:lnSpc>
+              <a:spcBef>
+                <a:spcPts val="500"/>
+              </a:spcBef>
+              <a:buFont typeface="Arial" panose="020B0604020202020204" pitchFamily="34" charset="0"/>
+              <a:buChar char="•"/>
+              <a:defRPr sz="1800" kern="1200">
+                <a:solidFill>
+                  <a:schemeClr val="tx1"/>
+                </a:solidFill>
+                <a:latin typeface="+mn-lt"/>
+                <a:ea typeface="+mn-ea"/>
+                <a:cs typeface="+mn-cs"/>
+              </a:defRPr>
+            </a:lvl6pPr>
+            <a:lvl7pPr marL="2971800" indent="-228600" algn="l" defTabSz="914400" rtl="0" eaLnBrk="1" latinLnBrk="0" hangingPunct="1">
+              <a:lnSpc>
+                <a:spcPct val="90000"/>
+              </a:lnSpc>
+              <a:spcBef>
+                <a:spcPts val="500"/>
+              </a:spcBef>
+              <a:buFont typeface="Arial" panose="020B0604020202020204" pitchFamily="34" charset="0"/>
+              <a:buChar char="•"/>
+              <a:defRPr sz="1800" kern="1200">
+                <a:solidFill>
+                  <a:schemeClr val="tx1"/>
+                </a:solidFill>
+                <a:latin typeface="+mn-lt"/>
+                <a:ea typeface="+mn-ea"/>
+                <a:cs typeface="+mn-cs"/>
+              </a:defRPr>
+            </a:lvl7pPr>
+            <a:lvl8pPr marL="3429000" indent="-228600" algn="l" defTabSz="914400" rtl="0" eaLnBrk="1" latinLnBrk="0" hangingPunct="1">
+              <a:lnSpc>
+                <a:spcPct val="90000"/>
+              </a:lnSpc>
+              <a:spcBef>
+                <a:spcPts val="500"/>
+              </a:spcBef>
+              <a:buFont typeface="Arial" panose="020B0604020202020204" pitchFamily="34" charset="0"/>
+              <a:buChar char="•"/>
+              <a:defRPr sz="1800" kern="1200">
+                <a:solidFill>
+                  <a:schemeClr val="tx1"/>
+                </a:solidFill>
+                <a:latin typeface="+mn-lt"/>
+                <a:ea typeface="+mn-ea"/>
+                <a:cs typeface="+mn-cs"/>
+              </a:defRPr>
+            </a:lvl8pPr>
+            <a:lvl9pPr marL="3886200" indent="-228600" algn="l" defTabSz="914400" rtl="0" eaLnBrk="1" latinLnBrk="0" hangingPunct="1">
+              <a:lnSpc>
+                <a:spcPct val="90000"/>
+              </a:lnSpc>
+              <a:spcBef>
+                <a:spcPts val="500"/>
+              </a:spcBef>
+              <a:buFont typeface="Arial" panose="020B0604020202020204" pitchFamily="34" charset="0"/>
+              <a:buChar char="•"/>
+              <a:defRPr sz="1800" kern="1200">
+                <a:solidFill>
+                  <a:schemeClr val="tx1"/>
+                </a:solidFill>
+                <a:latin typeface="+mn-lt"/>
+                <a:ea typeface="+mn-ea"/>
+                <a:cs typeface="+mn-cs"/>
+              </a:defRPr>
+            </a:lvl9pPr>
+          </a:lstStyle>
+          <a:p>
+            <a:endParaRPr lang="en-US" dirty="0">
+              <a:latin typeface="EB Garamond" panose="00000500000000000000" pitchFamily="2" charset="0"/>
+              <a:ea typeface="EB Garamond" panose="00000500000000000000" pitchFamily="2" charset="0"/>
+            </a:endParaRPr>
+          </a:p>
+          <a:p>
+            <a:r>
+              <a:rPr lang="en-US" dirty="0">
+                <a:latin typeface="EB Garamond" panose="00000500000000000000" pitchFamily="2" charset="0"/>
+                <a:ea typeface="EB Garamond" panose="00000500000000000000" pitchFamily="2" charset="0"/>
+              </a:rPr>
+              <a:t>Web Development</a:t>
+            </a:r>
+          </a:p>
+          <a:p>
+            <a:pPr lvl="2">
+              <a:buFont typeface="Wingdings" panose="05000000000000000000" pitchFamily="2" charset="2"/>
+              <a:buChar char="§"/>
+            </a:pPr>
+            <a:r>
+              <a:rPr lang="en-US" dirty="0">
+                <a:latin typeface="EB Garamond"/>
+                <a:ea typeface="EB Garamond"/>
+              </a:rPr>
+              <a:t>Visual Studio Code (IDE)</a:t>
+            </a:r>
+            <a:endParaRPr lang="en-US" dirty="0">
+              <a:latin typeface="EB Garamond" panose="00000500000000000000" pitchFamily="2" charset="0"/>
+              <a:ea typeface="EB Garamond" panose="00000500000000000000" pitchFamily="2" charset="0"/>
+            </a:endParaRPr>
+          </a:p>
+          <a:p>
+            <a:pPr lvl="2">
+              <a:buFont typeface="Wingdings" panose="05000000000000000000" pitchFamily="2" charset="2"/>
+              <a:buChar char="§"/>
+            </a:pPr>
+            <a:r>
+              <a:rPr lang="en-US" dirty="0">
+                <a:latin typeface="EB Garamond" panose="00000500000000000000" pitchFamily="2" charset="0"/>
+                <a:ea typeface="EB Garamond" panose="00000500000000000000" pitchFamily="2" charset="0"/>
+              </a:rPr>
+              <a:t>HTML5 ( Hypertext Markup Language 5)</a:t>
+            </a:r>
+          </a:p>
+          <a:p>
+            <a:pPr lvl="2">
+              <a:buFont typeface="Wingdings" panose="05000000000000000000" pitchFamily="2" charset="2"/>
+              <a:buChar char="§"/>
+            </a:pPr>
+            <a:r>
+              <a:rPr lang="en-US" dirty="0">
+                <a:latin typeface="EB Garamond" panose="00000500000000000000" pitchFamily="2" charset="0"/>
+                <a:ea typeface="EB Garamond" panose="00000500000000000000" pitchFamily="2" charset="0"/>
+              </a:rPr>
+              <a:t>CSS ( Cascading Style sheet –Version 4.15- )</a:t>
+            </a:r>
+          </a:p>
+          <a:p>
+            <a:pPr lvl="2">
+              <a:buFont typeface="Wingdings" panose="05000000000000000000" pitchFamily="2" charset="2"/>
+              <a:buChar char="§"/>
+            </a:pPr>
+            <a:r>
+              <a:rPr lang="en-US" dirty="0">
+                <a:latin typeface="EB Garamond"/>
+                <a:ea typeface="EB Garamond"/>
+              </a:rPr>
+              <a:t>JavaScript – ECMAScript 2023 </a:t>
+            </a:r>
+          </a:p>
+          <a:p>
+            <a:pPr lvl="2">
+              <a:buFont typeface="Wingdings" panose="05000000000000000000" pitchFamily="2" charset="2"/>
+              <a:buChar char="§"/>
+            </a:pPr>
+            <a:r>
+              <a:rPr lang="en-US" dirty="0">
+                <a:latin typeface="EB Garamond"/>
+                <a:ea typeface="EB Garamond"/>
+              </a:rPr>
+              <a:t>Python</a:t>
+            </a:r>
+          </a:p>
+          <a:p>
+            <a:pPr marL="914400" lvl="2" indent="0">
+              <a:buNone/>
+            </a:pPr>
+            <a:endParaRPr lang="en-US" dirty="0">
+              <a:latin typeface="EB Garamond"/>
+              <a:ea typeface="EB Garamond"/>
+            </a:endParaRPr>
+          </a:p>
+          <a:p>
+            <a:r>
+              <a:rPr lang="en-US" dirty="0">
+                <a:latin typeface="EB Garamond"/>
+                <a:ea typeface="EB Garamond"/>
+              </a:rPr>
+              <a:t>Git/GitHub</a:t>
+            </a:r>
+            <a:endParaRPr lang="en-US" dirty="0"/>
+          </a:p>
+          <a:p>
+            <a:pPr lvl="2">
+              <a:buFont typeface="Wingdings" panose="05000000000000000000" pitchFamily="2" charset="2"/>
+              <a:buChar char="§"/>
+            </a:pPr>
+            <a:r>
+              <a:rPr lang="en-US" dirty="0">
+                <a:latin typeface="EB Garamond"/>
+                <a:ea typeface="EB Garamond"/>
+              </a:rPr>
+              <a:t>GitHub Pages (Host)</a:t>
+            </a:r>
+          </a:p>
+          <a:p>
+            <a:pPr lvl="2">
+              <a:buFont typeface="Wingdings" panose="05000000000000000000" pitchFamily="2" charset="2"/>
+              <a:buChar char="§"/>
+            </a:pPr>
+            <a:r>
+              <a:rPr lang="en-US" dirty="0">
+                <a:latin typeface="EB Garamond"/>
+                <a:ea typeface="EB Garamond"/>
+              </a:rPr>
+              <a:t>Version Control</a:t>
+            </a:r>
+            <a:endParaRPr lang="en-US" dirty="0">
+              <a:latin typeface="EB Garamond" panose="00000500000000000000" pitchFamily="2" charset="0"/>
+              <a:ea typeface="EB Garamond" panose="00000500000000000000" pitchFamily="2" charset="0"/>
+            </a:endParaRPr>
+          </a:p>
+          <a:p>
+            <a:pPr marL="914400" lvl="2" indent="0">
+              <a:buNone/>
+            </a:pPr>
+            <a:endParaRPr lang="en-US" dirty="0">
+              <a:latin typeface="EB Garamond" panose="00000500000000000000" pitchFamily="2" charset="0"/>
+              <a:ea typeface="EB Garamond" panose="00000500000000000000" pitchFamily="2" charset="0"/>
+            </a:endParaRPr>
+          </a:p>
+          <a:p>
+            <a:pPr marL="0" indent="0">
+              <a:buNone/>
+            </a:pPr>
+            <a:endParaRPr lang="en-US" dirty="0">
+              <a:latin typeface="EB Garamond"/>
+              <a:ea typeface="EB Garamond"/>
+            </a:endParaRPr>
+          </a:p>
+          <a:p>
+            <a:r>
+              <a:rPr lang="en-US" dirty="0">
+                <a:latin typeface="EB Garamond"/>
+                <a:ea typeface="EB Garamond"/>
+              </a:rPr>
+              <a:t>Third Party</a:t>
+            </a:r>
+          </a:p>
+          <a:p>
+            <a:pPr lvl="2">
+              <a:buFont typeface="Wingdings,Sans-Serif" panose="020B0604020202020204" pitchFamily="34" charset="0"/>
+              <a:buChar char="§"/>
+            </a:pPr>
+            <a:r>
+              <a:rPr lang="en-US" dirty="0">
+                <a:latin typeface="EB Garamond"/>
+                <a:ea typeface="EB Garamond"/>
+              </a:rPr>
+              <a:t>Go Daddy (DNS Provider)</a:t>
+            </a:r>
+          </a:p>
+          <a:p>
+            <a:pPr lvl="2">
+              <a:buFont typeface="Wingdings,Sans-Serif" panose="020B0604020202020204" pitchFamily="34" charset="0"/>
+              <a:buChar char="§"/>
+            </a:pPr>
+            <a:r>
+              <a:rPr lang="en-US" dirty="0" err="1">
+                <a:latin typeface="EB Garamond"/>
+                <a:ea typeface="EB Garamond"/>
+              </a:rPr>
+              <a:t>FormSpree</a:t>
+            </a:r>
+            <a:r>
+              <a:rPr lang="en-US" dirty="0">
+                <a:latin typeface="EB Garamond"/>
+                <a:ea typeface="EB Garamond"/>
+              </a:rPr>
+              <a:t> (Contact Me)</a:t>
+            </a:r>
+          </a:p>
+          <a:p>
+            <a:pPr marL="0" indent="0">
+              <a:buNone/>
+            </a:pPr>
+            <a:endParaRPr lang="en-US" dirty="0">
+              <a:latin typeface="EB Garamond"/>
+              <a:ea typeface="EB Garamond"/>
+            </a:endParaRPr>
+          </a:p>
+          <a:p>
+            <a:pPr marL="0" indent="0">
+              <a:buNone/>
+            </a:pPr>
+            <a:endParaRPr lang="en-US" dirty="0">
+              <a:latin typeface="EB Garamond"/>
+              <a:ea typeface="EB Garamond"/>
+            </a:endParaRPr>
+          </a:p>
+          <a:p>
+            <a:r>
+              <a:rPr lang="en-US" dirty="0">
+                <a:latin typeface="EB Garamond"/>
+                <a:ea typeface="EB Garamond"/>
+              </a:rPr>
+              <a:t>Testing [TBD]</a:t>
+            </a:r>
+          </a:p>
+          <a:p>
+            <a:pPr lvl="2">
+              <a:buFont typeface="Wingdings" panose="020B0604020202020204" pitchFamily="34" charset="0"/>
+              <a:buChar char="§"/>
+            </a:pPr>
+            <a:r>
+              <a:rPr lang="en-US" dirty="0">
+                <a:latin typeface="EB Garamond"/>
+                <a:ea typeface="EB Garamond"/>
+              </a:rPr>
+              <a:t>Manual</a:t>
+            </a:r>
+          </a:p>
+          <a:p>
+            <a:endParaRPr lang="en-US" dirty="0">
+              <a:latin typeface="EB Garamond" panose="00000500000000000000" pitchFamily="2" charset="0"/>
+              <a:ea typeface="EB Garamond" panose="00000500000000000000" pitchFamily="2" charset="0"/>
+            </a:endParaRPr>
+          </a:p>
+          <a:p>
+            <a:pPr marL="0" indent="0">
+              <a:buNone/>
+            </a:pPr>
+            <a:r>
+              <a:rPr lang="en-US" dirty="0">
+                <a:latin typeface="EB Garamond"/>
+                <a:ea typeface="EB Garamond"/>
+              </a:rPr>
+              <a:t>	</a:t>
+            </a:r>
+            <a:r>
+              <a:rPr lang="en-US" dirty="0"/>
+              <a:t>	</a:t>
+            </a:r>
+          </a:p>
+        </p:txBody>
+      </p:sp>
+      <p:pic>
+        <p:nvPicPr>
+          <p:cNvPr id="3076" name="Picture 4" descr="Github Logo - Free social media icons">
+            <a:extLst>
+              <a:ext uri="{FF2B5EF4-FFF2-40B4-BE49-F238E27FC236}">
+                <a16:creationId xmlns:a16="http://schemas.microsoft.com/office/drawing/2014/main" id="{AB5B6F99-F5CE-5DAD-8E2B-C007F26A18B9}"/>
+              </a:ext>
+            </a:extLst>
+          </p:cNvPr>
+          <p:cNvPicPr>
+            <a:picLocks noChangeAspect="1" noChangeArrowheads="1"/>
+          </p:cNvPicPr>
+          <p:nvPr/>
+        </p:nvPicPr>
+        <p:blipFill>
+          <a:blip r:embed="rId2">
+            <a:extLst>
+              <a:ext uri="{28A0092B-C50C-407E-A947-70E740481C1C}">
+                <a14:useLocalDpi xmlns:a14="http://schemas.microsoft.com/office/drawing/2010/main" val="0"/>
+              </a:ext>
+            </a:extLst>
+          </a:blip>
+          <a:srcRect/>
+          <a:stretch>
+            <a:fillRect/>
+          </a:stretch>
+        </p:blipFill>
+        <p:spPr bwMode="auto">
+          <a:xfrm>
+            <a:off x="4514588" y="4063556"/>
+            <a:ext cx="1443552" cy="1443552"/>
+          </a:xfrm>
+          <a:prstGeom prst="rect">
+            <a:avLst/>
+          </a:prstGeom>
+          <a:noFill/>
+          <a:extLst>
+            <a:ext uri="{909E8E84-426E-40DD-AFC4-6F175D3DCCD1}">
+              <a14:hiddenFill xmlns:a14="http://schemas.microsoft.com/office/drawing/2010/main">
+                <a:solidFill>
+                  <a:srgbClr val="FFFFFF"/>
+                </a:solidFill>
+              </a14:hiddenFill>
+            </a:ext>
+          </a:extLst>
+        </p:spPr>
+      </p:pic>
+      <p:pic>
+        <p:nvPicPr>
+          <p:cNvPr id="3082" name="Picture 10" descr="No photo description available.">
+            <a:extLst>
+              <a:ext uri="{FF2B5EF4-FFF2-40B4-BE49-F238E27FC236}">
+                <a16:creationId xmlns:a16="http://schemas.microsoft.com/office/drawing/2014/main" id="{921912D3-1CC3-8BD3-5348-892E933EB6FB}"/>
+              </a:ext>
+            </a:extLst>
+          </p:cNvPr>
+          <p:cNvPicPr>
+            <a:picLocks noChangeAspect="1" noChangeArrowheads="1"/>
+          </p:cNvPicPr>
+          <p:nvPr/>
+        </p:nvPicPr>
+        <p:blipFill>
+          <a:blip r:embed="rId3">
+            <a:extLst>
+              <a:ext uri="{28A0092B-C50C-407E-A947-70E740481C1C}">
+                <a14:useLocalDpi xmlns:a14="http://schemas.microsoft.com/office/drawing/2010/main" val="0"/>
+              </a:ext>
+            </a:extLst>
+          </a:blip>
+          <a:srcRect/>
+          <a:stretch>
+            <a:fillRect/>
+          </a:stretch>
+        </p:blipFill>
+        <p:spPr bwMode="auto">
+          <a:xfrm>
+            <a:off x="10518338" y="364074"/>
+            <a:ext cx="1443552" cy="1443552"/>
+          </a:xfrm>
+          <a:prstGeom prst="rect">
+            <a:avLst/>
+          </a:prstGeom>
+          <a:noFill/>
+          <a:extLst>
+            <a:ext uri="{909E8E84-426E-40DD-AFC4-6F175D3DCCD1}">
+              <a14:hiddenFill xmlns:a14="http://schemas.microsoft.com/office/drawing/2010/main">
+                <a:solidFill>
+                  <a:srgbClr val="FFFFFF"/>
+                </a:solidFill>
+              </a14:hiddenFill>
+            </a:ext>
+          </a:extLst>
+        </p:spPr>
+      </p:pic>
+      <p:pic>
+        <p:nvPicPr>
+          <p:cNvPr id="3084" name="Picture 12" descr="GoDaddy v2&quot; Icon - Download for free – Iconduck">
+            <a:extLst>
+              <a:ext uri="{FF2B5EF4-FFF2-40B4-BE49-F238E27FC236}">
+                <a16:creationId xmlns:a16="http://schemas.microsoft.com/office/drawing/2014/main" id="{222FCD81-FFE3-21C7-FAB5-9C1C4D1E6538}"/>
+              </a:ext>
+            </a:extLst>
+          </p:cNvPr>
+          <p:cNvPicPr>
+            <a:picLocks noChangeAspect="1" noChangeArrowheads="1"/>
+          </p:cNvPicPr>
+          <p:nvPr/>
+        </p:nvPicPr>
+        <p:blipFill>
+          <a:blip r:embed="rId4">
+            <a:extLst>
+              <a:ext uri="{28A0092B-C50C-407E-A947-70E740481C1C}">
+                <a14:useLocalDpi xmlns:a14="http://schemas.microsoft.com/office/drawing/2010/main" val="0"/>
+              </a:ext>
+            </a:extLst>
+          </a:blip>
+          <a:srcRect/>
+          <a:stretch>
+            <a:fillRect/>
+          </a:stretch>
+        </p:blipFill>
+        <p:spPr bwMode="auto">
+          <a:xfrm>
+            <a:off x="8751219" y="364074"/>
+            <a:ext cx="1443552" cy="1443552"/>
+          </a:xfrm>
+          <a:prstGeom prst="rect">
+            <a:avLst/>
+          </a:prstGeom>
+          <a:noFill/>
+          <a:extLst>
+            <a:ext uri="{909E8E84-426E-40DD-AFC4-6F175D3DCCD1}">
+              <a14:hiddenFill xmlns:a14="http://schemas.microsoft.com/office/drawing/2010/main">
+                <a:solidFill>
+                  <a:srgbClr val="FFFFFF"/>
+                </a:solidFill>
+              </a14:hiddenFill>
+            </a:ext>
+          </a:extLst>
+        </p:spPr>
+      </p:pic>
     </p:spTree>
     <p:extLst>
       <p:ext uri="{BB962C8B-B14F-4D97-AF65-F5344CB8AC3E}">
-        <p14:creationId xmlns:p14="http://schemas.microsoft.com/office/powerpoint/2010/main" val="4086607083"/>
+        <p14:creationId xmlns:p14="http://schemas.microsoft.com/office/powerpoint/2010/main" val="1969466037"/>
       </p:ext>
     </p:extLst>
   </p:cSld>
@@ -5125,7 +5721,3687 @@
 </p:sld>
 </file>
 
-<file path=ppt/slides/slide5.xml><?xml version="1.0" encoding="utf-8"?>
+<file path=ppt/slides/slide13.xml><?xml version="1.0" encoding="utf-8"?>
+<p:sld xmlns:a="http://schemas.openxmlformats.org/drawingml/2006/main" xmlns:r="http://schemas.openxmlformats.org/officeDocument/2006/relationships" xmlns:p="http://schemas.openxmlformats.org/presentationml/2006/main">
+  <p:cSld>
+    <p:spTree>
+      <p:nvGrpSpPr>
+        <p:cNvPr id="1" name="">
+          <a:extLst>
+            <a:ext uri="{FF2B5EF4-FFF2-40B4-BE49-F238E27FC236}">
+              <a16:creationId xmlns:a16="http://schemas.microsoft.com/office/drawing/2014/main" id="{D43880D3-83D1-2EFD-A91F-21D88A902E9C}"/>
+            </a:ext>
+          </a:extLst>
+        </p:cNvPr>
+        <p:cNvGrpSpPr/>
+        <p:nvPr/>
+      </p:nvGrpSpPr>
+      <p:grpSpPr>
+        <a:xfrm>
+          <a:off x="0" y="0"/>
+          <a:ext cx="0" cy="0"/>
+          <a:chOff x="0" y="0"/>
+          <a:chExt cx="0" cy="0"/>
+        </a:xfrm>
+      </p:grpSpPr>
+      <p:sp>
+        <p:nvSpPr>
+          <p:cNvPr id="2" name="Title 1">
+            <a:extLst>
+              <a:ext uri="{FF2B5EF4-FFF2-40B4-BE49-F238E27FC236}">
+                <a16:creationId xmlns:a16="http://schemas.microsoft.com/office/drawing/2014/main" id="{EEE251BB-55D3-3EBC-8ACD-6408D7B13731}"/>
+              </a:ext>
+            </a:extLst>
+          </p:cNvPr>
+          <p:cNvSpPr>
+            <a:spLocks noGrp="1"/>
+          </p:cNvSpPr>
+          <p:nvPr>
+            <p:ph type="title"/>
+          </p:nvPr>
+        </p:nvSpPr>
+        <p:spPr>
+          <a:xfrm>
+            <a:off x="-1" y="0"/>
+            <a:ext cx="7940843" cy="898358"/>
+          </a:xfrm>
+        </p:spPr>
+        <p:txBody>
+          <a:bodyPr>
+            <a:noAutofit/>
+          </a:bodyPr>
+          <a:lstStyle/>
+          <a:p>
+            <a:r>
+              <a:rPr lang="en-US" b="1" dirty="0">
+                <a:solidFill>
+                  <a:srgbClr val="FE5E61"/>
+                </a:solidFill>
+                <a:latin typeface="EB Garamond" panose="00000500000000000000" pitchFamily="2" charset="0"/>
+                <a:ea typeface="EB Garamond" panose="00000500000000000000" pitchFamily="2" charset="0"/>
+              </a:rPr>
+              <a:t>Ethics Observation(s):</a:t>
+            </a:r>
+          </a:p>
+        </p:txBody>
+      </p:sp>
+      <p:sp>
+        <p:nvSpPr>
+          <p:cNvPr id="3" name="Content Placeholder 2">
+            <a:extLst>
+              <a:ext uri="{FF2B5EF4-FFF2-40B4-BE49-F238E27FC236}">
+                <a16:creationId xmlns:a16="http://schemas.microsoft.com/office/drawing/2014/main" id="{C9AB30BE-FCFD-19A2-056E-EBA7E3238618}"/>
+              </a:ext>
+            </a:extLst>
+          </p:cNvPr>
+          <p:cNvSpPr>
+            <a:spLocks noGrp="1"/>
+          </p:cNvSpPr>
+          <p:nvPr>
+            <p:ph idx="1"/>
+          </p:nvPr>
+        </p:nvSpPr>
+        <p:spPr>
+          <a:xfrm>
+            <a:off x="676275" y="1087688"/>
+            <a:ext cx="10696575" cy="4684713"/>
+          </a:xfrm>
+        </p:spPr>
+        <p:txBody>
+          <a:bodyPr vert="horz" lIns="91440" tIns="45720" rIns="91440" bIns="45720" rtlCol="0" anchor="t">
+            <a:normAutofit/>
+          </a:bodyPr>
+          <a:lstStyle/>
+          <a:p>
+            <a:pPr marL="571500" indent="-571500">
+              <a:lnSpc>
+                <a:spcPct val="150000"/>
+              </a:lnSpc>
+            </a:pPr>
+            <a:endParaRPr lang="en-US" sz="3600" dirty="0">
+              <a:latin typeface="EB Garamond"/>
+              <a:ea typeface="EB Garamond"/>
+            </a:endParaRPr>
+          </a:p>
+        </p:txBody>
+      </p:sp>
+      <p:sp>
+        <p:nvSpPr>
+          <p:cNvPr id="4" name="Rectangle 3">
+            <a:extLst>
+              <a:ext uri="{FF2B5EF4-FFF2-40B4-BE49-F238E27FC236}">
+                <a16:creationId xmlns:a16="http://schemas.microsoft.com/office/drawing/2014/main" id="{A17F940F-73E9-C5C9-9F03-1EF1B06D1A8F}"/>
+              </a:ext>
+            </a:extLst>
+          </p:cNvPr>
+          <p:cNvSpPr/>
+          <p:nvPr/>
+        </p:nvSpPr>
+        <p:spPr>
+          <a:xfrm>
+            <a:off x="-1" y="6614809"/>
+            <a:ext cx="12192000" cy="243191"/>
+          </a:xfrm>
+          <a:prstGeom prst="rect">
+            <a:avLst/>
+          </a:prstGeom>
+          <a:solidFill>
+            <a:srgbClr val="FE5E61"/>
+          </a:solidFill>
+          <a:ln>
+            <a:noFill/>
+          </a:ln>
+        </p:spPr>
+        <p:style>
+          <a:lnRef idx="2">
+            <a:schemeClr val="accent1">
+              <a:shade val="15000"/>
+            </a:schemeClr>
+          </a:lnRef>
+          <a:fillRef idx="1">
+            <a:schemeClr val="accent1"/>
+          </a:fillRef>
+          <a:effectRef idx="0">
+            <a:schemeClr val="accent1"/>
+          </a:effectRef>
+          <a:fontRef idx="minor">
+            <a:schemeClr val="lt1"/>
+          </a:fontRef>
+        </p:style>
+        <p:txBody>
+          <a:bodyPr rtlCol="0" anchor="ctr"/>
+          <a:lstStyle/>
+          <a:p>
+            <a:pPr algn="ctr"/>
+            <a:endParaRPr lang="en-US"/>
+          </a:p>
+        </p:txBody>
+      </p:sp>
+      <p:sp>
+        <p:nvSpPr>
+          <p:cNvPr id="7" name="TextBox 6">
+            <a:extLst>
+              <a:ext uri="{FF2B5EF4-FFF2-40B4-BE49-F238E27FC236}">
+                <a16:creationId xmlns:a16="http://schemas.microsoft.com/office/drawing/2014/main" id="{8597D89E-707F-AF17-5E78-467AF0CE518B}"/>
+              </a:ext>
+            </a:extLst>
+          </p:cNvPr>
+          <p:cNvSpPr txBox="1"/>
+          <p:nvPr/>
+        </p:nvSpPr>
+        <p:spPr>
+          <a:xfrm>
+            <a:off x="5594098" y="6430143"/>
+            <a:ext cx="728084" cy="369332"/>
+          </a:xfrm>
+          <a:prstGeom prst="rect">
+            <a:avLst/>
+          </a:prstGeom>
+          <a:solidFill>
+            <a:schemeClr val="bg1"/>
+          </a:solidFill>
+          <a:ln>
+            <a:solidFill>
+              <a:schemeClr val="tx1"/>
+            </a:solidFill>
+          </a:ln>
+        </p:spPr>
+        <p:txBody>
+          <a:bodyPr wrap="none" rtlCol="0">
+            <a:spAutoFit/>
+          </a:bodyPr>
+          <a:lstStyle/>
+          <a:p>
+            <a:r>
+              <a:rPr lang="en-US" dirty="0">
+                <a:latin typeface="EB Garamond" panose="00000500000000000000" pitchFamily="2" charset="0"/>
+                <a:ea typeface="EB Garamond" panose="00000500000000000000" pitchFamily="2" charset="0"/>
+              </a:rPr>
+              <a:t>Name</a:t>
+            </a:r>
+          </a:p>
+        </p:txBody>
+      </p:sp>
+      <p:sp>
+        <p:nvSpPr>
+          <p:cNvPr id="5" name="TextBox 4">
+            <a:extLst>
+              <a:ext uri="{FF2B5EF4-FFF2-40B4-BE49-F238E27FC236}">
+                <a16:creationId xmlns:a16="http://schemas.microsoft.com/office/drawing/2014/main" id="{191662CA-DEFF-CE87-E87D-FE4942BB0737}"/>
+              </a:ext>
+            </a:extLst>
+          </p:cNvPr>
+          <p:cNvSpPr txBox="1"/>
+          <p:nvPr/>
+        </p:nvSpPr>
+        <p:spPr>
+          <a:xfrm>
+            <a:off x="2031455" y="6430143"/>
+            <a:ext cx="612668" cy="369332"/>
+          </a:xfrm>
+          <a:prstGeom prst="rect">
+            <a:avLst/>
+          </a:prstGeom>
+          <a:solidFill>
+            <a:schemeClr val="bg1"/>
+          </a:solidFill>
+          <a:ln>
+            <a:solidFill>
+              <a:schemeClr val="tx1"/>
+            </a:solidFill>
+          </a:ln>
+        </p:spPr>
+        <p:txBody>
+          <a:bodyPr wrap="none" rtlCol="0">
+            <a:spAutoFit/>
+          </a:bodyPr>
+          <a:lstStyle/>
+          <a:p>
+            <a:r>
+              <a:rPr lang="en-US" dirty="0">
+                <a:latin typeface="EB Garamond" panose="00000500000000000000" pitchFamily="2" charset="0"/>
+                <a:ea typeface="EB Garamond" panose="00000500000000000000" pitchFamily="2" charset="0"/>
+              </a:rPr>
+              <a:t>Date</a:t>
+            </a:r>
+          </a:p>
+        </p:txBody>
+      </p:sp>
+    </p:spTree>
+    <p:extLst>
+      <p:ext uri="{BB962C8B-B14F-4D97-AF65-F5344CB8AC3E}">
+        <p14:creationId xmlns:p14="http://schemas.microsoft.com/office/powerpoint/2010/main" val="3082979508"/>
+      </p:ext>
+    </p:extLst>
+  </p:cSld>
+  <p:clrMapOvr>
+    <a:masterClrMapping/>
+  </p:clrMapOvr>
+</p:sld>
+</file>
+
+<file path=ppt/slides/slide14.xml><?xml version="1.0" encoding="utf-8"?>
+<p:sld xmlns:a="http://schemas.openxmlformats.org/drawingml/2006/main" xmlns:r="http://schemas.openxmlformats.org/officeDocument/2006/relationships" xmlns:p="http://schemas.openxmlformats.org/presentationml/2006/main">
+  <p:cSld>
+    <p:spTree>
+      <p:nvGrpSpPr>
+        <p:cNvPr id="1" name="">
+          <a:extLst>
+            <a:ext uri="{FF2B5EF4-FFF2-40B4-BE49-F238E27FC236}">
+              <a16:creationId xmlns:a16="http://schemas.microsoft.com/office/drawing/2014/main" id="{F566B8AD-9D21-1ED8-BE5A-6BA7996A77CD}"/>
+            </a:ext>
+          </a:extLst>
+        </p:cNvPr>
+        <p:cNvGrpSpPr/>
+        <p:nvPr/>
+      </p:nvGrpSpPr>
+      <p:grpSpPr>
+        <a:xfrm>
+          <a:off x="0" y="0"/>
+          <a:ext cx="0" cy="0"/>
+          <a:chOff x="0" y="0"/>
+          <a:chExt cx="0" cy="0"/>
+        </a:xfrm>
+      </p:grpSpPr>
+      <p:sp>
+        <p:nvSpPr>
+          <p:cNvPr id="2" name="Title 1">
+            <a:extLst>
+              <a:ext uri="{FF2B5EF4-FFF2-40B4-BE49-F238E27FC236}">
+                <a16:creationId xmlns:a16="http://schemas.microsoft.com/office/drawing/2014/main" id="{BE0E900E-BC6C-B6CB-8039-6D8C7204D7CD}"/>
+              </a:ext>
+            </a:extLst>
+          </p:cNvPr>
+          <p:cNvSpPr>
+            <a:spLocks noGrp="1"/>
+          </p:cNvSpPr>
+          <p:nvPr>
+            <p:ph type="title"/>
+          </p:nvPr>
+        </p:nvSpPr>
+        <p:spPr>
+          <a:xfrm>
+            <a:off x="0" y="8262"/>
+            <a:ext cx="7601803" cy="734101"/>
+          </a:xfrm>
+        </p:spPr>
+        <p:txBody>
+          <a:bodyPr>
+            <a:normAutofit fontScale="90000"/>
+          </a:bodyPr>
+          <a:lstStyle/>
+          <a:p>
+            <a:r>
+              <a:rPr lang="en-US" b="1" u="sng">
+                <a:solidFill>
+                  <a:srgbClr val="FE5E61"/>
+                </a:solidFill>
+                <a:latin typeface="EB Garamond" panose="00000500000000000000" pitchFamily="2" charset="0"/>
+                <a:ea typeface="EB Garamond" panose="00000500000000000000" pitchFamily="2" charset="0"/>
+              </a:rPr>
+              <a:t>Software Engineering Principles:</a:t>
+            </a:r>
+          </a:p>
+        </p:txBody>
+      </p:sp>
+      <p:sp>
+        <p:nvSpPr>
+          <p:cNvPr id="3" name="Content Placeholder 2">
+            <a:extLst>
+              <a:ext uri="{FF2B5EF4-FFF2-40B4-BE49-F238E27FC236}">
+                <a16:creationId xmlns:a16="http://schemas.microsoft.com/office/drawing/2014/main" id="{BB79DC53-A0AB-5BB5-B84D-C0CEDB159E2F}"/>
+              </a:ext>
+            </a:extLst>
+          </p:cNvPr>
+          <p:cNvSpPr>
+            <a:spLocks noGrp="1"/>
+          </p:cNvSpPr>
+          <p:nvPr>
+            <p:ph idx="1"/>
+          </p:nvPr>
+        </p:nvSpPr>
+        <p:spPr>
+          <a:xfrm>
+            <a:off x="278473" y="2810458"/>
+            <a:ext cx="3949462" cy="3691885"/>
+          </a:xfrm>
+        </p:spPr>
+        <p:txBody>
+          <a:bodyPr>
+            <a:normAutofit lnSpcReduction="10000"/>
+          </a:bodyPr>
+          <a:lstStyle/>
+          <a:p>
+            <a:pPr marL="0" indent="0" algn="ctr" rtl="0">
+              <a:spcAft>
+                <a:spcPts val="1200"/>
+              </a:spcAft>
+              <a:buNone/>
+            </a:pPr>
+            <a:br>
+              <a:rPr lang="en-US" sz="2400" b="0" dirty="0">
+                <a:effectLst/>
+                <a:latin typeface="EB Garamond" panose="00000500000000000000" pitchFamily="2" charset="0"/>
+                <a:ea typeface="EB Garamond" panose="00000500000000000000" pitchFamily="2" charset="0"/>
+              </a:rPr>
+            </a:br>
+            <a:r>
+              <a:rPr lang="en-US" sz="2400" b="1" i="0" u="none" strike="noStrike" dirty="0">
+                <a:solidFill>
+                  <a:srgbClr val="5E696C"/>
+                </a:solidFill>
+                <a:effectLst/>
+                <a:latin typeface="EB Garamond" panose="00000500000000000000" pitchFamily="2" charset="0"/>
+                <a:ea typeface="EB Garamond" panose="00000500000000000000" pitchFamily="2" charset="0"/>
+              </a:rPr>
+              <a:t>Judgment: </a:t>
+            </a:r>
+            <a:endParaRPr lang="en-US" sz="2400" b="0" dirty="0">
+              <a:effectLst/>
+              <a:latin typeface="EB Garamond" panose="00000500000000000000" pitchFamily="2" charset="0"/>
+              <a:ea typeface="EB Garamond" panose="00000500000000000000" pitchFamily="2" charset="0"/>
+            </a:endParaRPr>
+          </a:p>
+          <a:p>
+            <a:r>
+              <a:rPr lang="en-US" sz="2400" b="0" i="0" u="none" strike="noStrike" dirty="0">
+                <a:solidFill>
+                  <a:srgbClr val="5E696C"/>
+                </a:solidFill>
+                <a:effectLst/>
+                <a:latin typeface="EB Garamond" panose="00000500000000000000" pitchFamily="2" charset="0"/>
+                <a:ea typeface="EB Garamond" panose="00000500000000000000" pitchFamily="2" charset="0"/>
+              </a:rPr>
+              <a:t>As software engineers, we maintained a level of integrity and independence within our professional judgment. We prioritized website accessibility, making thoughtful design and content decisions throughout the development process.</a:t>
+            </a:r>
+            <a:endParaRPr lang="en-US" sz="2400" dirty="0">
+              <a:latin typeface="EB Garamond" panose="00000500000000000000" pitchFamily="2" charset="0"/>
+              <a:ea typeface="EB Garamond" panose="00000500000000000000" pitchFamily="2" charset="0"/>
+            </a:endParaRPr>
+          </a:p>
+        </p:txBody>
+      </p:sp>
+      <p:sp>
+        <p:nvSpPr>
+          <p:cNvPr id="4" name="Rectangle 3">
+            <a:extLst>
+              <a:ext uri="{FF2B5EF4-FFF2-40B4-BE49-F238E27FC236}">
+                <a16:creationId xmlns:a16="http://schemas.microsoft.com/office/drawing/2014/main" id="{1E2A5A5E-29D3-5E26-9CC6-3CA0B8173518}"/>
+              </a:ext>
+            </a:extLst>
+          </p:cNvPr>
+          <p:cNvSpPr/>
+          <p:nvPr/>
+        </p:nvSpPr>
+        <p:spPr>
+          <a:xfrm>
+            <a:off x="0" y="6677879"/>
+            <a:ext cx="12192000" cy="243191"/>
+          </a:xfrm>
+          <a:prstGeom prst="rect">
+            <a:avLst/>
+          </a:prstGeom>
+          <a:solidFill>
+            <a:srgbClr val="FE5E61"/>
+          </a:solidFill>
+          <a:ln>
+            <a:noFill/>
+          </a:ln>
+        </p:spPr>
+        <p:style>
+          <a:lnRef idx="2">
+            <a:schemeClr val="accent1">
+              <a:shade val="15000"/>
+            </a:schemeClr>
+          </a:lnRef>
+          <a:fillRef idx="1">
+            <a:schemeClr val="accent1"/>
+          </a:fillRef>
+          <a:effectRef idx="0">
+            <a:schemeClr val="accent1"/>
+          </a:effectRef>
+          <a:fontRef idx="minor">
+            <a:schemeClr val="lt1"/>
+          </a:fontRef>
+        </p:style>
+        <p:txBody>
+          <a:bodyPr rtlCol="0" anchor="ctr"/>
+          <a:lstStyle/>
+          <a:p>
+            <a:pPr algn="ctr"/>
+            <a:endParaRPr lang="en-US"/>
+          </a:p>
+        </p:txBody>
+      </p:sp>
+      <p:sp>
+        <p:nvSpPr>
+          <p:cNvPr id="5" name="Content Placeholder 2">
+            <a:extLst>
+              <a:ext uri="{FF2B5EF4-FFF2-40B4-BE49-F238E27FC236}">
+                <a16:creationId xmlns:a16="http://schemas.microsoft.com/office/drawing/2014/main" id="{0D241B82-9BF7-86EE-C9A9-E72BF60C7033}"/>
+              </a:ext>
+            </a:extLst>
+          </p:cNvPr>
+          <p:cNvSpPr txBox="1">
+            <a:spLocks/>
+          </p:cNvSpPr>
+          <p:nvPr/>
+        </p:nvSpPr>
+        <p:spPr>
+          <a:xfrm>
+            <a:off x="4341205" y="3033051"/>
+            <a:ext cx="3622862" cy="3644828"/>
+          </a:xfrm>
+          <a:prstGeom prst="rect">
+            <a:avLst/>
+          </a:prstGeom>
+        </p:spPr>
+        <p:txBody>
+          <a:bodyPr vert="horz" lIns="91440" tIns="45720" rIns="91440" bIns="45720" rtlCol="0">
+            <a:normAutofit/>
+          </a:bodyPr>
+          <a:lstStyle>
+            <a:lvl1pPr marL="228600" indent="-228600" algn="l" defTabSz="914400" rtl="0" eaLnBrk="1" latinLnBrk="0" hangingPunct="1">
+              <a:lnSpc>
+                <a:spcPct val="90000"/>
+              </a:lnSpc>
+              <a:spcBef>
+                <a:spcPts val="1000"/>
+              </a:spcBef>
+              <a:buFont typeface="Arial" panose="020B0604020202020204" pitchFamily="34" charset="0"/>
+              <a:buChar char="•"/>
+              <a:defRPr sz="2800" kern="1200">
+                <a:solidFill>
+                  <a:schemeClr val="tx1"/>
+                </a:solidFill>
+                <a:latin typeface="+mn-lt"/>
+                <a:ea typeface="+mn-ea"/>
+                <a:cs typeface="+mn-cs"/>
+              </a:defRPr>
+            </a:lvl1pPr>
+            <a:lvl2pPr marL="685800" indent="-228600" algn="l" defTabSz="914400" rtl="0" eaLnBrk="1" latinLnBrk="0" hangingPunct="1">
+              <a:lnSpc>
+                <a:spcPct val="90000"/>
+              </a:lnSpc>
+              <a:spcBef>
+                <a:spcPts val="500"/>
+              </a:spcBef>
+              <a:buFont typeface="Arial" panose="020B0604020202020204" pitchFamily="34" charset="0"/>
+              <a:buChar char="•"/>
+              <a:defRPr sz="2400" kern="1200">
+                <a:solidFill>
+                  <a:schemeClr val="tx1"/>
+                </a:solidFill>
+                <a:latin typeface="+mn-lt"/>
+                <a:ea typeface="+mn-ea"/>
+                <a:cs typeface="+mn-cs"/>
+              </a:defRPr>
+            </a:lvl2pPr>
+            <a:lvl3pPr marL="1143000" indent="-228600" algn="l" defTabSz="914400" rtl="0" eaLnBrk="1" latinLnBrk="0" hangingPunct="1">
+              <a:lnSpc>
+                <a:spcPct val="90000"/>
+              </a:lnSpc>
+              <a:spcBef>
+                <a:spcPts val="500"/>
+              </a:spcBef>
+              <a:buFont typeface="Arial" panose="020B0604020202020204" pitchFamily="34" charset="0"/>
+              <a:buChar char="•"/>
+              <a:defRPr sz="2000" kern="1200">
+                <a:solidFill>
+                  <a:schemeClr val="tx1"/>
+                </a:solidFill>
+                <a:latin typeface="+mn-lt"/>
+                <a:ea typeface="+mn-ea"/>
+                <a:cs typeface="+mn-cs"/>
+              </a:defRPr>
+            </a:lvl3pPr>
+            <a:lvl4pPr marL="1600200" indent="-228600" algn="l" defTabSz="914400" rtl="0" eaLnBrk="1" latinLnBrk="0" hangingPunct="1">
+              <a:lnSpc>
+                <a:spcPct val="90000"/>
+              </a:lnSpc>
+              <a:spcBef>
+                <a:spcPts val="500"/>
+              </a:spcBef>
+              <a:buFont typeface="Arial" panose="020B0604020202020204" pitchFamily="34" charset="0"/>
+              <a:buChar char="•"/>
+              <a:defRPr sz="1800" kern="1200">
+                <a:solidFill>
+                  <a:schemeClr val="tx1"/>
+                </a:solidFill>
+                <a:latin typeface="+mn-lt"/>
+                <a:ea typeface="+mn-ea"/>
+                <a:cs typeface="+mn-cs"/>
+              </a:defRPr>
+            </a:lvl4pPr>
+            <a:lvl5pPr marL="2057400" indent="-228600" algn="l" defTabSz="914400" rtl="0" eaLnBrk="1" latinLnBrk="0" hangingPunct="1">
+              <a:lnSpc>
+                <a:spcPct val="90000"/>
+              </a:lnSpc>
+              <a:spcBef>
+                <a:spcPts val="500"/>
+              </a:spcBef>
+              <a:buFont typeface="Arial" panose="020B0604020202020204" pitchFamily="34" charset="0"/>
+              <a:buChar char="•"/>
+              <a:defRPr sz="1800" kern="1200">
+                <a:solidFill>
+                  <a:schemeClr val="tx1"/>
+                </a:solidFill>
+                <a:latin typeface="+mn-lt"/>
+                <a:ea typeface="+mn-ea"/>
+                <a:cs typeface="+mn-cs"/>
+              </a:defRPr>
+            </a:lvl5pPr>
+            <a:lvl6pPr marL="2514600" indent="-228600" algn="l" defTabSz="914400" rtl="0" eaLnBrk="1" latinLnBrk="0" hangingPunct="1">
+              <a:lnSpc>
+                <a:spcPct val="90000"/>
+              </a:lnSpc>
+              <a:spcBef>
+                <a:spcPts val="500"/>
+              </a:spcBef>
+              <a:buFont typeface="Arial" panose="020B0604020202020204" pitchFamily="34" charset="0"/>
+              <a:buChar char="•"/>
+              <a:defRPr sz="1800" kern="1200">
+                <a:solidFill>
+                  <a:schemeClr val="tx1"/>
+                </a:solidFill>
+                <a:latin typeface="+mn-lt"/>
+                <a:ea typeface="+mn-ea"/>
+                <a:cs typeface="+mn-cs"/>
+              </a:defRPr>
+            </a:lvl6pPr>
+            <a:lvl7pPr marL="2971800" indent="-228600" algn="l" defTabSz="914400" rtl="0" eaLnBrk="1" latinLnBrk="0" hangingPunct="1">
+              <a:lnSpc>
+                <a:spcPct val="90000"/>
+              </a:lnSpc>
+              <a:spcBef>
+                <a:spcPts val="500"/>
+              </a:spcBef>
+              <a:buFont typeface="Arial" panose="020B0604020202020204" pitchFamily="34" charset="0"/>
+              <a:buChar char="•"/>
+              <a:defRPr sz="1800" kern="1200">
+                <a:solidFill>
+                  <a:schemeClr val="tx1"/>
+                </a:solidFill>
+                <a:latin typeface="+mn-lt"/>
+                <a:ea typeface="+mn-ea"/>
+                <a:cs typeface="+mn-cs"/>
+              </a:defRPr>
+            </a:lvl7pPr>
+            <a:lvl8pPr marL="3429000" indent="-228600" algn="l" defTabSz="914400" rtl="0" eaLnBrk="1" latinLnBrk="0" hangingPunct="1">
+              <a:lnSpc>
+                <a:spcPct val="90000"/>
+              </a:lnSpc>
+              <a:spcBef>
+                <a:spcPts val="500"/>
+              </a:spcBef>
+              <a:buFont typeface="Arial" panose="020B0604020202020204" pitchFamily="34" charset="0"/>
+              <a:buChar char="•"/>
+              <a:defRPr sz="1800" kern="1200">
+                <a:solidFill>
+                  <a:schemeClr val="tx1"/>
+                </a:solidFill>
+                <a:latin typeface="+mn-lt"/>
+                <a:ea typeface="+mn-ea"/>
+                <a:cs typeface="+mn-cs"/>
+              </a:defRPr>
+            </a:lvl8pPr>
+            <a:lvl9pPr marL="3886200" indent="-228600" algn="l" defTabSz="914400" rtl="0" eaLnBrk="1" latinLnBrk="0" hangingPunct="1">
+              <a:lnSpc>
+                <a:spcPct val="90000"/>
+              </a:lnSpc>
+              <a:spcBef>
+                <a:spcPts val="500"/>
+              </a:spcBef>
+              <a:buFont typeface="Arial" panose="020B0604020202020204" pitchFamily="34" charset="0"/>
+              <a:buChar char="•"/>
+              <a:defRPr sz="1800" kern="1200">
+                <a:solidFill>
+                  <a:schemeClr val="tx1"/>
+                </a:solidFill>
+                <a:latin typeface="+mn-lt"/>
+                <a:ea typeface="+mn-ea"/>
+                <a:cs typeface="+mn-cs"/>
+              </a:defRPr>
+            </a:lvl9pPr>
+          </a:lstStyle>
+          <a:p>
+            <a:pPr marL="0" indent="0" algn="ctr" rtl="0">
+              <a:spcAft>
+                <a:spcPts val="1200"/>
+              </a:spcAft>
+              <a:buNone/>
+            </a:pPr>
+            <a:r>
+              <a:rPr lang="en-US" sz="2400" b="1" i="0" u="none" strike="noStrike" dirty="0">
+                <a:solidFill>
+                  <a:srgbClr val="5E696C"/>
+                </a:solidFill>
+                <a:effectLst/>
+                <a:latin typeface="EB Garamond" panose="00000500000000000000" pitchFamily="2" charset="0"/>
+                <a:ea typeface="EB Garamond" panose="00000500000000000000" pitchFamily="2" charset="0"/>
+              </a:rPr>
+              <a:t>Public: </a:t>
+            </a:r>
+            <a:endParaRPr lang="en-US" sz="2400" b="0" dirty="0">
+              <a:effectLst/>
+              <a:latin typeface="EB Garamond" panose="00000500000000000000" pitchFamily="2" charset="0"/>
+              <a:ea typeface="EB Garamond" panose="00000500000000000000" pitchFamily="2" charset="0"/>
+            </a:endParaRPr>
+          </a:p>
+          <a:p>
+            <a:pPr rtl="0">
+              <a:spcAft>
+                <a:spcPts val="1200"/>
+              </a:spcAft>
+            </a:pPr>
+            <a:r>
+              <a:rPr lang="en-US" sz="2400" b="0" i="0" u="none" strike="noStrike" dirty="0">
+                <a:solidFill>
+                  <a:srgbClr val="5E696C"/>
+                </a:solidFill>
+                <a:effectLst/>
+                <a:latin typeface="EB Garamond" panose="00000500000000000000" pitchFamily="2" charset="0"/>
+                <a:ea typeface="EB Garamond" panose="00000500000000000000" pitchFamily="2" charset="0"/>
+              </a:rPr>
+              <a:t>We acted in the interest of the public by offering a level of transparency regarding link redirection and source code availability.</a:t>
+            </a:r>
+            <a:endParaRPr lang="en-US" sz="2400" b="0" dirty="0">
+              <a:effectLst/>
+              <a:latin typeface="EB Garamond" panose="00000500000000000000" pitchFamily="2" charset="0"/>
+              <a:ea typeface="EB Garamond" panose="00000500000000000000" pitchFamily="2" charset="0"/>
+            </a:endParaRPr>
+          </a:p>
+        </p:txBody>
+      </p:sp>
+      <p:pic>
+        <p:nvPicPr>
+          <p:cNvPr id="9" name="Picture 8">
+            <a:extLst>
+              <a:ext uri="{FF2B5EF4-FFF2-40B4-BE49-F238E27FC236}">
+                <a16:creationId xmlns:a16="http://schemas.microsoft.com/office/drawing/2014/main" id="{6AA609C5-4F49-23F9-578F-6FEC12027CAA}"/>
+              </a:ext>
+            </a:extLst>
+          </p:cNvPr>
+          <p:cNvPicPr>
+            <a:picLocks noChangeAspect="1"/>
+          </p:cNvPicPr>
+          <p:nvPr/>
+        </p:nvPicPr>
+        <p:blipFill>
+          <a:blip r:embed="rId2"/>
+          <a:stretch>
+            <a:fillRect/>
+          </a:stretch>
+        </p:blipFill>
+        <p:spPr>
+          <a:xfrm>
+            <a:off x="1497718" y="957771"/>
+            <a:ext cx="1397757" cy="1397757"/>
+          </a:xfrm>
+          <a:prstGeom prst="rect">
+            <a:avLst/>
+          </a:prstGeom>
+        </p:spPr>
+      </p:pic>
+      <p:pic>
+        <p:nvPicPr>
+          <p:cNvPr id="11" name="Picture 10">
+            <a:extLst>
+              <a:ext uri="{FF2B5EF4-FFF2-40B4-BE49-F238E27FC236}">
+                <a16:creationId xmlns:a16="http://schemas.microsoft.com/office/drawing/2014/main" id="{5CCB4C04-49DC-3308-332D-C934048781BF}"/>
+              </a:ext>
+            </a:extLst>
+          </p:cNvPr>
+          <p:cNvPicPr>
+            <a:picLocks noChangeAspect="1"/>
+          </p:cNvPicPr>
+          <p:nvPr/>
+        </p:nvPicPr>
+        <p:blipFill>
+          <a:blip r:embed="rId3"/>
+          <a:stretch>
+            <a:fillRect/>
+          </a:stretch>
+        </p:blipFill>
+        <p:spPr>
+          <a:xfrm>
+            <a:off x="5374481" y="1080292"/>
+            <a:ext cx="1397757" cy="1397757"/>
+          </a:xfrm>
+          <a:prstGeom prst="rect">
+            <a:avLst/>
+          </a:prstGeom>
+        </p:spPr>
+      </p:pic>
+      <p:sp>
+        <p:nvSpPr>
+          <p:cNvPr id="6" name="TextBox 5">
+            <a:extLst>
+              <a:ext uri="{FF2B5EF4-FFF2-40B4-BE49-F238E27FC236}">
+                <a16:creationId xmlns:a16="http://schemas.microsoft.com/office/drawing/2014/main" id="{EE6D22FD-DB13-3D7D-172A-106C9D9E23C0}"/>
+              </a:ext>
+            </a:extLst>
+          </p:cNvPr>
+          <p:cNvSpPr txBox="1"/>
+          <p:nvPr/>
+        </p:nvSpPr>
+        <p:spPr>
+          <a:xfrm>
+            <a:off x="5190143" y="6430143"/>
+            <a:ext cx="1003801" cy="369332"/>
+          </a:xfrm>
+          <a:prstGeom prst="rect">
+            <a:avLst/>
+          </a:prstGeom>
+          <a:solidFill>
+            <a:schemeClr val="bg1"/>
+          </a:solidFill>
+          <a:ln>
+            <a:solidFill>
+              <a:schemeClr val="tx1"/>
+            </a:solidFill>
+          </a:ln>
+        </p:spPr>
+        <p:txBody>
+          <a:bodyPr wrap="none" lIns="91440" tIns="45720" rIns="91440" bIns="45720" rtlCol="0" anchor="t">
+            <a:spAutoFit/>
+          </a:bodyPr>
+          <a:lstStyle/>
+          <a:p>
+            <a:r>
+              <a:rPr lang="en-US" dirty="0">
+                <a:latin typeface="EB Garamond"/>
+                <a:ea typeface="EB Garamond"/>
+              </a:rPr>
+              <a:t>Presenter</a:t>
+            </a:r>
+            <a:endParaRPr lang="en-US" dirty="0">
+              <a:latin typeface="EB Garamond" panose="00000500000000000000" pitchFamily="2" charset="0"/>
+              <a:ea typeface="EB Garamond" panose="00000500000000000000" pitchFamily="2" charset="0"/>
+            </a:endParaRPr>
+          </a:p>
+        </p:txBody>
+      </p:sp>
+      <p:sp>
+        <p:nvSpPr>
+          <p:cNvPr id="8" name="TextBox 7">
+            <a:extLst>
+              <a:ext uri="{FF2B5EF4-FFF2-40B4-BE49-F238E27FC236}">
+                <a16:creationId xmlns:a16="http://schemas.microsoft.com/office/drawing/2014/main" id="{E1A468F7-0C7D-33A5-CC7C-EFE6E2F1A072}"/>
+              </a:ext>
+            </a:extLst>
+          </p:cNvPr>
+          <p:cNvSpPr txBox="1"/>
+          <p:nvPr/>
+        </p:nvSpPr>
+        <p:spPr>
+          <a:xfrm>
+            <a:off x="2031455" y="6430143"/>
+            <a:ext cx="1342034" cy="369332"/>
+          </a:xfrm>
+          <a:prstGeom prst="rect">
+            <a:avLst/>
+          </a:prstGeom>
+          <a:solidFill>
+            <a:schemeClr val="bg1"/>
+          </a:solidFill>
+          <a:ln>
+            <a:solidFill>
+              <a:schemeClr val="tx1"/>
+            </a:solidFill>
+          </a:ln>
+        </p:spPr>
+        <p:txBody>
+          <a:bodyPr wrap="none" rtlCol="0">
+            <a:spAutoFit/>
+          </a:bodyPr>
+          <a:lstStyle/>
+          <a:p>
+            <a:r>
+              <a:rPr lang="en-US" dirty="0">
+                <a:latin typeface="EB Garamond" panose="00000500000000000000" pitchFamily="2" charset="0"/>
+                <a:ea typeface="EB Garamond" panose="00000500000000000000" pitchFamily="2" charset="0"/>
+              </a:rPr>
+              <a:t>07 May 2025</a:t>
+            </a:r>
+          </a:p>
+        </p:txBody>
+      </p:sp>
+      <p:sp>
+        <p:nvSpPr>
+          <p:cNvPr id="10" name="Content Placeholder 2">
+            <a:extLst>
+              <a:ext uri="{FF2B5EF4-FFF2-40B4-BE49-F238E27FC236}">
+                <a16:creationId xmlns:a16="http://schemas.microsoft.com/office/drawing/2014/main" id="{D58AAF60-DD67-1973-63C7-C8769F84D1EB}"/>
+              </a:ext>
+            </a:extLst>
+          </p:cNvPr>
+          <p:cNvSpPr txBox="1">
+            <a:spLocks/>
+          </p:cNvSpPr>
+          <p:nvPr/>
+        </p:nvSpPr>
+        <p:spPr>
+          <a:xfrm>
+            <a:off x="8077337" y="3040777"/>
+            <a:ext cx="3949462" cy="3389366"/>
+          </a:xfrm>
+          <a:prstGeom prst="rect">
+            <a:avLst/>
+          </a:prstGeom>
+        </p:spPr>
+        <p:txBody>
+          <a:bodyPr vert="horz" lIns="91440" tIns="45720" rIns="91440" bIns="45720" rtlCol="0">
+            <a:normAutofit/>
+          </a:bodyPr>
+          <a:lstStyle>
+            <a:lvl1pPr marL="228600" indent="-228600" algn="l" defTabSz="914400" rtl="0" eaLnBrk="1" latinLnBrk="0" hangingPunct="1">
+              <a:lnSpc>
+                <a:spcPct val="90000"/>
+              </a:lnSpc>
+              <a:spcBef>
+                <a:spcPts val="1000"/>
+              </a:spcBef>
+              <a:buFont typeface="Arial" panose="020B0604020202020204" pitchFamily="34" charset="0"/>
+              <a:buChar char="•"/>
+              <a:defRPr sz="2800" kern="1200">
+                <a:solidFill>
+                  <a:schemeClr val="tx1"/>
+                </a:solidFill>
+                <a:latin typeface="+mn-lt"/>
+                <a:ea typeface="+mn-ea"/>
+                <a:cs typeface="+mn-cs"/>
+              </a:defRPr>
+            </a:lvl1pPr>
+            <a:lvl2pPr marL="685800" indent="-228600" algn="l" defTabSz="914400" rtl="0" eaLnBrk="1" latinLnBrk="0" hangingPunct="1">
+              <a:lnSpc>
+                <a:spcPct val="90000"/>
+              </a:lnSpc>
+              <a:spcBef>
+                <a:spcPts val="500"/>
+              </a:spcBef>
+              <a:buFont typeface="Arial" panose="020B0604020202020204" pitchFamily="34" charset="0"/>
+              <a:buChar char="•"/>
+              <a:defRPr sz="2400" kern="1200">
+                <a:solidFill>
+                  <a:schemeClr val="tx1"/>
+                </a:solidFill>
+                <a:latin typeface="+mn-lt"/>
+                <a:ea typeface="+mn-ea"/>
+                <a:cs typeface="+mn-cs"/>
+              </a:defRPr>
+            </a:lvl2pPr>
+            <a:lvl3pPr marL="1143000" indent="-228600" algn="l" defTabSz="914400" rtl="0" eaLnBrk="1" latinLnBrk="0" hangingPunct="1">
+              <a:lnSpc>
+                <a:spcPct val="90000"/>
+              </a:lnSpc>
+              <a:spcBef>
+                <a:spcPts val="500"/>
+              </a:spcBef>
+              <a:buFont typeface="Arial" panose="020B0604020202020204" pitchFamily="34" charset="0"/>
+              <a:buChar char="•"/>
+              <a:defRPr sz="2000" kern="1200">
+                <a:solidFill>
+                  <a:schemeClr val="tx1"/>
+                </a:solidFill>
+                <a:latin typeface="+mn-lt"/>
+                <a:ea typeface="+mn-ea"/>
+                <a:cs typeface="+mn-cs"/>
+              </a:defRPr>
+            </a:lvl3pPr>
+            <a:lvl4pPr marL="1600200" indent="-228600" algn="l" defTabSz="914400" rtl="0" eaLnBrk="1" latinLnBrk="0" hangingPunct="1">
+              <a:lnSpc>
+                <a:spcPct val="90000"/>
+              </a:lnSpc>
+              <a:spcBef>
+                <a:spcPts val="500"/>
+              </a:spcBef>
+              <a:buFont typeface="Arial" panose="020B0604020202020204" pitchFamily="34" charset="0"/>
+              <a:buChar char="•"/>
+              <a:defRPr sz="1800" kern="1200">
+                <a:solidFill>
+                  <a:schemeClr val="tx1"/>
+                </a:solidFill>
+                <a:latin typeface="+mn-lt"/>
+                <a:ea typeface="+mn-ea"/>
+                <a:cs typeface="+mn-cs"/>
+              </a:defRPr>
+            </a:lvl4pPr>
+            <a:lvl5pPr marL="2057400" indent="-228600" algn="l" defTabSz="914400" rtl="0" eaLnBrk="1" latinLnBrk="0" hangingPunct="1">
+              <a:lnSpc>
+                <a:spcPct val="90000"/>
+              </a:lnSpc>
+              <a:spcBef>
+                <a:spcPts val="500"/>
+              </a:spcBef>
+              <a:buFont typeface="Arial" panose="020B0604020202020204" pitchFamily="34" charset="0"/>
+              <a:buChar char="•"/>
+              <a:defRPr sz="1800" kern="1200">
+                <a:solidFill>
+                  <a:schemeClr val="tx1"/>
+                </a:solidFill>
+                <a:latin typeface="+mn-lt"/>
+                <a:ea typeface="+mn-ea"/>
+                <a:cs typeface="+mn-cs"/>
+              </a:defRPr>
+            </a:lvl5pPr>
+            <a:lvl6pPr marL="2514600" indent="-228600" algn="l" defTabSz="914400" rtl="0" eaLnBrk="1" latinLnBrk="0" hangingPunct="1">
+              <a:lnSpc>
+                <a:spcPct val="90000"/>
+              </a:lnSpc>
+              <a:spcBef>
+                <a:spcPts val="500"/>
+              </a:spcBef>
+              <a:buFont typeface="Arial" panose="020B0604020202020204" pitchFamily="34" charset="0"/>
+              <a:buChar char="•"/>
+              <a:defRPr sz="1800" kern="1200">
+                <a:solidFill>
+                  <a:schemeClr val="tx1"/>
+                </a:solidFill>
+                <a:latin typeface="+mn-lt"/>
+                <a:ea typeface="+mn-ea"/>
+                <a:cs typeface="+mn-cs"/>
+              </a:defRPr>
+            </a:lvl6pPr>
+            <a:lvl7pPr marL="2971800" indent="-228600" algn="l" defTabSz="914400" rtl="0" eaLnBrk="1" latinLnBrk="0" hangingPunct="1">
+              <a:lnSpc>
+                <a:spcPct val="90000"/>
+              </a:lnSpc>
+              <a:spcBef>
+                <a:spcPts val="500"/>
+              </a:spcBef>
+              <a:buFont typeface="Arial" panose="020B0604020202020204" pitchFamily="34" charset="0"/>
+              <a:buChar char="•"/>
+              <a:defRPr sz="1800" kern="1200">
+                <a:solidFill>
+                  <a:schemeClr val="tx1"/>
+                </a:solidFill>
+                <a:latin typeface="+mn-lt"/>
+                <a:ea typeface="+mn-ea"/>
+                <a:cs typeface="+mn-cs"/>
+              </a:defRPr>
+            </a:lvl7pPr>
+            <a:lvl8pPr marL="3429000" indent="-228600" algn="l" defTabSz="914400" rtl="0" eaLnBrk="1" latinLnBrk="0" hangingPunct="1">
+              <a:lnSpc>
+                <a:spcPct val="90000"/>
+              </a:lnSpc>
+              <a:spcBef>
+                <a:spcPts val="500"/>
+              </a:spcBef>
+              <a:buFont typeface="Arial" panose="020B0604020202020204" pitchFamily="34" charset="0"/>
+              <a:buChar char="•"/>
+              <a:defRPr sz="1800" kern="1200">
+                <a:solidFill>
+                  <a:schemeClr val="tx1"/>
+                </a:solidFill>
+                <a:latin typeface="+mn-lt"/>
+                <a:ea typeface="+mn-ea"/>
+                <a:cs typeface="+mn-cs"/>
+              </a:defRPr>
+            </a:lvl8pPr>
+            <a:lvl9pPr marL="3886200" indent="-228600" algn="l" defTabSz="914400" rtl="0" eaLnBrk="1" latinLnBrk="0" hangingPunct="1">
+              <a:lnSpc>
+                <a:spcPct val="90000"/>
+              </a:lnSpc>
+              <a:spcBef>
+                <a:spcPts val="500"/>
+              </a:spcBef>
+              <a:buFont typeface="Arial" panose="020B0604020202020204" pitchFamily="34" charset="0"/>
+              <a:buChar char="•"/>
+              <a:defRPr sz="1800" kern="1200">
+                <a:solidFill>
+                  <a:schemeClr val="tx1"/>
+                </a:solidFill>
+                <a:latin typeface="+mn-lt"/>
+                <a:ea typeface="+mn-ea"/>
+                <a:cs typeface="+mn-cs"/>
+              </a:defRPr>
+            </a:lvl9pPr>
+          </a:lstStyle>
+          <a:p>
+            <a:pPr marL="0" indent="0" algn="ctr">
+              <a:spcAft>
+                <a:spcPts val="1200"/>
+              </a:spcAft>
+              <a:buFont typeface="Arial" panose="020B0604020202020204" pitchFamily="34" charset="0"/>
+              <a:buNone/>
+            </a:pPr>
+            <a:r>
+              <a:rPr lang="en-US" sz="2400" b="1" dirty="0">
+                <a:solidFill>
+                  <a:srgbClr val="5E696C"/>
+                </a:solidFill>
+                <a:latin typeface="EB Garamond" panose="00000500000000000000" pitchFamily="2" charset="0"/>
+                <a:ea typeface="EB Garamond" panose="00000500000000000000" pitchFamily="2" charset="0"/>
+              </a:rPr>
+              <a:t>Management:</a:t>
+            </a:r>
+            <a:endParaRPr lang="en-US" sz="2400" dirty="0">
+              <a:latin typeface="EB Garamond" panose="00000500000000000000" pitchFamily="2" charset="0"/>
+              <a:ea typeface="EB Garamond" panose="00000500000000000000" pitchFamily="2" charset="0"/>
+            </a:endParaRPr>
+          </a:p>
+          <a:p>
+            <a:pPr>
+              <a:spcAft>
+                <a:spcPts val="1200"/>
+              </a:spcAft>
+            </a:pPr>
+            <a:r>
+              <a:rPr lang="en-US" sz="2400" dirty="0">
+                <a:solidFill>
+                  <a:srgbClr val="5E696C"/>
+                </a:solidFill>
+                <a:latin typeface="EB Garamond" panose="00000500000000000000" pitchFamily="2" charset="0"/>
+              </a:rPr>
+              <a:t>We upheld an ethical approach to the management of software development and maintenance, encouraging responsible decision-making and accountability throughout the development and upkeep of the website.</a:t>
+            </a:r>
+          </a:p>
+        </p:txBody>
+      </p:sp>
+      <p:pic>
+        <p:nvPicPr>
+          <p:cNvPr id="12" name="Picture 11">
+            <a:extLst>
+              <a:ext uri="{FF2B5EF4-FFF2-40B4-BE49-F238E27FC236}">
+                <a16:creationId xmlns:a16="http://schemas.microsoft.com/office/drawing/2014/main" id="{E5EC478A-8F57-F39D-5D43-C8D5E8481F4C}"/>
+              </a:ext>
+            </a:extLst>
+          </p:cNvPr>
+          <p:cNvPicPr>
+            <a:picLocks noChangeAspect="1"/>
+          </p:cNvPicPr>
+          <p:nvPr/>
+        </p:nvPicPr>
+        <p:blipFill>
+          <a:blip r:embed="rId4"/>
+          <a:stretch>
+            <a:fillRect/>
+          </a:stretch>
+        </p:blipFill>
+        <p:spPr>
+          <a:xfrm>
+            <a:off x="9580203" y="957067"/>
+            <a:ext cx="1397757" cy="1397757"/>
+          </a:xfrm>
+          <a:prstGeom prst="rect">
+            <a:avLst/>
+          </a:prstGeom>
+        </p:spPr>
+      </p:pic>
+      <p:sp>
+        <p:nvSpPr>
+          <p:cNvPr id="14" name="Oval 13">
+            <a:extLst>
+              <a:ext uri="{FF2B5EF4-FFF2-40B4-BE49-F238E27FC236}">
+                <a16:creationId xmlns:a16="http://schemas.microsoft.com/office/drawing/2014/main" id="{47DE646B-7ECD-5AD5-A9B1-5E0C6D711908}"/>
+              </a:ext>
+            </a:extLst>
+          </p:cNvPr>
+          <p:cNvSpPr/>
+          <p:nvPr/>
+        </p:nvSpPr>
+        <p:spPr>
+          <a:xfrm>
+            <a:off x="1214040" y="781783"/>
+            <a:ext cx="1965111" cy="1992923"/>
+          </a:xfrm>
+          <a:prstGeom prst="ellipse">
+            <a:avLst/>
+          </a:prstGeom>
+          <a:noFill/>
+          <a:ln w="38100">
+            <a:solidFill>
+              <a:srgbClr val="FF667C"/>
+            </a:solidFill>
+          </a:ln>
+        </p:spPr>
+        <p:style>
+          <a:lnRef idx="2">
+            <a:schemeClr val="accent1">
+              <a:shade val="15000"/>
+            </a:schemeClr>
+          </a:lnRef>
+          <a:fillRef idx="1">
+            <a:schemeClr val="accent1"/>
+          </a:fillRef>
+          <a:effectRef idx="0">
+            <a:schemeClr val="accent1"/>
+          </a:effectRef>
+          <a:fontRef idx="minor">
+            <a:schemeClr val="lt1"/>
+          </a:fontRef>
+        </p:style>
+        <p:txBody>
+          <a:bodyPr rtlCol="0" anchor="ctr"/>
+          <a:lstStyle/>
+          <a:p>
+            <a:pPr algn="ctr"/>
+            <a:endParaRPr lang="en-US"/>
+          </a:p>
+        </p:txBody>
+      </p:sp>
+      <p:sp>
+        <p:nvSpPr>
+          <p:cNvPr id="16" name="Oval 15">
+            <a:extLst>
+              <a:ext uri="{FF2B5EF4-FFF2-40B4-BE49-F238E27FC236}">
+                <a16:creationId xmlns:a16="http://schemas.microsoft.com/office/drawing/2014/main" id="{91B95164-0D21-3916-14F7-7C4C539E71D3}"/>
+              </a:ext>
+            </a:extLst>
+          </p:cNvPr>
+          <p:cNvSpPr/>
+          <p:nvPr/>
+        </p:nvSpPr>
+        <p:spPr>
+          <a:xfrm>
+            <a:off x="5152221" y="742363"/>
+            <a:ext cx="1965111" cy="1992923"/>
+          </a:xfrm>
+          <a:prstGeom prst="ellipse">
+            <a:avLst/>
+          </a:prstGeom>
+          <a:noFill/>
+          <a:ln w="38100">
+            <a:solidFill>
+              <a:srgbClr val="FF667C"/>
+            </a:solidFill>
+          </a:ln>
+        </p:spPr>
+        <p:style>
+          <a:lnRef idx="2">
+            <a:schemeClr val="accent1">
+              <a:shade val="15000"/>
+            </a:schemeClr>
+          </a:lnRef>
+          <a:fillRef idx="1">
+            <a:schemeClr val="accent1"/>
+          </a:fillRef>
+          <a:effectRef idx="0">
+            <a:schemeClr val="accent1"/>
+          </a:effectRef>
+          <a:fontRef idx="minor">
+            <a:schemeClr val="lt1"/>
+          </a:fontRef>
+        </p:style>
+        <p:txBody>
+          <a:bodyPr rtlCol="0" anchor="ctr"/>
+          <a:lstStyle/>
+          <a:p>
+            <a:pPr algn="ctr"/>
+            <a:endParaRPr lang="en-US"/>
+          </a:p>
+        </p:txBody>
+      </p:sp>
+      <p:sp>
+        <p:nvSpPr>
+          <p:cNvPr id="17" name="Oval 16">
+            <a:extLst>
+              <a:ext uri="{FF2B5EF4-FFF2-40B4-BE49-F238E27FC236}">
+                <a16:creationId xmlns:a16="http://schemas.microsoft.com/office/drawing/2014/main" id="{BD83F74C-38B3-EAD4-B70C-1FBFBBF2F935}"/>
+              </a:ext>
+            </a:extLst>
+          </p:cNvPr>
+          <p:cNvSpPr/>
+          <p:nvPr/>
+        </p:nvSpPr>
+        <p:spPr>
+          <a:xfrm>
+            <a:off x="9296525" y="742363"/>
+            <a:ext cx="1965111" cy="1992923"/>
+          </a:xfrm>
+          <a:prstGeom prst="ellipse">
+            <a:avLst/>
+          </a:prstGeom>
+          <a:noFill/>
+          <a:ln w="38100">
+            <a:solidFill>
+              <a:srgbClr val="FF667C"/>
+            </a:solidFill>
+          </a:ln>
+        </p:spPr>
+        <p:style>
+          <a:lnRef idx="2">
+            <a:schemeClr val="accent1">
+              <a:shade val="15000"/>
+            </a:schemeClr>
+          </a:lnRef>
+          <a:fillRef idx="1">
+            <a:schemeClr val="accent1"/>
+          </a:fillRef>
+          <a:effectRef idx="0">
+            <a:schemeClr val="accent1"/>
+          </a:effectRef>
+          <a:fontRef idx="minor">
+            <a:schemeClr val="lt1"/>
+          </a:fontRef>
+        </p:style>
+        <p:txBody>
+          <a:bodyPr rtlCol="0" anchor="ctr"/>
+          <a:lstStyle/>
+          <a:p>
+            <a:pPr algn="ctr"/>
+            <a:endParaRPr lang="en-US"/>
+          </a:p>
+        </p:txBody>
+      </p:sp>
+    </p:spTree>
+    <p:extLst>
+      <p:ext uri="{BB962C8B-B14F-4D97-AF65-F5344CB8AC3E}">
+        <p14:creationId xmlns:p14="http://schemas.microsoft.com/office/powerpoint/2010/main" val="22598282"/>
+      </p:ext>
+    </p:extLst>
+  </p:cSld>
+  <p:clrMapOvr>
+    <a:masterClrMapping/>
+  </p:clrMapOvr>
+</p:sld>
+</file>
+
+<file path=ppt/slides/slide15.xml><?xml version="1.0" encoding="utf-8"?>
+<p:sld xmlns:a="http://schemas.openxmlformats.org/drawingml/2006/main" xmlns:r="http://schemas.openxmlformats.org/officeDocument/2006/relationships" xmlns:p="http://schemas.openxmlformats.org/presentationml/2006/main">
+  <p:cSld>
+    <p:spTree>
+      <p:nvGrpSpPr>
+        <p:cNvPr id="1" name="">
+          <a:extLst>
+            <a:ext uri="{FF2B5EF4-FFF2-40B4-BE49-F238E27FC236}">
+              <a16:creationId xmlns:a16="http://schemas.microsoft.com/office/drawing/2014/main" id="{BA6F5A82-6A55-F180-2184-ECD8A00F7482}"/>
+            </a:ext>
+          </a:extLst>
+        </p:cNvPr>
+        <p:cNvGrpSpPr/>
+        <p:nvPr/>
+      </p:nvGrpSpPr>
+      <p:grpSpPr>
+        <a:xfrm>
+          <a:off x="0" y="0"/>
+          <a:ext cx="0" cy="0"/>
+          <a:chOff x="0" y="0"/>
+          <a:chExt cx="0" cy="0"/>
+        </a:xfrm>
+      </p:grpSpPr>
+      <p:sp>
+        <p:nvSpPr>
+          <p:cNvPr id="2" name="Title 1">
+            <a:extLst>
+              <a:ext uri="{FF2B5EF4-FFF2-40B4-BE49-F238E27FC236}">
+                <a16:creationId xmlns:a16="http://schemas.microsoft.com/office/drawing/2014/main" id="{34058AB3-969E-9ED6-87F2-5F2A4E144215}"/>
+              </a:ext>
+            </a:extLst>
+          </p:cNvPr>
+          <p:cNvSpPr>
+            <a:spLocks noGrp="1"/>
+          </p:cNvSpPr>
+          <p:nvPr>
+            <p:ph type="title"/>
+          </p:nvPr>
+        </p:nvSpPr>
+        <p:spPr>
+          <a:xfrm>
+            <a:off x="-1" y="0"/>
+            <a:ext cx="6488349" cy="898358"/>
+          </a:xfrm>
+        </p:spPr>
+        <p:txBody>
+          <a:bodyPr>
+            <a:noAutofit/>
+          </a:bodyPr>
+          <a:lstStyle/>
+          <a:p>
+            <a:r>
+              <a:rPr lang="en-US" b="1" dirty="0">
+                <a:solidFill>
+                  <a:srgbClr val="FE5E61"/>
+                </a:solidFill>
+                <a:latin typeface="EB Garamond" panose="00000500000000000000" pitchFamily="2" charset="0"/>
+                <a:ea typeface="EB Garamond" panose="00000500000000000000" pitchFamily="2" charset="0"/>
+              </a:rPr>
+              <a:t>Project Risk Management</a:t>
+            </a:r>
+          </a:p>
+        </p:txBody>
+      </p:sp>
+      <p:graphicFrame>
+        <p:nvGraphicFramePr>
+          <p:cNvPr id="6" name="Content Placeholder 5">
+            <a:extLst>
+              <a:ext uri="{FF2B5EF4-FFF2-40B4-BE49-F238E27FC236}">
+                <a16:creationId xmlns:a16="http://schemas.microsoft.com/office/drawing/2014/main" id="{7873BB62-D1EF-6446-E744-FBA809807A7A}"/>
+              </a:ext>
+            </a:extLst>
+          </p:cNvPr>
+          <p:cNvGraphicFramePr>
+            <a:graphicFrameLocks noGrp="1"/>
+          </p:cNvGraphicFramePr>
+          <p:nvPr>
+            <p:ph idx="1"/>
+            <p:extLst>
+              <p:ext uri="{D42A27DB-BD31-4B8C-83A1-F6EECF244321}">
+                <p14:modId xmlns:p14="http://schemas.microsoft.com/office/powerpoint/2010/main" val="2524388449"/>
+              </p:ext>
+            </p:extLst>
+          </p:nvPr>
+        </p:nvGraphicFramePr>
+        <p:xfrm>
+          <a:off x="747711" y="997163"/>
+          <a:ext cx="10696575" cy="4748115"/>
+        </p:xfrm>
+        <a:graphic>
+          <a:graphicData uri="http://schemas.openxmlformats.org/drawingml/2006/table">
+            <a:tbl>
+              <a:tblPr/>
+              <a:tblGrid>
+                <a:gridCol w="4125056">
+                  <a:extLst>
+                    <a:ext uri="{9D8B030D-6E8A-4147-A177-3AD203B41FA5}">
+                      <a16:colId xmlns:a16="http://schemas.microsoft.com/office/drawing/2014/main" val="1936982027"/>
+                    </a:ext>
+                  </a:extLst>
+                </a:gridCol>
+                <a:gridCol w="1178588">
+                  <a:extLst>
+                    <a:ext uri="{9D8B030D-6E8A-4147-A177-3AD203B41FA5}">
+                      <a16:colId xmlns:a16="http://schemas.microsoft.com/office/drawing/2014/main" val="3076856990"/>
+                    </a:ext>
+                  </a:extLst>
+                </a:gridCol>
+                <a:gridCol w="1169659">
+                  <a:extLst>
+                    <a:ext uri="{9D8B030D-6E8A-4147-A177-3AD203B41FA5}">
+                      <a16:colId xmlns:a16="http://schemas.microsoft.com/office/drawing/2014/main" val="544960197"/>
+                    </a:ext>
+                  </a:extLst>
+                </a:gridCol>
+                <a:gridCol w="4223272">
+                  <a:extLst>
+                    <a:ext uri="{9D8B030D-6E8A-4147-A177-3AD203B41FA5}">
+                      <a16:colId xmlns:a16="http://schemas.microsoft.com/office/drawing/2014/main" val="1081475081"/>
+                    </a:ext>
+                  </a:extLst>
+                </a:gridCol>
+              </a:tblGrid>
+              <a:tr h="538103">
+                <a:tc>
+                  <a:txBody>
+                    <a:bodyPr/>
+                    <a:lstStyle/>
+                    <a:p>
+                      <a:pPr algn="ctr" fontAlgn="base">
+                        <a:lnSpc>
+                          <a:spcPts val="3825"/>
+                        </a:lnSpc>
+                        <a:buNone/>
+                      </a:pPr>
+                      <a:r>
+                        <a:rPr lang="en-US" sz="3000" b="1" i="0" dirty="0">
+                          <a:solidFill>
+                            <a:srgbClr val="000000"/>
+                          </a:solidFill>
+                          <a:effectLst/>
+                          <a:latin typeface="EB Garamond" panose="00000500000000000000" pitchFamily="2" charset="0"/>
+                        </a:rPr>
+                        <a:t>RISK​</a:t>
+                      </a:r>
+                      <a:endParaRPr lang="en-US" sz="1700" b="1" i="0" dirty="0">
+                        <a:solidFill>
+                          <a:srgbClr val="000000"/>
+                        </a:solidFill>
+                        <a:effectLst/>
+                      </a:endParaRPr>
+                    </a:p>
+                  </a:txBody>
+                  <a:tcPr marL="85715" marR="85715" marT="42858" marB="42858" anchor="ctr">
+                    <a:lnL w="9525" cap="flat" cmpd="sng" algn="ctr">
+                      <a:solidFill>
+                        <a:srgbClr val="196B24"/>
+                      </a:solidFill>
+                      <a:prstDash val="solid"/>
+                      <a:round/>
+                      <a:headEnd type="none" w="med" len="med"/>
+                      <a:tailEnd type="none" w="med" len="med"/>
+                    </a:lnL>
+                    <a:lnR w="9525" cap="flat" cmpd="sng" algn="ctr">
+                      <a:solidFill>
+                        <a:srgbClr val="196B24"/>
+                      </a:solidFill>
+                      <a:prstDash val="solid"/>
+                      <a:round/>
+                      <a:headEnd type="none" w="med" len="med"/>
+                      <a:tailEnd type="none" w="med" len="med"/>
+                    </a:lnR>
+                    <a:lnT w="9525" cap="flat" cmpd="sng" algn="ctr">
+                      <a:solidFill>
+                        <a:srgbClr val="196B24"/>
+                      </a:solidFill>
+                      <a:prstDash val="solid"/>
+                      <a:round/>
+                      <a:headEnd type="none" w="med" len="med"/>
+                      <a:tailEnd type="none" w="med" len="med"/>
+                    </a:lnT>
+                    <a:lnB w="18621" cap="flat" cmpd="sng" algn="ctr">
+                      <a:solidFill>
+                        <a:srgbClr val="196B24"/>
+                      </a:solidFill>
+                      <a:prstDash val="solid"/>
+                      <a:round/>
+                      <a:headEnd type="none" w="med" len="med"/>
+                      <a:tailEnd type="none" w="med" len="med"/>
+                    </a:lnB>
+                    <a:solidFill>
+                      <a:srgbClr val="FFFFFF"/>
+                    </a:solidFill>
+                  </a:tcPr>
+                </a:tc>
+                <a:tc>
+                  <a:txBody>
+                    <a:bodyPr/>
+                    <a:lstStyle/>
+                    <a:p>
+                      <a:pPr algn="ctr" fontAlgn="base">
+                        <a:lnSpc>
+                          <a:spcPts val="2850"/>
+                        </a:lnSpc>
+                        <a:buNone/>
+                      </a:pPr>
+                      <a:r>
+                        <a:rPr lang="en-US" sz="2200" b="1" i="0">
+                          <a:solidFill>
+                            <a:srgbClr val="000000"/>
+                          </a:solidFill>
+                          <a:effectLst/>
+                          <a:latin typeface="EB Garamond" panose="00000500000000000000" pitchFamily="2" charset="0"/>
+                        </a:rPr>
+                        <a:t>Prob.​</a:t>
+                      </a:r>
+                      <a:endParaRPr lang="en-US" sz="1700" b="1" i="0">
+                        <a:solidFill>
+                          <a:srgbClr val="000000"/>
+                        </a:solidFill>
+                        <a:effectLst/>
+                      </a:endParaRPr>
+                    </a:p>
+                  </a:txBody>
+                  <a:tcPr marL="85715" marR="85715" marT="42858" marB="42858" anchor="ctr">
+                    <a:lnL w="9525" cap="flat" cmpd="sng" algn="ctr">
+                      <a:solidFill>
+                        <a:srgbClr val="196B24"/>
+                      </a:solidFill>
+                      <a:prstDash val="solid"/>
+                      <a:round/>
+                      <a:headEnd type="none" w="med" len="med"/>
+                      <a:tailEnd type="none" w="med" len="med"/>
+                    </a:lnL>
+                    <a:lnR w="9525" cap="flat" cmpd="sng" algn="ctr">
+                      <a:solidFill>
+                        <a:srgbClr val="196B24"/>
+                      </a:solidFill>
+                      <a:prstDash val="solid"/>
+                      <a:round/>
+                      <a:headEnd type="none" w="med" len="med"/>
+                      <a:tailEnd type="none" w="med" len="med"/>
+                    </a:lnR>
+                    <a:lnT w="9525" cap="flat" cmpd="sng" algn="ctr">
+                      <a:solidFill>
+                        <a:srgbClr val="196B24"/>
+                      </a:solidFill>
+                      <a:prstDash val="solid"/>
+                      <a:round/>
+                      <a:headEnd type="none" w="med" len="med"/>
+                      <a:tailEnd type="none" w="med" len="med"/>
+                    </a:lnT>
+                    <a:lnB w="18621" cap="flat" cmpd="sng" algn="ctr">
+                      <a:solidFill>
+                        <a:srgbClr val="196B24"/>
+                      </a:solidFill>
+                      <a:prstDash val="solid"/>
+                      <a:round/>
+                      <a:headEnd type="none" w="med" len="med"/>
+                      <a:tailEnd type="none" w="med" len="med"/>
+                    </a:lnB>
+                    <a:solidFill>
+                      <a:srgbClr val="FFFFFF"/>
+                    </a:solidFill>
+                  </a:tcPr>
+                </a:tc>
+                <a:tc>
+                  <a:txBody>
+                    <a:bodyPr/>
+                    <a:lstStyle/>
+                    <a:p>
+                      <a:pPr algn="ctr" fontAlgn="base">
+                        <a:lnSpc>
+                          <a:spcPts val="2850"/>
+                        </a:lnSpc>
+                        <a:buNone/>
+                      </a:pPr>
+                      <a:r>
+                        <a:rPr lang="en-US" sz="2200" b="1" i="0">
+                          <a:solidFill>
+                            <a:srgbClr val="000000"/>
+                          </a:solidFill>
+                          <a:effectLst/>
+                          <a:latin typeface="EB Garamond" panose="00000500000000000000" pitchFamily="2" charset="0"/>
+                        </a:rPr>
+                        <a:t>Impact​</a:t>
+                      </a:r>
+                      <a:endParaRPr lang="en-US" sz="1700" b="1" i="0">
+                        <a:solidFill>
+                          <a:srgbClr val="000000"/>
+                        </a:solidFill>
+                        <a:effectLst/>
+                      </a:endParaRPr>
+                    </a:p>
+                  </a:txBody>
+                  <a:tcPr marL="85715" marR="85715" marT="42858" marB="42858" anchor="ctr">
+                    <a:lnL w="9525" cap="flat" cmpd="sng" algn="ctr">
+                      <a:solidFill>
+                        <a:srgbClr val="196B24"/>
+                      </a:solidFill>
+                      <a:prstDash val="solid"/>
+                      <a:round/>
+                      <a:headEnd type="none" w="med" len="med"/>
+                      <a:tailEnd type="none" w="med" len="med"/>
+                    </a:lnL>
+                    <a:lnR w="9525" cap="flat" cmpd="sng" algn="ctr">
+                      <a:solidFill>
+                        <a:srgbClr val="196B24"/>
+                      </a:solidFill>
+                      <a:prstDash val="solid"/>
+                      <a:round/>
+                      <a:headEnd type="none" w="med" len="med"/>
+                      <a:tailEnd type="none" w="med" len="med"/>
+                    </a:lnR>
+                    <a:lnT w="9525" cap="flat" cmpd="sng" algn="ctr">
+                      <a:solidFill>
+                        <a:srgbClr val="196B24"/>
+                      </a:solidFill>
+                      <a:prstDash val="solid"/>
+                      <a:round/>
+                      <a:headEnd type="none" w="med" len="med"/>
+                      <a:tailEnd type="none" w="med" len="med"/>
+                    </a:lnT>
+                    <a:lnB w="18621" cap="flat" cmpd="sng" algn="ctr">
+                      <a:solidFill>
+                        <a:srgbClr val="196B24"/>
+                      </a:solidFill>
+                      <a:prstDash val="solid"/>
+                      <a:round/>
+                      <a:headEnd type="none" w="med" len="med"/>
+                      <a:tailEnd type="none" w="med" len="med"/>
+                    </a:lnB>
+                    <a:solidFill>
+                      <a:srgbClr val="FFFFFF"/>
+                    </a:solidFill>
+                  </a:tcPr>
+                </a:tc>
+                <a:tc>
+                  <a:txBody>
+                    <a:bodyPr/>
+                    <a:lstStyle/>
+                    <a:p>
+                      <a:pPr algn="ctr" fontAlgn="base">
+                        <a:lnSpc>
+                          <a:spcPts val="3825"/>
+                        </a:lnSpc>
+                        <a:buNone/>
+                      </a:pPr>
+                      <a:r>
+                        <a:rPr lang="en-US" sz="3000" b="1" i="0">
+                          <a:solidFill>
+                            <a:srgbClr val="000000"/>
+                          </a:solidFill>
+                          <a:effectLst/>
+                          <a:latin typeface="EB Garamond" panose="00000500000000000000" pitchFamily="2" charset="0"/>
+                        </a:rPr>
+                        <a:t>Mitigation ​</a:t>
+                      </a:r>
+                      <a:endParaRPr lang="en-US" sz="1700" b="1" i="0">
+                        <a:solidFill>
+                          <a:srgbClr val="000000"/>
+                        </a:solidFill>
+                        <a:effectLst/>
+                      </a:endParaRPr>
+                    </a:p>
+                  </a:txBody>
+                  <a:tcPr marL="85715" marR="85715" marT="42858" marB="42858" anchor="ctr">
+                    <a:lnL w="9525" cap="flat" cmpd="sng" algn="ctr">
+                      <a:solidFill>
+                        <a:srgbClr val="196B24"/>
+                      </a:solidFill>
+                      <a:prstDash val="solid"/>
+                      <a:round/>
+                      <a:headEnd type="none" w="med" len="med"/>
+                      <a:tailEnd type="none" w="med" len="med"/>
+                    </a:lnL>
+                    <a:lnR w="9525" cap="flat" cmpd="sng" algn="ctr">
+                      <a:solidFill>
+                        <a:srgbClr val="196B24"/>
+                      </a:solidFill>
+                      <a:prstDash val="solid"/>
+                      <a:round/>
+                      <a:headEnd type="none" w="med" len="med"/>
+                      <a:tailEnd type="none" w="med" len="med"/>
+                    </a:lnR>
+                    <a:lnT w="9525" cap="flat" cmpd="sng" algn="ctr">
+                      <a:solidFill>
+                        <a:srgbClr val="196B24"/>
+                      </a:solidFill>
+                      <a:prstDash val="solid"/>
+                      <a:round/>
+                      <a:headEnd type="none" w="med" len="med"/>
+                      <a:tailEnd type="none" w="med" len="med"/>
+                    </a:lnT>
+                    <a:lnB w="18621" cap="flat" cmpd="sng" algn="ctr">
+                      <a:solidFill>
+                        <a:srgbClr val="196B24"/>
+                      </a:solidFill>
+                      <a:prstDash val="solid"/>
+                      <a:round/>
+                      <a:headEnd type="none" w="med" len="med"/>
+                      <a:tailEnd type="none" w="med" len="med"/>
+                    </a:lnB>
+                    <a:solidFill>
+                      <a:srgbClr val="FFFFFF"/>
+                    </a:solidFill>
+                  </a:tcPr>
+                </a:tc>
+                <a:extLst>
+                  <a:ext uri="{0D108BD9-81ED-4DB2-BD59-A6C34878D82A}">
+                    <a16:rowId xmlns:a16="http://schemas.microsoft.com/office/drawing/2014/main" val="1792585296"/>
+                  </a:ext>
+                </a:extLst>
+              </a:tr>
+              <a:tr h="1573534">
+                <a:tc>
+                  <a:txBody>
+                    <a:bodyPr/>
+                    <a:lstStyle/>
+                    <a:p>
+                      <a:pPr algn="l" fontAlgn="base">
+                        <a:lnSpc>
+                          <a:spcPts val="3225"/>
+                        </a:lnSpc>
+                        <a:buNone/>
+                      </a:pPr>
+                      <a:r>
+                        <a:rPr lang="en-US" sz="1700" b="0" i="0" dirty="0">
+                          <a:solidFill>
+                            <a:srgbClr val="000000"/>
+                          </a:solidFill>
+                          <a:effectLst/>
+                          <a:latin typeface="EB Garamond" panose="00000500000000000000" pitchFamily="2" charset="0"/>
+                        </a:rPr>
+                        <a:t>Scheduling Conflicts (Person)​</a:t>
+                      </a:r>
+                      <a:endParaRPr lang="en-US" sz="1700" b="0" i="0" dirty="0">
+                        <a:solidFill>
+                          <a:srgbClr val="000000"/>
+                        </a:solidFill>
+                        <a:effectLst/>
+                      </a:endParaRPr>
+                    </a:p>
+                  </a:txBody>
+                  <a:tcPr marL="85715" marR="85715" marT="42858" marB="42858">
+                    <a:lnL w="9525" cap="flat" cmpd="sng" algn="ctr">
+                      <a:solidFill>
+                        <a:srgbClr val="196B24"/>
+                      </a:solidFill>
+                      <a:prstDash val="solid"/>
+                      <a:round/>
+                      <a:headEnd type="none" w="med" len="med"/>
+                      <a:tailEnd type="none" w="med" len="med"/>
+                    </a:lnL>
+                    <a:lnR w="9525" cap="flat" cmpd="sng" algn="ctr">
+                      <a:solidFill>
+                        <a:srgbClr val="196B24"/>
+                      </a:solidFill>
+                      <a:prstDash val="solid"/>
+                      <a:round/>
+                      <a:headEnd type="none" w="med" len="med"/>
+                      <a:tailEnd type="none" w="med" len="med"/>
+                    </a:lnR>
+                    <a:lnT w="18621" cap="flat" cmpd="sng" algn="ctr">
+                      <a:solidFill>
+                        <a:srgbClr val="196B24"/>
+                      </a:solidFill>
+                      <a:prstDash val="solid"/>
+                      <a:round/>
+                      <a:headEnd type="none" w="med" len="med"/>
+                      <a:tailEnd type="none" w="med" len="med"/>
+                    </a:lnT>
+                    <a:lnB w="9525" cap="flat" cmpd="sng" algn="ctr">
+                      <a:solidFill>
+                        <a:srgbClr val="196B24"/>
+                      </a:solidFill>
+                      <a:prstDash val="solid"/>
+                      <a:round/>
+                      <a:headEnd type="none" w="med" len="med"/>
+                      <a:tailEnd type="none" w="med" len="med"/>
+                    </a:lnB>
+                    <a:noFill/>
+                  </a:tcPr>
+                </a:tc>
+                <a:tc>
+                  <a:txBody>
+                    <a:bodyPr/>
+                    <a:lstStyle/>
+                    <a:p>
+                      <a:pPr algn="l" fontAlgn="base">
+                        <a:lnSpc>
+                          <a:spcPts val="3225"/>
+                        </a:lnSpc>
+                        <a:buNone/>
+                      </a:pPr>
+                      <a:r>
+                        <a:rPr lang="en-US" sz="1700" b="0" i="0">
+                          <a:solidFill>
+                            <a:srgbClr val="000000"/>
+                          </a:solidFill>
+                          <a:effectLst/>
+                          <a:latin typeface="EB Garamond" panose="00000500000000000000" pitchFamily="2" charset="0"/>
+                        </a:rPr>
+                        <a:t>High​</a:t>
+                      </a:r>
+                      <a:endParaRPr lang="en-US" sz="1700" b="0" i="0">
+                        <a:solidFill>
+                          <a:srgbClr val="000000"/>
+                        </a:solidFill>
+                        <a:effectLst/>
+                      </a:endParaRPr>
+                    </a:p>
+                  </a:txBody>
+                  <a:tcPr marL="85715" marR="85715" marT="42858" marB="42858">
+                    <a:lnL w="9525" cap="flat" cmpd="sng" algn="ctr">
+                      <a:solidFill>
+                        <a:srgbClr val="196B24"/>
+                      </a:solidFill>
+                      <a:prstDash val="solid"/>
+                      <a:round/>
+                      <a:headEnd type="none" w="med" len="med"/>
+                      <a:tailEnd type="none" w="med" len="med"/>
+                    </a:lnL>
+                    <a:lnR w="9525" cap="flat" cmpd="sng" algn="ctr">
+                      <a:solidFill>
+                        <a:srgbClr val="196B24"/>
+                      </a:solidFill>
+                      <a:prstDash val="solid"/>
+                      <a:round/>
+                      <a:headEnd type="none" w="med" len="med"/>
+                      <a:tailEnd type="none" w="med" len="med"/>
+                    </a:lnR>
+                    <a:lnT w="18621" cap="flat" cmpd="sng" algn="ctr">
+                      <a:solidFill>
+                        <a:srgbClr val="196B24"/>
+                      </a:solidFill>
+                      <a:prstDash val="solid"/>
+                      <a:round/>
+                      <a:headEnd type="none" w="med" len="med"/>
+                      <a:tailEnd type="none" w="med" len="med"/>
+                    </a:lnT>
+                    <a:lnB w="9525" cap="flat" cmpd="sng" algn="ctr">
+                      <a:solidFill>
+                        <a:srgbClr val="196B24"/>
+                      </a:solidFill>
+                      <a:prstDash val="solid"/>
+                      <a:round/>
+                      <a:headEnd type="none" w="med" len="med"/>
+                      <a:tailEnd type="none" w="med" len="med"/>
+                    </a:lnB>
+                    <a:noFill/>
+                  </a:tcPr>
+                </a:tc>
+                <a:tc>
+                  <a:txBody>
+                    <a:bodyPr/>
+                    <a:lstStyle/>
+                    <a:p>
+                      <a:pPr algn="l" fontAlgn="base">
+                        <a:lnSpc>
+                          <a:spcPts val="3225"/>
+                        </a:lnSpc>
+                        <a:buNone/>
+                      </a:pPr>
+                      <a:r>
+                        <a:rPr lang="en-US" sz="1700" b="0" i="0">
+                          <a:solidFill>
+                            <a:srgbClr val="000000"/>
+                          </a:solidFill>
+                          <a:effectLst/>
+                          <a:latin typeface="EB Garamond" panose="00000500000000000000" pitchFamily="2" charset="0"/>
+                        </a:rPr>
+                        <a:t>Medium-Low​</a:t>
+                      </a:r>
+                      <a:endParaRPr lang="en-US" sz="1700" b="0" i="0">
+                        <a:solidFill>
+                          <a:srgbClr val="000000"/>
+                        </a:solidFill>
+                        <a:effectLst/>
+                      </a:endParaRPr>
+                    </a:p>
+                  </a:txBody>
+                  <a:tcPr marL="85715" marR="85715" marT="42858" marB="42858">
+                    <a:lnL w="9525" cap="flat" cmpd="sng" algn="ctr">
+                      <a:solidFill>
+                        <a:srgbClr val="196B24"/>
+                      </a:solidFill>
+                      <a:prstDash val="solid"/>
+                      <a:round/>
+                      <a:headEnd type="none" w="med" len="med"/>
+                      <a:tailEnd type="none" w="med" len="med"/>
+                    </a:lnL>
+                    <a:lnR w="9525" cap="flat" cmpd="sng" algn="ctr">
+                      <a:solidFill>
+                        <a:srgbClr val="196B24"/>
+                      </a:solidFill>
+                      <a:prstDash val="solid"/>
+                      <a:round/>
+                      <a:headEnd type="none" w="med" len="med"/>
+                      <a:tailEnd type="none" w="med" len="med"/>
+                    </a:lnR>
+                    <a:lnT w="18621" cap="flat" cmpd="sng" algn="ctr">
+                      <a:solidFill>
+                        <a:srgbClr val="196B24"/>
+                      </a:solidFill>
+                      <a:prstDash val="solid"/>
+                      <a:round/>
+                      <a:headEnd type="none" w="med" len="med"/>
+                      <a:tailEnd type="none" w="med" len="med"/>
+                    </a:lnT>
+                    <a:lnB w="9525" cap="flat" cmpd="sng" algn="ctr">
+                      <a:solidFill>
+                        <a:srgbClr val="196B24"/>
+                      </a:solidFill>
+                      <a:prstDash val="solid"/>
+                      <a:round/>
+                      <a:headEnd type="none" w="med" len="med"/>
+                      <a:tailEnd type="none" w="med" len="med"/>
+                    </a:lnB>
+                    <a:noFill/>
+                  </a:tcPr>
+                </a:tc>
+                <a:tc>
+                  <a:txBody>
+                    <a:bodyPr/>
+                    <a:lstStyle/>
+                    <a:p>
+                      <a:pPr algn="l" fontAlgn="base">
+                        <a:lnSpc>
+                          <a:spcPts val="3225"/>
+                        </a:lnSpc>
+                        <a:buNone/>
+                      </a:pPr>
+                      <a:r>
+                        <a:rPr lang="en-US" sz="1700" b="0" i="0">
+                          <a:solidFill>
+                            <a:srgbClr val="000000"/>
+                          </a:solidFill>
+                          <a:effectLst/>
+                          <a:latin typeface="EB Garamond" panose="00000500000000000000" pitchFamily="2" charset="0"/>
+                        </a:rPr>
+                        <a:t>Ensuring open communication. When we cannot meet in person, making sure that we’re using alternative communication (Discord, text, etc.).​</a:t>
+                      </a:r>
+                      <a:endParaRPr lang="en-US" sz="1700" b="0" i="0">
+                        <a:solidFill>
+                          <a:srgbClr val="000000"/>
+                        </a:solidFill>
+                        <a:effectLst/>
+                      </a:endParaRPr>
+                    </a:p>
+                  </a:txBody>
+                  <a:tcPr marL="85715" marR="85715" marT="42858" marB="42858">
+                    <a:lnL w="9525" cap="flat" cmpd="sng" algn="ctr">
+                      <a:solidFill>
+                        <a:srgbClr val="196B24"/>
+                      </a:solidFill>
+                      <a:prstDash val="solid"/>
+                      <a:round/>
+                      <a:headEnd type="none" w="med" len="med"/>
+                      <a:tailEnd type="none" w="med" len="med"/>
+                    </a:lnL>
+                    <a:lnR w="9525" cap="flat" cmpd="sng" algn="ctr">
+                      <a:solidFill>
+                        <a:srgbClr val="196B24"/>
+                      </a:solidFill>
+                      <a:prstDash val="solid"/>
+                      <a:round/>
+                      <a:headEnd type="none" w="med" len="med"/>
+                      <a:tailEnd type="none" w="med" len="med"/>
+                    </a:lnR>
+                    <a:lnT w="18621" cap="flat" cmpd="sng" algn="ctr">
+                      <a:solidFill>
+                        <a:srgbClr val="196B24"/>
+                      </a:solidFill>
+                      <a:prstDash val="solid"/>
+                      <a:round/>
+                      <a:headEnd type="none" w="med" len="med"/>
+                      <a:tailEnd type="none" w="med" len="med"/>
+                    </a:lnT>
+                    <a:lnB w="9525" cap="flat" cmpd="sng" algn="ctr">
+                      <a:solidFill>
+                        <a:srgbClr val="196B24"/>
+                      </a:solidFill>
+                      <a:prstDash val="solid"/>
+                      <a:round/>
+                      <a:headEnd type="none" w="med" len="med"/>
+                      <a:tailEnd type="none" w="med" len="med"/>
+                    </a:lnB>
+                    <a:noFill/>
+                  </a:tcPr>
+                </a:tc>
+                <a:extLst>
+                  <a:ext uri="{0D108BD9-81ED-4DB2-BD59-A6C34878D82A}">
+                    <a16:rowId xmlns:a16="http://schemas.microsoft.com/office/drawing/2014/main" val="347225942"/>
+                  </a:ext>
+                </a:extLst>
+              </a:tr>
+              <a:tr h="1192576">
+                <a:tc>
+                  <a:txBody>
+                    <a:bodyPr/>
+                    <a:lstStyle/>
+                    <a:p>
+                      <a:pPr algn="l" fontAlgn="base">
+                        <a:lnSpc>
+                          <a:spcPts val="3225"/>
+                        </a:lnSpc>
+                        <a:buNone/>
+                      </a:pPr>
+                      <a:r>
+                        <a:rPr lang="en-US" sz="1700" b="0" i="0" dirty="0">
+                          <a:solidFill>
+                            <a:srgbClr val="000000"/>
+                          </a:solidFill>
+                          <a:effectLst/>
+                          <a:latin typeface="EB Garamond" panose="00000500000000000000" pitchFamily="2" charset="0"/>
+                        </a:rPr>
+                        <a:t>Scope Creep (Project)​</a:t>
+                      </a:r>
+                      <a:endParaRPr lang="en-US" sz="1700" b="0" i="0" dirty="0">
+                        <a:solidFill>
+                          <a:srgbClr val="000000"/>
+                        </a:solidFill>
+                        <a:effectLst/>
+                      </a:endParaRPr>
+                    </a:p>
+                  </a:txBody>
+                  <a:tcPr marL="85715" marR="85715" marT="42858" marB="42858">
+                    <a:lnL w="9525" cap="flat" cmpd="sng" algn="ctr">
+                      <a:solidFill>
+                        <a:srgbClr val="196B24"/>
+                      </a:solidFill>
+                      <a:prstDash val="solid"/>
+                      <a:round/>
+                      <a:headEnd type="none" w="med" len="med"/>
+                      <a:tailEnd type="none" w="med" len="med"/>
+                    </a:lnL>
+                    <a:lnR w="9525" cap="flat" cmpd="sng" algn="ctr">
+                      <a:solidFill>
+                        <a:srgbClr val="196B24"/>
+                      </a:solidFill>
+                      <a:prstDash val="solid"/>
+                      <a:round/>
+                      <a:headEnd type="none" w="med" len="med"/>
+                      <a:tailEnd type="none" w="med" len="med"/>
+                    </a:lnR>
+                    <a:lnT w="9525" cap="flat" cmpd="sng" algn="ctr">
+                      <a:solidFill>
+                        <a:srgbClr val="196B24"/>
+                      </a:solidFill>
+                      <a:prstDash val="solid"/>
+                      <a:round/>
+                      <a:headEnd type="none" w="med" len="med"/>
+                      <a:tailEnd type="none" w="med" len="med"/>
+                    </a:lnT>
+                    <a:lnB w="9525" cap="flat" cmpd="sng" algn="ctr">
+                      <a:solidFill>
+                        <a:srgbClr val="196B24"/>
+                      </a:solidFill>
+                      <a:prstDash val="solid"/>
+                      <a:round/>
+                      <a:headEnd type="none" w="med" len="med"/>
+                      <a:tailEnd type="none" w="med" len="med"/>
+                    </a:lnB>
+                    <a:noFill/>
+                  </a:tcPr>
+                </a:tc>
+                <a:tc>
+                  <a:txBody>
+                    <a:bodyPr/>
+                    <a:lstStyle/>
+                    <a:p>
+                      <a:pPr algn="l" fontAlgn="base">
+                        <a:lnSpc>
+                          <a:spcPts val="3225"/>
+                        </a:lnSpc>
+                        <a:buNone/>
+                      </a:pPr>
+                      <a:r>
+                        <a:rPr lang="en-US" sz="1700" b="0" i="0" dirty="0">
+                          <a:solidFill>
+                            <a:srgbClr val="000000"/>
+                          </a:solidFill>
+                          <a:effectLst/>
+                          <a:latin typeface="EB Garamond" panose="00000500000000000000" pitchFamily="2" charset="0"/>
+                        </a:rPr>
+                        <a:t>Medium​</a:t>
+                      </a:r>
+                      <a:endParaRPr lang="en-US" sz="1700" b="0" i="0" dirty="0">
+                        <a:solidFill>
+                          <a:srgbClr val="000000"/>
+                        </a:solidFill>
+                        <a:effectLst/>
+                      </a:endParaRPr>
+                    </a:p>
+                  </a:txBody>
+                  <a:tcPr marL="85715" marR="85715" marT="42858" marB="42858">
+                    <a:lnL w="9525" cap="flat" cmpd="sng" algn="ctr">
+                      <a:solidFill>
+                        <a:srgbClr val="196B24"/>
+                      </a:solidFill>
+                      <a:prstDash val="solid"/>
+                      <a:round/>
+                      <a:headEnd type="none" w="med" len="med"/>
+                      <a:tailEnd type="none" w="med" len="med"/>
+                    </a:lnL>
+                    <a:lnR w="9525" cap="flat" cmpd="sng" algn="ctr">
+                      <a:solidFill>
+                        <a:srgbClr val="196B24"/>
+                      </a:solidFill>
+                      <a:prstDash val="solid"/>
+                      <a:round/>
+                      <a:headEnd type="none" w="med" len="med"/>
+                      <a:tailEnd type="none" w="med" len="med"/>
+                    </a:lnR>
+                    <a:lnT w="9525" cap="flat" cmpd="sng" algn="ctr">
+                      <a:solidFill>
+                        <a:srgbClr val="196B24"/>
+                      </a:solidFill>
+                      <a:prstDash val="solid"/>
+                      <a:round/>
+                      <a:headEnd type="none" w="med" len="med"/>
+                      <a:tailEnd type="none" w="med" len="med"/>
+                    </a:lnT>
+                    <a:lnB w="9525" cap="flat" cmpd="sng" algn="ctr">
+                      <a:solidFill>
+                        <a:srgbClr val="196B24"/>
+                      </a:solidFill>
+                      <a:prstDash val="solid"/>
+                      <a:round/>
+                      <a:headEnd type="none" w="med" len="med"/>
+                      <a:tailEnd type="none" w="med" len="med"/>
+                    </a:lnB>
+                    <a:noFill/>
+                  </a:tcPr>
+                </a:tc>
+                <a:tc>
+                  <a:txBody>
+                    <a:bodyPr/>
+                    <a:lstStyle/>
+                    <a:p>
+                      <a:pPr algn="l" fontAlgn="base">
+                        <a:lnSpc>
+                          <a:spcPts val="3225"/>
+                        </a:lnSpc>
+                        <a:buNone/>
+                      </a:pPr>
+                      <a:r>
+                        <a:rPr lang="en-US" sz="1700" b="0" i="0" dirty="0">
+                          <a:solidFill>
+                            <a:srgbClr val="000000"/>
+                          </a:solidFill>
+                          <a:effectLst/>
+                          <a:latin typeface="EB Garamond" panose="00000500000000000000" pitchFamily="2" charset="0"/>
+                        </a:rPr>
+                        <a:t>High​</a:t>
+                      </a:r>
+                      <a:endParaRPr lang="en-US" sz="1700" b="0" i="0" dirty="0">
+                        <a:solidFill>
+                          <a:srgbClr val="000000"/>
+                        </a:solidFill>
+                        <a:effectLst/>
+                      </a:endParaRPr>
+                    </a:p>
+                  </a:txBody>
+                  <a:tcPr marL="85715" marR="85715" marT="42858" marB="42858">
+                    <a:lnL w="9525" cap="flat" cmpd="sng" algn="ctr">
+                      <a:solidFill>
+                        <a:srgbClr val="196B24"/>
+                      </a:solidFill>
+                      <a:prstDash val="solid"/>
+                      <a:round/>
+                      <a:headEnd type="none" w="med" len="med"/>
+                      <a:tailEnd type="none" w="med" len="med"/>
+                    </a:lnL>
+                    <a:lnR w="9525" cap="flat" cmpd="sng" algn="ctr">
+                      <a:solidFill>
+                        <a:srgbClr val="196B24"/>
+                      </a:solidFill>
+                      <a:prstDash val="solid"/>
+                      <a:round/>
+                      <a:headEnd type="none" w="med" len="med"/>
+                      <a:tailEnd type="none" w="med" len="med"/>
+                    </a:lnR>
+                    <a:lnT w="9525" cap="flat" cmpd="sng" algn="ctr">
+                      <a:solidFill>
+                        <a:srgbClr val="196B24"/>
+                      </a:solidFill>
+                      <a:prstDash val="solid"/>
+                      <a:round/>
+                      <a:headEnd type="none" w="med" len="med"/>
+                      <a:tailEnd type="none" w="med" len="med"/>
+                    </a:lnT>
+                    <a:lnB w="9525" cap="flat" cmpd="sng" algn="ctr">
+                      <a:solidFill>
+                        <a:srgbClr val="196B24"/>
+                      </a:solidFill>
+                      <a:prstDash val="solid"/>
+                      <a:round/>
+                      <a:headEnd type="none" w="med" len="med"/>
+                      <a:tailEnd type="none" w="med" len="med"/>
+                    </a:lnB>
+                    <a:noFill/>
+                  </a:tcPr>
+                </a:tc>
+                <a:tc>
+                  <a:txBody>
+                    <a:bodyPr/>
+                    <a:lstStyle/>
+                    <a:p>
+                      <a:pPr algn="l" fontAlgn="base">
+                        <a:lnSpc>
+                          <a:spcPts val="3225"/>
+                        </a:lnSpc>
+                        <a:buNone/>
+                      </a:pPr>
+                      <a:r>
+                        <a:rPr lang="en-US" sz="1700" b="0" i="0" dirty="0">
+                          <a:solidFill>
+                            <a:srgbClr val="000000"/>
+                          </a:solidFill>
+                          <a:effectLst/>
+                          <a:latin typeface="EB Garamond" panose="00000500000000000000" pitchFamily="2" charset="0"/>
+                        </a:rPr>
+                        <a:t>Stay true to the Requirements Spreadsheet and don’t work outside of necessary constraints before there is available time.​</a:t>
+                      </a:r>
+                      <a:endParaRPr lang="en-US" sz="1700" b="0" i="0" dirty="0">
+                        <a:solidFill>
+                          <a:srgbClr val="000000"/>
+                        </a:solidFill>
+                        <a:effectLst/>
+                      </a:endParaRPr>
+                    </a:p>
+                  </a:txBody>
+                  <a:tcPr marL="85715" marR="85715" marT="42858" marB="42858">
+                    <a:lnL w="9525" cap="flat" cmpd="sng" algn="ctr">
+                      <a:solidFill>
+                        <a:srgbClr val="196B24"/>
+                      </a:solidFill>
+                      <a:prstDash val="solid"/>
+                      <a:round/>
+                      <a:headEnd type="none" w="med" len="med"/>
+                      <a:tailEnd type="none" w="med" len="med"/>
+                    </a:lnL>
+                    <a:lnR w="9525" cap="flat" cmpd="sng" algn="ctr">
+                      <a:solidFill>
+                        <a:srgbClr val="196B24"/>
+                      </a:solidFill>
+                      <a:prstDash val="solid"/>
+                      <a:round/>
+                      <a:headEnd type="none" w="med" len="med"/>
+                      <a:tailEnd type="none" w="med" len="med"/>
+                    </a:lnR>
+                    <a:lnT w="9525" cap="flat" cmpd="sng" algn="ctr">
+                      <a:solidFill>
+                        <a:srgbClr val="196B24"/>
+                      </a:solidFill>
+                      <a:prstDash val="solid"/>
+                      <a:round/>
+                      <a:headEnd type="none" w="med" len="med"/>
+                      <a:tailEnd type="none" w="med" len="med"/>
+                    </a:lnT>
+                    <a:lnB w="9525" cap="flat" cmpd="sng" algn="ctr">
+                      <a:solidFill>
+                        <a:srgbClr val="196B24"/>
+                      </a:solidFill>
+                      <a:prstDash val="solid"/>
+                      <a:round/>
+                      <a:headEnd type="none" w="med" len="med"/>
+                      <a:tailEnd type="none" w="med" len="med"/>
+                    </a:lnB>
+                    <a:noFill/>
+                  </a:tcPr>
+                </a:tc>
+                <a:extLst>
+                  <a:ext uri="{0D108BD9-81ED-4DB2-BD59-A6C34878D82A}">
+                    <a16:rowId xmlns:a16="http://schemas.microsoft.com/office/drawing/2014/main" val="2418089402"/>
+                  </a:ext>
+                </a:extLst>
+              </a:tr>
+              <a:tr h="1192576">
+                <a:tc>
+                  <a:txBody>
+                    <a:bodyPr/>
+                    <a:lstStyle/>
+                    <a:p>
+                      <a:pPr algn="l" fontAlgn="base">
+                        <a:lnSpc>
+                          <a:spcPts val="3225"/>
+                        </a:lnSpc>
+                        <a:buNone/>
+                      </a:pPr>
+                      <a:r>
+                        <a:rPr lang="en-US" sz="1700" b="0" i="0" dirty="0">
+                          <a:solidFill>
+                            <a:srgbClr val="000000"/>
+                          </a:solidFill>
+                          <a:effectLst/>
+                          <a:latin typeface="EB Garamond" panose="00000500000000000000" pitchFamily="2" charset="0"/>
+                        </a:rPr>
+                        <a:t>Programmer is unable to finish requirements by the corresponding due dates (Person)​</a:t>
+                      </a:r>
+                      <a:endParaRPr lang="en-US" sz="1700" b="0" i="0" dirty="0">
+                        <a:solidFill>
+                          <a:srgbClr val="000000"/>
+                        </a:solidFill>
+                        <a:effectLst/>
+                      </a:endParaRPr>
+                    </a:p>
+                  </a:txBody>
+                  <a:tcPr marL="85715" marR="85715" marT="42858" marB="42858">
+                    <a:lnL w="9525" cap="flat" cmpd="sng" algn="ctr">
+                      <a:solidFill>
+                        <a:srgbClr val="196B24"/>
+                      </a:solidFill>
+                      <a:prstDash val="solid"/>
+                      <a:round/>
+                      <a:headEnd type="none" w="med" len="med"/>
+                      <a:tailEnd type="none" w="med" len="med"/>
+                    </a:lnL>
+                    <a:lnR w="9525" cap="flat" cmpd="sng" algn="ctr">
+                      <a:solidFill>
+                        <a:srgbClr val="196B24"/>
+                      </a:solidFill>
+                      <a:prstDash val="solid"/>
+                      <a:round/>
+                      <a:headEnd type="none" w="med" len="med"/>
+                      <a:tailEnd type="none" w="med" len="med"/>
+                    </a:lnR>
+                    <a:lnT w="9525" cap="flat" cmpd="sng" algn="ctr">
+                      <a:solidFill>
+                        <a:srgbClr val="196B24"/>
+                      </a:solidFill>
+                      <a:prstDash val="solid"/>
+                      <a:round/>
+                      <a:headEnd type="none" w="med" len="med"/>
+                      <a:tailEnd type="none" w="med" len="med"/>
+                    </a:lnT>
+                    <a:lnB w="9525" cap="flat" cmpd="sng" algn="ctr">
+                      <a:solidFill>
+                        <a:srgbClr val="196B24"/>
+                      </a:solidFill>
+                      <a:prstDash val="solid"/>
+                      <a:round/>
+                      <a:headEnd type="none" w="med" len="med"/>
+                      <a:tailEnd type="none" w="med" len="med"/>
+                    </a:lnB>
+                    <a:noFill/>
+                  </a:tcPr>
+                </a:tc>
+                <a:tc>
+                  <a:txBody>
+                    <a:bodyPr/>
+                    <a:lstStyle/>
+                    <a:p>
+                      <a:pPr algn="l" fontAlgn="base">
+                        <a:lnSpc>
+                          <a:spcPts val="3225"/>
+                        </a:lnSpc>
+                        <a:buNone/>
+                      </a:pPr>
+                      <a:r>
+                        <a:rPr lang="en-US" sz="1700" b="0" i="0">
+                          <a:solidFill>
+                            <a:srgbClr val="000000"/>
+                          </a:solidFill>
+                          <a:effectLst/>
+                          <a:latin typeface="EB Garamond" panose="00000500000000000000" pitchFamily="2" charset="0"/>
+                        </a:rPr>
+                        <a:t>Medium​</a:t>
+                      </a:r>
+                      <a:endParaRPr lang="en-US" sz="1700" b="0" i="0">
+                        <a:solidFill>
+                          <a:srgbClr val="000000"/>
+                        </a:solidFill>
+                        <a:effectLst/>
+                      </a:endParaRPr>
+                    </a:p>
+                  </a:txBody>
+                  <a:tcPr marL="85715" marR="85715" marT="42858" marB="42858">
+                    <a:lnL w="9525" cap="flat" cmpd="sng" algn="ctr">
+                      <a:solidFill>
+                        <a:srgbClr val="196B24"/>
+                      </a:solidFill>
+                      <a:prstDash val="solid"/>
+                      <a:round/>
+                      <a:headEnd type="none" w="med" len="med"/>
+                      <a:tailEnd type="none" w="med" len="med"/>
+                    </a:lnL>
+                    <a:lnR w="9525" cap="flat" cmpd="sng" algn="ctr">
+                      <a:solidFill>
+                        <a:srgbClr val="196B24"/>
+                      </a:solidFill>
+                      <a:prstDash val="solid"/>
+                      <a:round/>
+                      <a:headEnd type="none" w="med" len="med"/>
+                      <a:tailEnd type="none" w="med" len="med"/>
+                    </a:lnR>
+                    <a:lnT w="9525" cap="flat" cmpd="sng" algn="ctr">
+                      <a:solidFill>
+                        <a:srgbClr val="196B24"/>
+                      </a:solidFill>
+                      <a:prstDash val="solid"/>
+                      <a:round/>
+                      <a:headEnd type="none" w="med" len="med"/>
+                      <a:tailEnd type="none" w="med" len="med"/>
+                    </a:lnT>
+                    <a:lnB w="9525" cap="flat" cmpd="sng" algn="ctr">
+                      <a:solidFill>
+                        <a:srgbClr val="196B24"/>
+                      </a:solidFill>
+                      <a:prstDash val="solid"/>
+                      <a:round/>
+                      <a:headEnd type="none" w="med" len="med"/>
+                      <a:tailEnd type="none" w="med" len="med"/>
+                    </a:lnB>
+                    <a:noFill/>
+                  </a:tcPr>
+                </a:tc>
+                <a:tc>
+                  <a:txBody>
+                    <a:bodyPr/>
+                    <a:lstStyle/>
+                    <a:p>
+                      <a:pPr algn="l" fontAlgn="base">
+                        <a:lnSpc>
+                          <a:spcPts val="3225"/>
+                        </a:lnSpc>
+                        <a:buNone/>
+                      </a:pPr>
+                      <a:r>
+                        <a:rPr lang="en-US" sz="1700" b="0" i="0" dirty="0">
+                          <a:solidFill>
+                            <a:srgbClr val="000000"/>
+                          </a:solidFill>
+                          <a:effectLst/>
+                          <a:latin typeface="EB Garamond" panose="00000500000000000000" pitchFamily="2" charset="0"/>
+                        </a:rPr>
+                        <a:t>Medium​</a:t>
+                      </a:r>
+                      <a:endParaRPr lang="en-US" sz="1700" b="0" i="0" dirty="0">
+                        <a:solidFill>
+                          <a:srgbClr val="000000"/>
+                        </a:solidFill>
+                        <a:effectLst/>
+                      </a:endParaRPr>
+                    </a:p>
+                  </a:txBody>
+                  <a:tcPr marL="85715" marR="85715" marT="42858" marB="42858">
+                    <a:lnL w="9525" cap="flat" cmpd="sng" algn="ctr">
+                      <a:solidFill>
+                        <a:srgbClr val="196B24"/>
+                      </a:solidFill>
+                      <a:prstDash val="solid"/>
+                      <a:round/>
+                      <a:headEnd type="none" w="med" len="med"/>
+                      <a:tailEnd type="none" w="med" len="med"/>
+                    </a:lnL>
+                    <a:lnR w="9525" cap="flat" cmpd="sng" algn="ctr">
+                      <a:solidFill>
+                        <a:srgbClr val="196B24"/>
+                      </a:solidFill>
+                      <a:prstDash val="solid"/>
+                      <a:round/>
+                      <a:headEnd type="none" w="med" len="med"/>
+                      <a:tailEnd type="none" w="med" len="med"/>
+                    </a:lnR>
+                    <a:lnT w="9525" cap="flat" cmpd="sng" algn="ctr">
+                      <a:solidFill>
+                        <a:srgbClr val="196B24"/>
+                      </a:solidFill>
+                      <a:prstDash val="solid"/>
+                      <a:round/>
+                      <a:headEnd type="none" w="med" len="med"/>
+                      <a:tailEnd type="none" w="med" len="med"/>
+                    </a:lnT>
+                    <a:lnB w="9525" cap="flat" cmpd="sng" algn="ctr">
+                      <a:solidFill>
+                        <a:srgbClr val="196B24"/>
+                      </a:solidFill>
+                      <a:prstDash val="solid"/>
+                      <a:round/>
+                      <a:headEnd type="none" w="med" len="med"/>
+                      <a:tailEnd type="none" w="med" len="med"/>
+                    </a:lnB>
+                    <a:noFill/>
+                  </a:tcPr>
+                </a:tc>
+                <a:tc>
+                  <a:txBody>
+                    <a:bodyPr/>
+                    <a:lstStyle/>
+                    <a:p>
+                      <a:pPr algn="l" fontAlgn="base">
+                        <a:lnSpc>
+                          <a:spcPts val="3225"/>
+                        </a:lnSpc>
+                        <a:buNone/>
+                      </a:pPr>
+                      <a:r>
+                        <a:rPr lang="en-US" sz="1700" b="0" i="0" dirty="0">
+                          <a:solidFill>
+                            <a:srgbClr val="000000"/>
+                          </a:solidFill>
+                          <a:effectLst/>
+                          <a:latin typeface="EB Garamond" panose="00000500000000000000" pitchFamily="2" charset="0"/>
+                        </a:rPr>
+                        <a:t>Other programmers can come in to assist in the completion of the requirements to keep the schedule intact.​</a:t>
+                      </a:r>
+                      <a:endParaRPr lang="en-US" sz="1700" b="0" i="0" dirty="0">
+                        <a:solidFill>
+                          <a:srgbClr val="000000"/>
+                        </a:solidFill>
+                        <a:effectLst/>
+                      </a:endParaRPr>
+                    </a:p>
+                  </a:txBody>
+                  <a:tcPr marL="85715" marR="85715" marT="42858" marB="42858">
+                    <a:lnL w="9525" cap="flat" cmpd="sng" algn="ctr">
+                      <a:solidFill>
+                        <a:srgbClr val="196B24"/>
+                      </a:solidFill>
+                      <a:prstDash val="solid"/>
+                      <a:round/>
+                      <a:headEnd type="none" w="med" len="med"/>
+                      <a:tailEnd type="none" w="med" len="med"/>
+                    </a:lnL>
+                    <a:lnR w="9525" cap="flat" cmpd="sng" algn="ctr">
+                      <a:solidFill>
+                        <a:srgbClr val="196B24"/>
+                      </a:solidFill>
+                      <a:prstDash val="solid"/>
+                      <a:round/>
+                      <a:headEnd type="none" w="med" len="med"/>
+                      <a:tailEnd type="none" w="med" len="med"/>
+                    </a:lnR>
+                    <a:lnT w="9525" cap="flat" cmpd="sng" algn="ctr">
+                      <a:solidFill>
+                        <a:srgbClr val="196B24"/>
+                      </a:solidFill>
+                      <a:prstDash val="solid"/>
+                      <a:round/>
+                      <a:headEnd type="none" w="med" len="med"/>
+                      <a:tailEnd type="none" w="med" len="med"/>
+                    </a:lnT>
+                    <a:lnB w="9525" cap="flat" cmpd="sng" algn="ctr">
+                      <a:solidFill>
+                        <a:srgbClr val="196B24"/>
+                      </a:solidFill>
+                      <a:prstDash val="solid"/>
+                      <a:round/>
+                      <a:headEnd type="none" w="med" len="med"/>
+                      <a:tailEnd type="none" w="med" len="med"/>
+                    </a:lnB>
+                    <a:noFill/>
+                  </a:tcPr>
+                </a:tc>
+                <a:extLst>
+                  <a:ext uri="{0D108BD9-81ED-4DB2-BD59-A6C34878D82A}">
+                    <a16:rowId xmlns:a16="http://schemas.microsoft.com/office/drawing/2014/main" val="467819210"/>
+                  </a:ext>
+                </a:extLst>
+              </a:tr>
+            </a:tbl>
+          </a:graphicData>
+        </a:graphic>
+      </p:graphicFrame>
+      <p:sp>
+        <p:nvSpPr>
+          <p:cNvPr id="4" name="Rectangle 3">
+            <a:extLst>
+              <a:ext uri="{FF2B5EF4-FFF2-40B4-BE49-F238E27FC236}">
+                <a16:creationId xmlns:a16="http://schemas.microsoft.com/office/drawing/2014/main" id="{DB85E347-F508-0F20-4554-43257C41216A}"/>
+              </a:ext>
+            </a:extLst>
+          </p:cNvPr>
+          <p:cNvSpPr/>
+          <p:nvPr/>
+        </p:nvSpPr>
+        <p:spPr>
+          <a:xfrm>
+            <a:off x="-1" y="6614809"/>
+            <a:ext cx="12192000" cy="243191"/>
+          </a:xfrm>
+          <a:prstGeom prst="rect">
+            <a:avLst/>
+          </a:prstGeom>
+          <a:solidFill>
+            <a:srgbClr val="FE5E61"/>
+          </a:solidFill>
+          <a:ln>
+            <a:noFill/>
+          </a:ln>
+        </p:spPr>
+        <p:style>
+          <a:lnRef idx="2">
+            <a:schemeClr val="accent1">
+              <a:shade val="15000"/>
+            </a:schemeClr>
+          </a:lnRef>
+          <a:fillRef idx="1">
+            <a:schemeClr val="accent1"/>
+          </a:fillRef>
+          <a:effectRef idx="0">
+            <a:schemeClr val="accent1"/>
+          </a:effectRef>
+          <a:fontRef idx="minor">
+            <a:schemeClr val="lt1"/>
+          </a:fontRef>
+        </p:style>
+        <p:txBody>
+          <a:bodyPr rtlCol="0" anchor="ctr"/>
+          <a:lstStyle/>
+          <a:p>
+            <a:pPr algn="ctr"/>
+            <a:endParaRPr lang="en-US"/>
+          </a:p>
+        </p:txBody>
+      </p:sp>
+      <p:sp>
+        <p:nvSpPr>
+          <p:cNvPr id="7" name="TextBox 6">
+            <a:extLst>
+              <a:ext uri="{FF2B5EF4-FFF2-40B4-BE49-F238E27FC236}">
+                <a16:creationId xmlns:a16="http://schemas.microsoft.com/office/drawing/2014/main" id="{354D80B7-B516-FBA2-24E9-A1F625714B66}"/>
+              </a:ext>
+            </a:extLst>
+          </p:cNvPr>
+          <p:cNvSpPr txBox="1"/>
+          <p:nvPr/>
+        </p:nvSpPr>
+        <p:spPr>
+          <a:xfrm>
+            <a:off x="5594098" y="6430143"/>
+            <a:ext cx="728084" cy="369332"/>
+          </a:xfrm>
+          <a:prstGeom prst="rect">
+            <a:avLst/>
+          </a:prstGeom>
+          <a:solidFill>
+            <a:schemeClr val="bg1"/>
+          </a:solidFill>
+          <a:ln>
+            <a:solidFill>
+              <a:schemeClr val="tx1"/>
+            </a:solidFill>
+          </a:ln>
+        </p:spPr>
+        <p:txBody>
+          <a:bodyPr wrap="none" rtlCol="0">
+            <a:spAutoFit/>
+          </a:bodyPr>
+          <a:lstStyle/>
+          <a:p>
+            <a:r>
+              <a:rPr lang="en-US" dirty="0">
+                <a:latin typeface="EB Garamond" panose="00000500000000000000" pitchFamily="2" charset="0"/>
+                <a:ea typeface="EB Garamond" panose="00000500000000000000" pitchFamily="2" charset="0"/>
+              </a:rPr>
+              <a:t>Name</a:t>
+            </a:r>
+          </a:p>
+        </p:txBody>
+      </p:sp>
+      <p:sp>
+        <p:nvSpPr>
+          <p:cNvPr id="5" name="TextBox 4">
+            <a:extLst>
+              <a:ext uri="{FF2B5EF4-FFF2-40B4-BE49-F238E27FC236}">
+                <a16:creationId xmlns:a16="http://schemas.microsoft.com/office/drawing/2014/main" id="{0839C3C1-008F-6A9B-D6C0-38970B976D2D}"/>
+              </a:ext>
+            </a:extLst>
+          </p:cNvPr>
+          <p:cNvSpPr txBox="1"/>
+          <p:nvPr/>
+        </p:nvSpPr>
+        <p:spPr>
+          <a:xfrm>
+            <a:off x="2031455" y="6430143"/>
+            <a:ext cx="612668" cy="369332"/>
+          </a:xfrm>
+          <a:prstGeom prst="rect">
+            <a:avLst/>
+          </a:prstGeom>
+          <a:solidFill>
+            <a:schemeClr val="bg1"/>
+          </a:solidFill>
+          <a:ln>
+            <a:solidFill>
+              <a:schemeClr val="tx1"/>
+            </a:solidFill>
+          </a:ln>
+        </p:spPr>
+        <p:txBody>
+          <a:bodyPr wrap="none" rtlCol="0">
+            <a:spAutoFit/>
+          </a:bodyPr>
+          <a:lstStyle/>
+          <a:p>
+            <a:r>
+              <a:rPr lang="en-US" dirty="0">
+                <a:latin typeface="EB Garamond" panose="00000500000000000000" pitchFamily="2" charset="0"/>
+                <a:ea typeface="EB Garamond" panose="00000500000000000000" pitchFamily="2" charset="0"/>
+              </a:rPr>
+              <a:t>Date</a:t>
+            </a:r>
+          </a:p>
+        </p:txBody>
+      </p:sp>
+      <p:sp>
+        <p:nvSpPr>
+          <p:cNvPr id="8" name="Rectangle 1">
+            <a:extLst>
+              <a:ext uri="{FF2B5EF4-FFF2-40B4-BE49-F238E27FC236}">
+                <a16:creationId xmlns:a16="http://schemas.microsoft.com/office/drawing/2014/main" id="{E21CD486-18D8-71FF-8D71-71FA6B2EC1C3}"/>
+              </a:ext>
+            </a:extLst>
+          </p:cNvPr>
+          <p:cNvSpPr>
+            <a:spLocks noChangeArrowheads="1"/>
+          </p:cNvSpPr>
+          <p:nvPr/>
+        </p:nvSpPr>
+        <p:spPr bwMode="auto">
+          <a:xfrm>
+            <a:off x="676275" y="1055688"/>
+            <a:ext cx="12192000" cy="0"/>
+          </a:xfrm>
+          <a:prstGeom prst="rect">
+            <a:avLst/>
+          </a:prstGeom>
+          <a:noFill/>
+          <a:ln>
+            <a:noFill/>
+          </a:ln>
+          <a:effectLst/>
+          <a:extLst>
+            <a:ext uri="{909E8E84-426E-40DD-AFC4-6F175D3DCCD1}">
+              <a14:hiddenFill xmlns:a14="http://schemas.microsoft.com/office/drawing/2010/main">
+                <a:solidFill>
+                  <a:schemeClr val="accent1"/>
+                </a:solidFill>
+              </a14:hiddenFill>
+            </a:ext>
+            <a:ext uri="{91240B29-F687-4F45-9708-019B960494DF}">
+              <a14:hiddenLine xmlns:a14="http://schemas.microsoft.com/office/drawing/2010/main" w="9525">
+                <a:solidFill>
+                  <a:schemeClr val="tx1"/>
+                </a:solidFill>
+                <a:miter lim="800000"/>
+                <a:headEnd/>
+                <a:tailEnd/>
+              </a14:hiddenLine>
+            </a:ext>
+            <a:ext uri="{AF507438-7753-43E0-B8FC-AC1667EBCBE1}">
+              <a14:hiddenEffects xmlns:a14="http://schemas.microsoft.com/office/drawing/2010/main">
+                <a:effectLst>
+                  <a:outerShdw dist="35921" dir="2700000" algn="ctr" rotWithShape="0">
+                    <a:schemeClr val="bg2"/>
+                  </a:outerShdw>
+                </a:effectLst>
+              </a14:hiddenEffects>
+            </a:ext>
+          </a:extLst>
+        </p:spPr>
+        <p:txBody>
+          <a:bodyPr vert="horz" wrap="square" lIns="91440" tIns="45720" rIns="91440" bIns="45720" numCol="1" anchor="ctr" anchorCtr="0" compatLnSpc="1">
+            <a:prstTxWarp prst="textNoShape">
+              <a:avLst/>
+            </a:prstTxWarp>
+            <a:spAutoFit/>
+          </a:bodyPr>
+          <a:lstStyle>
+            <a:lvl1pPr eaLnBrk="0" fontAlgn="base" hangingPunct="0">
+              <a:spcBef>
+                <a:spcPct val="0"/>
+              </a:spcBef>
+              <a:spcAft>
+                <a:spcPct val="0"/>
+              </a:spcAft>
+              <a:defRPr>
+                <a:solidFill>
+                  <a:schemeClr val="tx1"/>
+                </a:solidFill>
+                <a:latin typeface="Arial" panose="020B0604020202020204" pitchFamily="34" charset="0"/>
+              </a:defRPr>
+            </a:lvl1pPr>
+            <a:lvl2pPr eaLnBrk="0" fontAlgn="base" hangingPunct="0">
+              <a:spcBef>
+                <a:spcPct val="0"/>
+              </a:spcBef>
+              <a:spcAft>
+                <a:spcPct val="0"/>
+              </a:spcAft>
+              <a:defRPr>
+                <a:solidFill>
+                  <a:schemeClr val="tx1"/>
+                </a:solidFill>
+                <a:latin typeface="Arial" panose="020B0604020202020204" pitchFamily="34" charset="0"/>
+              </a:defRPr>
+            </a:lvl2pPr>
+            <a:lvl3pPr eaLnBrk="0" fontAlgn="base" hangingPunct="0">
+              <a:spcBef>
+                <a:spcPct val="0"/>
+              </a:spcBef>
+              <a:spcAft>
+                <a:spcPct val="0"/>
+              </a:spcAft>
+              <a:defRPr>
+                <a:solidFill>
+                  <a:schemeClr val="tx1"/>
+                </a:solidFill>
+                <a:latin typeface="Arial" panose="020B0604020202020204" pitchFamily="34" charset="0"/>
+              </a:defRPr>
+            </a:lvl3pPr>
+            <a:lvl4pPr eaLnBrk="0" fontAlgn="base" hangingPunct="0">
+              <a:spcBef>
+                <a:spcPct val="0"/>
+              </a:spcBef>
+              <a:spcAft>
+                <a:spcPct val="0"/>
+              </a:spcAft>
+              <a:defRPr>
+                <a:solidFill>
+                  <a:schemeClr val="tx1"/>
+                </a:solidFill>
+                <a:latin typeface="Arial" panose="020B0604020202020204" pitchFamily="34" charset="0"/>
+              </a:defRPr>
+            </a:lvl4pPr>
+            <a:lvl5pPr eaLnBrk="0" fontAlgn="base" hangingPunct="0">
+              <a:spcBef>
+                <a:spcPct val="0"/>
+              </a:spcBef>
+              <a:spcAft>
+                <a:spcPct val="0"/>
+              </a:spcAft>
+              <a:defRPr>
+                <a:solidFill>
+                  <a:schemeClr val="tx1"/>
+                </a:solidFill>
+                <a:latin typeface="Arial" panose="020B0604020202020204" pitchFamily="34" charset="0"/>
+              </a:defRPr>
+            </a:lvl5pPr>
+            <a:lvl6pPr eaLnBrk="0" fontAlgn="base" hangingPunct="0">
+              <a:spcBef>
+                <a:spcPct val="0"/>
+              </a:spcBef>
+              <a:spcAft>
+                <a:spcPct val="0"/>
+              </a:spcAft>
+              <a:defRPr>
+                <a:solidFill>
+                  <a:schemeClr val="tx1"/>
+                </a:solidFill>
+                <a:latin typeface="Arial" panose="020B0604020202020204" pitchFamily="34" charset="0"/>
+              </a:defRPr>
+            </a:lvl6pPr>
+            <a:lvl7pPr eaLnBrk="0" fontAlgn="base" hangingPunct="0">
+              <a:spcBef>
+                <a:spcPct val="0"/>
+              </a:spcBef>
+              <a:spcAft>
+                <a:spcPct val="0"/>
+              </a:spcAft>
+              <a:defRPr>
+                <a:solidFill>
+                  <a:schemeClr val="tx1"/>
+                </a:solidFill>
+                <a:latin typeface="Arial" panose="020B0604020202020204" pitchFamily="34" charset="0"/>
+              </a:defRPr>
+            </a:lvl7pPr>
+            <a:lvl8pPr eaLnBrk="0" fontAlgn="base" hangingPunct="0">
+              <a:spcBef>
+                <a:spcPct val="0"/>
+              </a:spcBef>
+              <a:spcAft>
+                <a:spcPct val="0"/>
+              </a:spcAft>
+              <a:defRPr>
+                <a:solidFill>
+                  <a:schemeClr val="tx1"/>
+                </a:solidFill>
+                <a:latin typeface="Arial" panose="020B0604020202020204" pitchFamily="34" charset="0"/>
+              </a:defRPr>
+            </a:lvl8pPr>
+            <a:lvl9pPr eaLnBrk="0" fontAlgn="base" hangingPunct="0">
+              <a:spcBef>
+                <a:spcPct val="0"/>
+              </a:spcBef>
+              <a:spcAft>
+                <a:spcPct val="0"/>
+              </a:spcAft>
+              <a:defRPr>
+                <a:solidFill>
+                  <a:schemeClr val="tx1"/>
+                </a:solidFill>
+                <a:latin typeface="Arial" panose="020B0604020202020204" pitchFamily="34" charset="0"/>
+              </a:defRPr>
+            </a:lvl9pPr>
+          </a:lstStyle>
+          <a:p>
+            <a:pPr marL="0" marR="0" lvl="0" indent="0" algn="l" defTabSz="914400" rtl="0" eaLnBrk="0" fontAlgn="base" latinLnBrk="0" hangingPunct="0">
+              <a:lnSpc>
+                <a:spcPct val="100000"/>
+              </a:lnSpc>
+              <a:spcBef>
+                <a:spcPct val="0"/>
+              </a:spcBef>
+              <a:spcAft>
+                <a:spcPct val="0"/>
+              </a:spcAft>
+              <a:buClrTx/>
+              <a:buSzTx/>
+              <a:buFontTx/>
+              <a:buNone/>
+              <a:tabLst/>
+            </a:pPr>
+            <a:r>
+              <a:rPr kumimoji="0" lang="en-US" altLang="en-US" sz="1800" b="0" i="0" u="none" strike="noStrike" cap="none" normalizeH="0" baseline="0">
+                <a:ln>
+                  <a:noFill/>
+                </a:ln>
+                <a:solidFill>
+                  <a:srgbClr val="000000"/>
+                </a:solidFill>
+                <a:effectLst/>
+                <a:latin typeface="Times New Roman" panose="02020603050405020304" pitchFamily="18" charset="0"/>
+                <a:cs typeface="Times New Roman" panose="02020603050405020304" pitchFamily="18" charset="0"/>
+              </a:rPr>
+              <a:t> </a:t>
+            </a:r>
+            <a:endParaRPr kumimoji="0" lang="en-US" altLang="en-US" sz="1800" b="0" i="0" u="none" strike="noStrike" cap="none" normalizeH="0" baseline="0">
+              <a:ln>
+                <a:noFill/>
+              </a:ln>
+              <a:solidFill>
+                <a:schemeClr val="tx1"/>
+              </a:solidFill>
+              <a:effectLst/>
+            </a:endParaRPr>
+          </a:p>
+          <a:p>
+            <a:pPr marL="0" marR="0" lvl="0" indent="0" algn="l" defTabSz="914400" rtl="0" eaLnBrk="0" fontAlgn="base" latinLnBrk="0" hangingPunct="0">
+              <a:lnSpc>
+                <a:spcPct val="100000"/>
+              </a:lnSpc>
+              <a:spcBef>
+                <a:spcPct val="0"/>
+              </a:spcBef>
+              <a:spcAft>
+                <a:spcPct val="0"/>
+              </a:spcAft>
+              <a:buClrTx/>
+              <a:buSzTx/>
+              <a:buFontTx/>
+              <a:buNone/>
+              <a:tabLst/>
+            </a:pPr>
+            <a:endParaRPr kumimoji="0" lang="en-US" altLang="en-US" sz="1800" b="0" i="0" u="none" strike="noStrike" cap="none" normalizeH="0" baseline="0">
+              <a:ln>
+                <a:noFill/>
+              </a:ln>
+              <a:solidFill>
+                <a:schemeClr val="tx1"/>
+              </a:solidFill>
+              <a:effectLst/>
+              <a:latin typeface="Arial" panose="020B0604020202020204" pitchFamily="34" charset="0"/>
+            </a:endParaRPr>
+          </a:p>
+        </p:txBody>
+      </p:sp>
+    </p:spTree>
+    <p:extLst>
+      <p:ext uri="{BB962C8B-B14F-4D97-AF65-F5344CB8AC3E}">
+        <p14:creationId xmlns:p14="http://schemas.microsoft.com/office/powerpoint/2010/main" val="3228219571"/>
+      </p:ext>
+    </p:extLst>
+  </p:cSld>
+  <p:clrMapOvr>
+    <a:masterClrMapping/>
+  </p:clrMapOvr>
+</p:sld>
+</file>
+
+<file path=ppt/slides/slide16.xml><?xml version="1.0" encoding="utf-8"?>
+<p:sld xmlns:a="http://schemas.openxmlformats.org/drawingml/2006/main" xmlns:r="http://schemas.openxmlformats.org/officeDocument/2006/relationships" xmlns:p="http://schemas.openxmlformats.org/presentationml/2006/main">
+  <p:cSld>
+    <p:spTree>
+      <p:nvGrpSpPr>
+        <p:cNvPr id="1" name="">
+          <a:extLst>
+            <a:ext uri="{FF2B5EF4-FFF2-40B4-BE49-F238E27FC236}">
+              <a16:creationId xmlns:a16="http://schemas.microsoft.com/office/drawing/2014/main" id="{BCB80211-C4D4-9971-6CDA-73C7A27E08B1}"/>
+            </a:ext>
+          </a:extLst>
+        </p:cNvPr>
+        <p:cNvGrpSpPr/>
+        <p:nvPr/>
+      </p:nvGrpSpPr>
+      <p:grpSpPr>
+        <a:xfrm>
+          <a:off x="0" y="0"/>
+          <a:ext cx="0" cy="0"/>
+          <a:chOff x="0" y="0"/>
+          <a:chExt cx="0" cy="0"/>
+        </a:xfrm>
+      </p:grpSpPr>
+      <p:sp>
+        <p:nvSpPr>
+          <p:cNvPr id="2" name="Title 1">
+            <a:extLst>
+              <a:ext uri="{FF2B5EF4-FFF2-40B4-BE49-F238E27FC236}">
+                <a16:creationId xmlns:a16="http://schemas.microsoft.com/office/drawing/2014/main" id="{F4E28C81-8E5D-38B8-DA38-F2D0E84E1549}"/>
+              </a:ext>
+            </a:extLst>
+          </p:cNvPr>
+          <p:cNvSpPr>
+            <a:spLocks noGrp="1"/>
+          </p:cNvSpPr>
+          <p:nvPr>
+            <p:ph type="title"/>
+          </p:nvPr>
+        </p:nvSpPr>
+        <p:spPr>
+          <a:xfrm>
+            <a:off x="-1" y="0"/>
+            <a:ext cx="6488349" cy="898358"/>
+          </a:xfrm>
+        </p:spPr>
+        <p:txBody>
+          <a:bodyPr>
+            <a:noAutofit/>
+          </a:bodyPr>
+          <a:lstStyle/>
+          <a:p>
+            <a:endParaRPr lang="en-US" b="1" dirty="0">
+              <a:solidFill>
+                <a:srgbClr val="FE5E61"/>
+              </a:solidFill>
+              <a:latin typeface="EB Garamond" panose="00000500000000000000" pitchFamily="2" charset="0"/>
+              <a:ea typeface="EB Garamond" panose="00000500000000000000" pitchFamily="2" charset="0"/>
+            </a:endParaRPr>
+          </a:p>
+        </p:txBody>
+      </p:sp>
+      <p:sp>
+        <p:nvSpPr>
+          <p:cNvPr id="3" name="Content Placeholder 2">
+            <a:extLst>
+              <a:ext uri="{FF2B5EF4-FFF2-40B4-BE49-F238E27FC236}">
+                <a16:creationId xmlns:a16="http://schemas.microsoft.com/office/drawing/2014/main" id="{72A52878-FF03-2D47-B94D-80D19C275288}"/>
+              </a:ext>
+            </a:extLst>
+          </p:cNvPr>
+          <p:cNvSpPr>
+            <a:spLocks noGrp="1"/>
+          </p:cNvSpPr>
+          <p:nvPr>
+            <p:ph idx="1"/>
+          </p:nvPr>
+        </p:nvSpPr>
+        <p:spPr>
+          <a:xfrm>
+            <a:off x="676275" y="1087688"/>
+            <a:ext cx="10696575" cy="4684713"/>
+          </a:xfrm>
+        </p:spPr>
+        <p:txBody>
+          <a:bodyPr vert="horz" lIns="91440" tIns="45720" rIns="91440" bIns="45720" rtlCol="0" anchor="t">
+            <a:normAutofit/>
+          </a:bodyPr>
+          <a:lstStyle/>
+          <a:p>
+            <a:pPr marL="571500" indent="-571500">
+              <a:lnSpc>
+                <a:spcPct val="150000"/>
+              </a:lnSpc>
+            </a:pPr>
+            <a:endParaRPr lang="en-US" sz="3600" dirty="0">
+              <a:latin typeface="EB Garamond"/>
+              <a:ea typeface="EB Garamond"/>
+            </a:endParaRPr>
+          </a:p>
+        </p:txBody>
+      </p:sp>
+      <p:sp>
+        <p:nvSpPr>
+          <p:cNvPr id="4" name="Rectangle 3">
+            <a:extLst>
+              <a:ext uri="{FF2B5EF4-FFF2-40B4-BE49-F238E27FC236}">
+                <a16:creationId xmlns:a16="http://schemas.microsoft.com/office/drawing/2014/main" id="{C11F9B2C-D4B7-77BC-D8F5-44A387988803}"/>
+              </a:ext>
+            </a:extLst>
+          </p:cNvPr>
+          <p:cNvSpPr/>
+          <p:nvPr/>
+        </p:nvSpPr>
+        <p:spPr>
+          <a:xfrm>
+            <a:off x="-1" y="6614809"/>
+            <a:ext cx="12192000" cy="243191"/>
+          </a:xfrm>
+          <a:prstGeom prst="rect">
+            <a:avLst/>
+          </a:prstGeom>
+          <a:solidFill>
+            <a:srgbClr val="FE5E61"/>
+          </a:solidFill>
+          <a:ln>
+            <a:noFill/>
+          </a:ln>
+        </p:spPr>
+        <p:style>
+          <a:lnRef idx="2">
+            <a:schemeClr val="accent1">
+              <a:shade val="15000"/>
+            </a:schemeClr>
+          </a:lnRef>
+          <a:fillRef idx="1">
+            <a:schemeClr val="accent1"/>
+          </a:fillRef>
+          <a:effectRef idx="0">
+            <a:schemeClr val="accent1"/>
+          </a:effectRef>
+          <a:fontRef idx="minor">
+            <a:schemeClr val="lt1"/>
+          </a:fontRef>
+        </p:style>
+        <p:txBody>
+          <a:bodyPr rtlCol="0" anchor="ctr"/>
+          <a:lstStyle/>
+          <a:p>
+            <a:pPr algn="ctr"/>
+            <a:endParaRPr lang="en-US"/>
+          </a:p>
+        </p:txBody>
+      </p:sp>
+      <p:sp>
+        <p:nvSpPr>
+          <p:cNvPr id="7" name="TextBox 6">
+            <a:extLst>
+              <a:ext uri="{FF2B5EF4-FFF2-40B4-BE49-F238E27FC236}">
+                <a16:creationId xmlns:a16="http://schemas.microsoft.com/office/drawing/2014/main" id="{4D8F97E6-6C35-5157-3119-FB4EDB3FCADB}"/>
+              </a:ext>
+            </a:extLst>
+          </p:cNvPr>
+          <p:cNvSpPr txBox="1"/>
+          <p:nvPr/>
+        </p:nvSpPr>
+        <p:spPr>
+          <a:xfrm>
+            <a:off x="5594098" y="6430143"/>
+            <a:ext cx="728084" cy="369332"/>
+          </a:xfrm>
+          <a:prstGeom prst="rect">
+            <a:avLst/>
+          </a:prstGeom>
+          <a:solidFill>
+            <a:schemeClr val="bg1"/>
+          </a:solidFill>
+          <a:ln>
+            <a:solidFill>
+              <a:schemeClr val="tx1"/>
+            </a:solidFill>
+          </a:ln>
+        </p:spPr>
+        <p:txBody>
+          <a:bodyPr wrap="none" rtlCol="0">
+            <a:spAutoFit/>
+          </a:bodyPr>
+          <a:lstStyle/>
+          <a:p>
+            <a:r>
+              <a:rPr lang="en-US" dirty="0">
+                <a:latin typeface="EB Garamond" panose="00000500000000000000" pitchFamily="2" charset="0"/>
+                <a:ea typeface="EB Garamond" panose="00000500000000000000" pitchFamily="2" charset="0"/>
+              </a:rPr>
+              <a:t>Name</a:t>
+            </a:r>
+          </a:p>
+        </p:txBody>
+      </p:sp>
+      <p:sp>
+        <p:nvSpPr>
+          <p:cNvPr id="5" name="TextBox 4">
+            <a:extLst>
+              <a:ext uri="{FF2B5EF4-FFF2-40B4-BE49-F238E27FC236}">
+                <a16:creationId xmlns:a16="http://schemas.microsoft.com/office/drawing/2014/main" id="{33084087-8B45-9F50-E50E-16E048407D3A}"/>
+              </a:ext>
+            </a:extLst>
+          </p:cNvPr>
+          <p:cNvSpPr txBox="1"/>
+          <p:nvPr/>
+        </p:nvSpPr>
+        <p:spPr>
+          <a:xfrm>
+            <a:off x="2031455" y="6430143"/>
+            <a:ext cx="612668" cy="369332"/>
+          </a:xfrm>
+          <a:prstGeom prst="rect">
+            <a:avLst/>
+          </a:prstGeom>
+          <a:solidFill>
+            <a:schemeClr val="bg1"/>
+          </a:solidFill>
+          <a:ln>
+            <a:solidFill>
+              <a:schemeClr val="tx1"/>
+            </a:solidFill>
+          </a:ln>
+        </p:spPr>
+        <p:txBody>
+          <a:bodyPr wrap="none" rtlCol="0">
+            <a:spAutoFit/>
+          </a:bodyPr>
+          <a:lstStyle/>
+          <a:p>
+            <a:r>
+              <a:rPr lang="en-US" dirty="0">
+                <a:latin typeface="EB Garamond" panose="00000500000000000000" pitchFamily="2" charset="0"/>
+                <a:ea typeface="EB Garamond" panose="00000500000000000000" pitchFamily="2" charset="0"/>
+              </a:rPr>
+              <a:t>Date</a:t>
+            </a:r>
+          </a:p>
+        </p:txBody>
+      </p:sp>
+    </p:spTree>
+    <p:extLst>
+      <p:ext uri="{BB962C8B-B14F-4D97-AF65-F5344CB8AC3E}">
+        <p14:creationId xmlns:p14="http://schemas.microsoft.com/office/powerpoint/2010/main" val="2209683259"/>
+      </p:ext>
+    </p:extLst>
+  </p:cSld>
+  <p:clrMapOvr>
+    <a:masterClrMapping/>
+  </p:clrMapOvr>
+</p:sld>
+</file>
+
+<file path=ppt/slides/slide17.xml><?xml version="1.0" encoding="utf-8"?>
+<p:sld xmlns:a="http://schemas.openxmlformats.org/drawingml/2006/main" xmlns:r="http://schemas.openxmlformats.org/officeDocument/2006/relationships" xmlns:p="http://schemas.openxmlformats.org/presentationml/2006/main">
+  <p:cSld>
+    <p:spTree>
+      <p:nvGrpSpPr>
+        <p:cNvPr id="1" name="">
+          <a:extLst>
+            <a:ext uri="{FF2B5EF4-FFF2-40B4-BE49-F238E27FC236}">
+              <a16:creationId xmlns:a16="http://schemas.microsoft.com/office/drawing/2014/main" id="{DCEF4B0A-1806-7AB8-53AD-AEAF892E95FB}"/>
+            </a:ext>
+          </a:extLst>
+        </p:cNvPr>
+        <p:cNvGrpSpPr/>
+        <p:nvPr/>
+      </p:nvGrpSpPr>
+      <p:grpSpPr>
+        <a:xfrm>
+          <a:off x="0" y="0"/>
+          <a:ext cx="0" cy="0"/>
+          <a:chOff x="0" y="0"/>
+          <a:chExt cx="0" cy="0"/>
+        </a:xfrm>
+      </p:grpSpPr>
+      <p:sp>
+        <p:nvSpPr>
+          <p:cNvPr id="2" name="Title 1">
+            <a:extLst>
+              <a:ext uri="{FF2B5EF4-FFF2-40B4-BE49-F238E27FC236}">
+                <a16:creationId xmlns:a16="http://schemas.microsoft.com/office/drawing/2014/main" id="{6DA47295-F6FC-5631-1F60-4C1E8CFC2BDA}"/>
+              </a:ext>
+            </a:extLst>
+          </p:cNvPr>
+          <p:cNvSpPr>
+            <a:spLocks noGrp="1"/>
+          </p:cNvSpPr>
+          <p:nvPr>
+            <p:ph type="title"/>
+          </p:nvPr>
+        </p:nvSpPr>
+        <p:spPr>
+          <a:xfrm>
+            <a:off x="-1" y="0"/>
+            <a:ext cx="6488349" cy="898358"/>
+          </a:xfrm>
+        </p:spPr>
+        <p:txBody>
+          <a:bodyPr>
+            <a:noAutofit/>
+          </a:bodyPr>
+          <a:lstStyle/>
+          <a:p>
+            <a:r>
+              <a:rPr lang="en-US" b="1" dirty="0">
+                <a:solidFill>
+                  <a:srgbClr val="FE5E61"/>
+                </a:solidFill>
+                <a:latin typeface="EB Garamond" panose="00000500000000000000" pitchFamily="2" charset="0"/>
+                <a:ea typeface="EB Garamond" panose="00000500000000000000" pitchFamily="2" charset="0"/>
+              </a:rPr>
+              <a:t>Project Completion</a:t>
+            </a:r>
+          </a:p>
+        </p:txBody>
+      </p:sp>
+      <p:sp>
+        <p:nvSpPr>
+          <p:cNvPr id="3" name="Content Placeholder 2">
+            <a:extLst>
+              <a:ext uri="{FF2B5EF4-FFF2-40B4-BE49-F238E27FC236}">
+                <a16:creationId xmlns:a16="http://schemas.microsoft.com/office/drawing/2014/main" id="{9FDF0584-FA3F-EF11-7452-5ADCC9966958}"/>
+              </a:ext>
+            </a:extLst>
+          </p:cNvPr>
+          <p:cNvSpPr>
+            <a:spLocks noGrp="1"/>
+          </p:cNvSpPr>
+          <p:nvPr>
+            <p:ph idx="1"/>
+          </p:nvPr>
+        </p:nvSpPr>
+        <p:spPr>
+          <a:xfrm>
+            <a:off x="676275" y="1087688"/>
+            <a:ext cx="10696575" cy="4960186"/>
+          </a:xfrm>
+        </p:spPr>
+        <p:txBody>
+          <a:bodyPr vert="horz" lIns="91440" tIns="45720" rIns="91440" bIns="45720" rtlCol="0" anchor="t">
+            <a:noAutofit/>
+          </a:bodyPr>
+          <a:lstStyle/>
+          <a:p>
+            <a:pPr algn="l" rtl="0" fontAlgn="base">
+              <a:lnSpc>
+                <a:spcPct val="150000"/>
+              </a:lnSpc>
+              <a:buFont typeface="Arial" panose="020B0604020202020204" pitchFamily="34" charset="0"/>
+              <a:buChar char="•"/>
+            </a:pPr>
+            <a:r>
+              <a:rPr lang="en-US" sz="2000" b="0" i="0" u="none" strike="noStrike" dirty="0">
+                <a:solidFill>
+                  <a:srgbClr val="000000"/>
+                </a:solidFill>
+                <a:effectLst/>
+                <a:latin typeface="EB Garamond" panose="00000500000000000000" pitchFamily="2" charset="0"/>
+                <a:ea typeface="EB Garamond" panose="00000500000000000000" pitchFamily="2" charset="0"/>
+              </a:rPr>
+              <a:t>Functional Portfolio Website:</a:t>
+            </a:r>
+            <a:endParaRPr lang="en-US" sz="2000" b="0" i="0" dirty="0">
+              <a:solidFill>
+                <a:srgbClr val="000000"/>
+              </a:solidFill>
+              <a:effectLst/>
+              <a:latin typeface="EB Garamond" panose="00000500000000000000" pitchFamily="2" charset="0"/>
+              <a:ea typeface="EB Garamond" panose="00000500000000000000" pitchFamily="2" charset="0"/>
+            </a:endParaRPr>
+          </a:p>
+          <a:p>
+            <a:pPr lvl="1" fontAlgn="base">
+              <a:lnSpc>
+                <a:spcPct val="150000"/>
+              </a:lnSpc>
+            </a:pPr>
+            <a:r>
+              <a:rPr lang="en-US" sz="2000" b="0" i="0" u="none" strike="noStrike" dirty="0">
+                <a:solidFill>
+                  <a:srgbClr val="000000"/>
+                </a:solidFill>
+                <a:effectLst/>
+                <a:latin typeface="EB Garamond" panose="00000500000000000000" pitchFamily="2" charset="0"/>
+                <a:ea typeface="EB Garamond" panose="00000500000000000000" pitchFamily="2" charset="0"/>
+              </a:rPr>
+              <a:t>The main page and all sub-projects are fully developed. Integration testing and refactoring is required.</a:t>
+            </a:r>
+            <a:endParaRPr lang="en-US" sz="2000" dirty="0">
+              <a:solidFill>
+                <a:srgbClr val="000000"/>
+              </a:solidFill>
+              <a:latin typeface="EB Garamond" panose="00000500000000000000" pitchFamily="2" charset="0"/>
+              <a:ea typeface="EB Garamond" panose="00000500000000000000" pitchFamily="2" charset="0"/>
+            </a:endParaRPr>
+          </a:p>
+          <a:p>
+            <a:pPr fontAlgn="base">
+              <a:lnSpc>
+                <a:spcPct val="150000"/>
+              </a:lnSpc>
+            </a:pPr>
+            <a:r>
+              <a:rPr lang="en-US" sz="2000" b="0" i="0" u="none" strike="noStrike" dirty="0">
+                <a:solidFill>
+                  <a:srgbClr val="000000"/>
+                </a:solidFill>
+                <a:effectLst/>
+                <a:latin typeface="EB Garamond" panose="00000500000000000000" pitchFamily="2" charset="0"/>
+                <a:ea typeface="EB Garamond" panose="00000500000000000000" pitchFamily="2" charset="0"/>
+              </a:rPr>
+              <a:t>Testing is Complete:</a:t>
+            </a:r>
+            <a:r>
+              <a:rPr lang="en-US" sz="2000" b="0" i="0" dirty="0">
+                <a:solidFill>
+                  <a:srgbClr val="000000"/>
+                </a:solidFill>
+                <a:effectLst/>
+                <a:latin typeface="EB Garamond" panose="00000500000000000000" pitchFamily="2" charset="0"/>
+                <a:ea typeface="EB Garamond" panose="00000500000000000000" pitchFamily="2" charset="0"/>
+              </a:rPr>
+              <a:t>​</a:t>
+            </a:r>
+          </a:p>
+          <a:p>
+            <a:pPr lvl="1" fontAlgn="base">
+              <a:lnSpc>
+                <a:spcPct val="150000"/>
+              </a:lnSpc>
+            </a:pPr>
+            <a:r>
+              <a:rPr lang="en-US" sz="2000" b="0" i="0" u="none" strike="noStrike" dirty="0">
+                <a:solidFill>
+                  <a:srgbClr val="000000"/>
+                </a:solidFill>
+                <a:effectLst/>
+                <a:latin typeface="EB Garamond" panose="00000500000000000000" pitchFamily="2" charset="0"/>
+                <a:ea typeface="EB Garamond" panose="00000500000000000000" pitchFamily="2" charset="0"/>
+              </a:rPr>
+              <a:t>Most unit, integration, and user tests were successfully passed.</a:t>
+            </a:r>
+            <a:r>
+              <a:rPr lang="en-US" sz="2000" b="0" i="0" dirty="0">
+                <a:solidFill>
+                  <a:srgbClr val="000000"/>
+                </a:solidFill>
+                <a:effectLst/>
+                <a:latin typeface="EB Garamond" panose="00000500000000000000" pitchFamily="2" charset="0"/>
+                <a:ea typeface="EB Garamond" panose="00000500000000000000" pitchFamily="2" charset="0"/>
+              </a:rPr>
+              <a:t>​</a:t>
+            </a:r>
+          </a:p>
+          <a:p>
+            <a:pPr algn="l" rtl="0" fontAlgn="base">
+              <a:lnSpc>
+                <a:spcPct val="150000"/>
+              </a:lnSpc>
+              <a:buFont typeface="Arial" panose="020B0604020202020204" pitchFamily="34" charset="0"/>
+              <a:buChar char="•"/>
+            </a:pPr>
+            <a:r>
+              <a:rPr lang="en-US" sz="2000" b="0" i="0" u="none" strike="noStrike" dirty="0">
+                <a:solidFill>
+                  <a:srgbClr val="000000"/>
+                </a:solidFill>
+                <a:effectLst/>
+                <a:latin typeface="EB Garamond" panose="00000500000000000000" pitchFamily="2" charset="0"/>
+                <a:ea typeface="EB Garamond" panose="00000500000000000000" pitchFamily="2" charset="0"/>
+              </a:rPr>
+              <a:t>Documentation is Finalized:</a:t>
+            </a:r>
+            <a:r>
+              <a:rPr lang="en-US" sz="2000" b="0" i="0" dirty="0">
+                <a:solidFill>
+                  <a:srgbClr val="000000"/>
+                </a:solidFill>
+                <a:effectLst/>
+                <a:latin typeface="EB Garamond" panose="00000500000000000000" pitchFamily="2" charset="0"/>
+                <a:ea typeface="EB Garamond" panose="00000500000000000000" pitchFamily="2" charset="0"/>
+              </a:rPr>
+              <a:t>​</a:t>
+            </a:r>
+          </a:p>
+          <a:p>
+            <a:pPr lvl="1" fontAlgn="base">
+              <a:lnSpc>
+                <a:spcPct val="150000"/>
+              </a:lnSpc>
+            </a:pPr>
+            <a:r>
+              <a:rPr lang="en-US" sz="2000" b="0" i="0" u="none" strike="noStrike" dirty="0">
+                <a:solidFill>
+                  <a:srgbClr val="000000"/>
+                </a:solidFill>
+                <a:effectLst/>
+                <a:latin typeface="EB Garamond" panose="00000500000000000000" pitchFamily="2" charset="0"/>
+                <a:ea typeface="EB Garamond" panose="00000500000000000000" pitchFamily="2" charset="0"/>
+              </a:rPr>
+              <a:t>The project includes a complete and up-to-date README file outlining setup, purpose, and usage. Additional documentation supports maintainability and future updates.</a:t>
+            </a:r>
+          </a:p>
+          <a:p>
+            <a:pPr fontAlgn="base">
+              <a:lnSpc>
+                <a:spcPct val="150000"/>
+              </a:lnSpc>
+            </a:pPr>
+            <a:r>
+              <a:rPr lang="en-US" sz="2000" b="0" i="0" u="none" strike="noStrike" dirty="0">
+                <a:solidFill>
+                  <a:srgbClr val="000000"/>
+                </a:solidFill>
+                <a:effectLst/>
+                <a:latin typeface="EB Garamond" panose="00000500000000000000" pitchFamily="2" charset="0"/>
+                <a:ea typeface="EB Garamond" panose="00000500000000000000" pitchFamily="2" charset="0"/>
+              </a:rPr>
+              <a:t>Deployment is Successful:</a:t>
+            </a:r>
+            <a:r>
+              <a:rPr lang="en-US" sz="2000" b="0" i="0" dirty="0">
+                <a:solidFill>
+                  <a:srgbClr val="000000"/>
+                </a:solidFill>
+                <a:effectLst/>
+                <a:latin typeface="EB Garamond" panose="00000500000000000000" pitchFamily="2" charset="0"/>
+                <a:ea typeface="EB Garamond" panose="00000500000000000000" pitchFamily="2" charset="0"/>
+              </a:rPr>
+              <a:t>​</a:t>
+            </a:r>
+          </a:p>
+          <a:p>
+            <a:pPr lvl="1" fontAlgn="base">
+              <a:lnSpc>
+                <a:spcPct val="150000"/>
+              </a:lnSpc>
+            </a:pPr>
+            <a:r>
+              <a:rPr lang="en-US" sz="2000" b="0" i="0" u="none" strike="noStrike" dirty="0">
+                <a:solidFill>
+                  <a:srgbClr val="000000"/>
+                </a:solidFill>
+                <a:effectLst/>
+                <a:latin typeface="EB Garamond" panose="00000500000000000000" pitchFamily="2" charset="0"/>
+                <a:ea typeface="EB Garamond" panose="00000500000000000000" pitchFamily="2" charset="0"/>
+              </a:rPr>
+              <a:t>The website is live on GitHub Pages.</a:t>
+            </a:r>
+            <a:endParaRPr lang="en-US" sz="2000" b="0" i="0" dirty="0">
+              <a:solidFill>
+                <a:srgbClr val="000000"/>
+              </a:solidFill>
+              <a:effectLst/>
+              <a:latin typeface="EB Garamond" panose="00000500000000000000" pitchFamily="2" charset="0"/>
+              <a:ea typeface="EB Garamond" panose="00000500000000000000" pitchFamily="2" charset="0"/>
+            </a:endParaRPr>
+          </a:p>
+        </p:txBody>
+      </p:sp>
+      <p:sp>
+        <p:nvSpPr>
+          <p:cNvPr id="4" name="Rectangle 3">
+            <a:extLst>
+              <a:ext uri="{FF2B5EF4-FFF2-40B4-BE49-F238E27FC236}">
+                <a16:creationId xmlns:a16="http://schemas.microsoft.com/office/drawing/2014/main" id="{FD9DC311-A0F8-5D08-FBEB-86F72E0B23A8}"/>
+              </a:ext>
+            </a:extLst>
+          </p:cNvPr>
+          <p:cNvSpPr/>
+          <p:nvPr/>
+        </p:nvSpPr>
+        <p:spPr>
+          <a:xfrm>
+            <a:off x="-1" y="6614809"/>
+            <a:ext cx="12192000" cy="243191"/>
+          </a:xfrm>
+          <a:prstGeom prst="rect">
+            <a:avLst/>
+          </a:prstGeom>
+          <a:solidFill>
+            <a:srgbClr val="FE5E61"/>
+          </a:solidFill>
+          <a:ln>
+            <a:noFill/>
+          </a:ln>
+        </p:spPr>
+        <p:style>
+          <a:lnRef idx="2">
+            <a:schemeClr val="accent1">
+              <a:shade val="15000"/>
+            </a:schemeClr>
+          </a:lnRef>
+          <a:fillRef idx="1">
+            <a:schemeClr val="accent1"/>
+          </a:fillRef>
+          <a:effectRef idx="0">
+            <a:schemeClr val="accent1"/>
+          </a:effectRef>
+          <a:fontRef idx="minor">
+            <a:schemeClr val="lt1"/>
+          </a:fontRef>
+        </p:style>
+        <p:txBody>
+          <a:bodyPr rtlCol="0" anchor="ctr"/>
+          <a:lstStyle/>
+          <a:p>
+            <a:pPr algn="ctr"/>
+            <a:endParaRPr lang="en-US"/>
+          </a:p>
+        </p:txBody>
+      </p:sp>
+      <p:sp>
+        <p:nvSpPr>
+          <p:cNvPr id="7" name="TextBox 6">
+            <a:extLst>
+              <a:ext uri="{FF2B5EF4-FFF2-40B4-BE49-F238E27FC236}">
+                <a16:creationId xmlns:a16="http://schemas.microsoft.com/office/drawing/2014/main" id="{4FBB9F7E-DFA4-F2BE-5A19-48AA24ABB9A5}"/>
+              </a:ext>
+            </a:extLst>
+          </p:cNvPr>
+          <p:cNvSpPr txBox="1"/>
+          <p:nvPr/>
+        </p:nvSpPr>
+        <p:spPr>
+          <a:xfrm>
+            <a:off x="5594098" y="6430143"/>
+            <a:ext cx="728084" cy="369332"/>
+          </a:xfrm>
+          <a:prstGeom prst="rect">
+            <a:avLst/>
+          </a:prstGeom>
+          <a:solidFill>
+            <a:schemeClr val="bg1"/>
+          </a:solidFill>
+          <a:ln>
+            <a:solidFill>
+              <a:schemeClr val="tx1"/>
+            </a:solidFill>
+          </a:ln>
+        </p:spPr>
+        <p:txBody>
+          <a:bodyPr wrap="none" rtlCol="0">
+            <a:spAutoFit/>
+          </a:bodyPr>
+          <a:lstStyle/>
+          <a:p>
+            <a:r>
+              <a:rPr lang="en-US" dirty="0">
+                <a:latin typeface="EB Garamond" panose="00000500000000000000" pitchFamily="2" charset="0"/>
+                <a:ea typeface="EB Garamond" panose="00000500000000000000" pitchFamily="2" charset="0"/>
+              </a:rPr>
+              <a:t>Name</a:t>
+            </a:r>
+          </a:p>
+        </p:txBody>
+      </p:sp>
+      <p:sp>
+        <p:nvSpPr>
+          <p:cNvPr id="5" name="TextBox 4">
+            <a:extLst>
+              <a:ext uri="{FF2B5EF4-FFF2-40B4-BE49-F238E27FC236}">
+                <a16:creationId xmlns:a16="http://schemas.microsoft.com/office/drawing/2014/main" id="{1FC49167-CD56-9A98-A807-194E60F00F06}"/>
+              </a:ext>
+            </a:extLst>
+          </p:cNvPr>
+          <p:cNvSpPr txBox="1"/>
+          <p:nvPr/>
+        </p:nvSpPr>
+        <p:spPr>
+          <a:xfrm>
+            <a:off x="2031455" y="6430143"/>
+            <a:ext cx="612668" cy="369332"/>
+          </a:xfrm>
+          <a:prstGeom prst="rect">
+            <a:avLst/>
+          </a:prstGeom>
+          <a:solidFill>
+            <a:schemeClr val="bg1"/>
+          </a:solidFill>
+          <a:ln>
+            <a:solidFill>
+              <a:schemeClr val="tx1"/>
+            </a:solidFill>
+          </a:ln>
+        </p:spPr>
+        <p:txBody>
+          <a:bodyPr wrap="none" rtlCol="0">
+            <a:spAutoFit/>
+          </a:bodyPr>
+          <a:lstStyle/>
+          <a:p>
+            <a:r>
+              <a:rPr lang="en-US" dirty="0">
+                <a:latin typeface="EB Garamond" panose="00000500000000000000" pitchFamily="2" charset="0"/>
+                <a:ea typeface="EB Garamond" panose="00000500000000000000" pitchFamily="2" charset="0"/>
+              </a:rPr>
+              <a:t>Date</a:t>
+            </a:r>
+          </a:p>
+        </p:txBody>
+      </p:sp>
+    </p:spTree>
+    <p:extLst>
+      <p:ext uri="{BB962C8B-B14F-4D97-AF65-F5344CB8AC3E}">
+        <p14:creationId xmlns:p14="http://schemas.microsoft.com/office/powerpoint/2010/main" val="1961892725"/>
+      </p:ext>
+    </p:extLst>
+  </p:cSld>
+  <p:clrMapOvr>
+    <a:masterClrMapping/>
+  </p:clrMapOvr>
+</p:sld>
+</file>
+
+<file path=ppt/slides/slide18.xml><?xml version="1.0" encoding="utf-8"?>
 <p:sld xmlns:a="http://schemas.openxmlformats.org/drawingml/2006/main" xmlns:r="http://schemas.openxmlformats.org/officeDocument/2006/relationships" xmlns:p="http://schemas.openxmlformats.org/presentationml/2006/main">
   <p:cSld>
     <p:bg>
@@ -5185,16 +9461,16 @@
           <a:lstStyle/>
           <a:p>
             <a:r>
-              <a:rPr lang="en-US" sz="5000" b="1">
+              <a:rPr lang="en-US" sz="5000" b="1" dirty="0">
                 <a:solidFill>
                   <a:schemeClr val="bg1"/>
                 </a:solidFill>
                 <a:latin typeface="EB Garamond"/>
                 <a:ea typeface="EB Garamond"/>
               </a:rPr>
-              <a:t>Questions???</a:t>
-            </a:r>
-            <a:endParaRPr lang="en-US" sz="5000" b="1">
+              <a:t>Demonstration?</a:t>
+            </a:r>
+            <a:endParaRPr lang="en-US" sz="5000" b="1" dirty="0">
               <a:solidFill>
                 <a:schemeClr val="bg1"/>
               </a:solidFill>
@@ -5572,6 +9848,2630 @@
     <p:extLst>
       <p:ext uri="{BB962C8B-B14F-4D97-AF65-F5344CB8AC3E}">
         <p14:creationId xmlns:p14="http://schemas.microsoft.com/office/powerpoint/2010/main" val="3892227860"/>
+      </p:ext>
+    </p:extLst>
+  </p:cSld>
+  <p:clrMapOvr>
+    <a:masterClrMapping/>
+  </p:clrMapOvr>
+</p:sld>
+</file>
+
+<file path=ppt/slides/slide2.xml><?xml version="1.0" encoding="utf-8"?>
+<p:sld xmlns:a="http://schemas.openxmlformats.org/drawingml/2006/main" xmlns:r="http://schemas.openxmlformats.org/officeDocument/2006/relationships" xmlns:p="http://schemas.openxmlformats.org/presentationml/2006/main">
+  <p:cSld>
+    <p:spTree>
+      <p:nvGrpSpPr>
+        <p:cNvPr id="1" name="">
+          <a:extLst>
+            <a:ext uri="{FF2B5EF4-FFF2-40B4-BE49-F238E27FC236}">
+              <a16:creationId xmlns:a16="http://schemas.microsoft.com/office/drawing/2014/main" id="{D40B4FF5-396A-CD0A-A83A-9D1115B36D83}"/>
+            </a:ext>
+          </a:extLst>
+        </p:cNvPr>
+        <p:cNvGrpSpPr/>
+        <p:nvPr/>
+      </p:nvGrpSpPr>
+      <p:grpSpPr>
+        <a:xfrm>
+          <a:off x="0" y="0"/>
+          <a:ext cx="0" cy="0"/>
+          <a:chOff x="0" y="0"/>
+          <a:chExt cx="0" cy="0"/>
+        </a:xfrm>
+      </p:grpSpPr>
+      <p:sp>
+        <p:nvSpPr>
+          <p:cNvPr id="2" name="Title 1">
+            <a:extLst>
+              <a:ext uri="{FF2B5EF4-FFF2-40B4-BE49-F238E27FC236}">
+                <a16:creationId xmlns:a16="http://schemas.microsoft.com/office/drawing/2014/main" id="{A950C80C-A1A3-4124-DE59-1D03CDB35F19}"/>
+              </a:ext>
+            </a:extLst>
+          </p:cNvPr>
+          <p:cNvSpPr>
+            <a:spLocks noGrp="1"/>
+          </p:cNvSpPr>
+          <p:nvPr>
+            <p:ph type="title"/>
+          </p:nvPr>
+        </p:nvSpPr>
+        <p:spPr>
+          <a:xfrm>
+            <a:off x="-1" y="0"/>
+            <a:ext cx="6488349" cy="898358"/>
+          </a:xfrm>
+        </p:spPr>
+        <p:txBody>
+          <a:bodyPr>
+            <a:noAutofit/>
+          </a:bodyPr>
+          <a:lstStyle/>
+          <a:p>
+            <a:r>
+              <a:rPr lang="en-US" b="1" dirty="0">
+                <a:solidFill>
+                  <a:srgbClr val="FE5E61"/>
+                </a:solidFill>
+                <a:latin typeface="EB Garamond" panose="00000500000000000000" pitchFamily="2" charset="0"/>
+                <a:ea typeface="EB Garamond" panose="00000500000000000000" pitchFamily="2" charset="0"/>
+              </a:rPr>
+              <a:t>Team Members and Roles:</a:t>
+            </a:r>
+          </a:p>
+        </p:txBody>
+      </p:sp>
+      <p:sp>
+        <p:nvSpPr>
+          <p:cNvPr id="3" name="Content Placeholder 2">
+            <a:extLst>
+              <a:ext uri="{FF2B5EF4-FFF2-40B4-BE49-F238E27FC236}">
+                <a16:creationId xmlns:a16="http://schemas.microsoft.com/office/drawing/2014/main" id="{38E1F4E2-B29A-29DD-79FD-3408F1509253}"/>
+              </a:ext>
+            </a:extLst>
+          </p:cNvPr>
+          <p:cNvSpPr>
+            <a:spLocks noGrp="1"/>
+          </p:cNvSpPr>
+          <p:nvPr>
+            <p:ph idx="1"/>
+          </p:nvPr>
+        </p:nvSpPr>
+        <p:spPr>
+          <a:xfrm>
+            <a:off x="676275" y="1087688"/>
+            <a:ext cx="10696575" cy="4684713"/>
+          </a:xfrm>
+        </p:spPr>
+        <p:txBody>
+          <a:bodyPr vert="horz" lIns="91440" tIns="45720" rIns="91440" bIns="45720" rtlCol="0" anchor="t">
+            <a:normAutofit/>
+          </a:bodyPr>
+          <a:lstStyle/>
+          <a:p>
+            <a:pPr marL="571500" indent="-571500">
+              <a:lnSpc>
+                <a:spcPct val="150000"/>
+              </a:lnSpc>
+            </a:pPr>
+            <a:r>
+              <a:rPr lang="en-US" sz="3600" dirty="0">
+                <a:latin typeface="EB Garamond"/>
+                <a:ea typeface="EB Garamond"/>
+              </a:rPr>
+              <a:t>Jack Dodge – Developer, Tester, Product Owner</a:t>
+            </a:r>
+          </a:p>
+          <a:p>
+            <a:pPr marL="571500" indent="-571500">
+              <a:lnSpc>
+                <a:spcPct val="150000"/>
+              </a:lnSpc>
+            </a:pPr>
+            <a:r>
+              <a:rPr lang="en-US" sz="3600" dirty="0">
+                <a:latin typeface="EB Garamond"/>
+                <a:ea typeface="EB Garamond"/>
+              </a:rPr>
+              <a:t>West Manison – Developer, Tester, Test Coordinator</a:t>
+            </a:r>
+          </a:p>
+          <a:p>
+            <a:pPr marL="571500" indent="-571500">
+              <a:lnSpc>
+                <a:spcPct val="150000"/>
+              </a:lnSpc>
+            </a:pPr>
+            <a:r>
+              <a:rPr lang="en-US" sz="3600" dirty="0">
+                <a:latin typeface="EB Garamond"/>
+                <a:ea typeface="EB Garamond"/>
+              </a:rPr>
+              <a:t>George morales – Developer, Tester, Lead-Tech Writer </a:t>
+            </a:r>
+          </a:p>
+          <a:p>
+            <a:pPr marL="571500" indent="-571500">
+              <a:lnSpc>
+                <a:spcPct val="150000"/>
+              </a:lnSpc>
+            </a:pPr>
+            <a:r>
+              <a:rPr lang="en-US" sz="3600" dirty="0">
+                <a:latin typeface="EB Garamond"/>
+                <a:ea typeface="EB Garamond"/>
+              </a:rPr>
+              <a:t>Sebastian Sanchez – Developer, Tester, UI/UX Lead</a:t>
+            </a:r>
+          </a:p>
+        </p:txBody>
+      </p:sp>
+      <p:sp>
+        <p:nvSpPr>
+          <p:cNvPr id="4" name="Rectangle 3">
+            <a:extLst>
+              <a:ext uri="{FF2B5EF4-FFF2-40B4-BE49-F238E27FC236}">
+                <a16:creationId xmlns:a16="http://schemas.microsoft.com/office/drawing/2014/main" id="{982A782F-8538-FC83-8FC4-FF226E8F71C8}"/>
+              </a:ext>
+            </a:extLst>
+          </p:cNvPr>
+          <p:cNvSpPr/>
+          <p:nvPr/>
+        </p:nvSpPr>
+        <p:spPr>
+          <a:xfrm>
+            <a:off x="-1" y="6614809"/>
+            <a:ext cx="12192000" cy="243191"/>
+          </a:xfrm>
+          <a:prstGeom prst="rect">
+            <a:avLst/>
+          </a:prstGeom>
+          <a:solidFill>
+            <a:srgbClr val="FE5E61"/>
+          </a:solidFill>
+          <a:ln>
+            <a:noFill/>
+          </a:ln>
+        </p:spPr>
+        <p:style>
+          <a:lnRef idx="2">
+            <a:schemeClr val="accent1">
+              <a:shade val="15000"/>
+            </a:schemeClr>
+          </a:lnRef>
+          <a:fillRef idx="1">
+            <a:schemeClr val="accent1"/>
+          </a:fillRef>
+          <a:effectRef idx="0">
+            <a:schemeClr val="accent1"/>
+          </a:effectRef>
+          <a:fontRef idx="minor">
+            <a:schemeClr val="lt1"/>
+          </a:fontRef>
+        </p:style>
+        <p:txBody>
+          <a:bodyPr rtlCol="0" anchor="ctr"/>
+          <a:lstStyle/>
+          <a:p>
+            <a:pPr algn="ctr"/>
+            <a:endParaRPr lang="en-US"/>
+          </a:p>
+        </p:txBody>
+      </p:sp>
+      <p:sp>
+        <p:nvSpPr>
+          <p:cNvPr id="7" name="TextBox 6">
+            <a:extLst>
+              <a:ext uri="{FF2B5EF4-FFF2-40B4-BE49-F238E27FC236}">
+                <a16:creationId xmlns:a16="http://schemas.microsoft.com/office/drawing/2014/main" id="{44453DE9-3FC3-195C-9794-AFF8A07E6264}"/>
+              </a:ext>
+            </a:extLst>
+          </p:cNvPr>
+          <p:cNvSpPr txBox="1"/>
+          <p:nvPr/>
+        </p:nvSpPr>
+        <p:spPr>
+          <a:xfrm>
+            <a:off x="5594098" y="6430143"/>
+            <a:ext cx="728084" cy="369332"/>
+          </a:xfrm>
+          <a:prstGeom prst="rect">
+            <a:avLst/>
+          </a:prstGeom>
+          <a:solidFill>
+            <a:schemeClr val="bg1"/>
+          </a:solidFill>
+          <a:ln>
+            <a:solidFill>
+              <a:schemeClr val="tx1"/>
+            </a:solidFill>
+          </a:ln>
+        </p:spPr>
+        <p:txBody>
+          <a:bodyPr wrap="none" rtlCol="0">
+            <a:spAutoFit/>
+          </a:bodyPr>
+          <a:lstStyle/>
+          <a:p>
+            <a:r>
+              <a:rPr lang="en-US" dirty="0">
+                <a:latin typeface="EB Garamond" panose="00000500000000000000" pitchFamily="2" charset="0"/>
+                <a:ea typeface="EB Garamond" panose="00000500000000000000" pitchFamily="2" charset="0"/>
+              </a:rPr>
+              <a:t>Name</a:t>
+            </a:r>
+          </a:p>
+        </p:txBody>
+      </p:sp>
+      <p:sp>
+        <p:nvSpPr>
+          <p:cNvPr id="5" name="TextBox 4">
+            <a:extLst>
+              <a:ext uri="{FF2B5EF4-FFF2-40B4-BE49-F238E27FC236}">
+                <a16:creationId xmlns:a16="http://schemas.microsoft.com/office/drawing/2014/main" id="{6ECA8FF4-F703-32A0-9768-4A91B457B020}"/>
+              </a:ext>
+            </a:extLst>
+          </p:cNvPr>
+          <p:cNvSpPr txBox="1"/>
+          <p:nvPr/>
+        </p:nvSpPr>
+        <p:spPr>
+          <a:xfrm>
+            <a:off x="2031455" y="6430143"/>
+            <a:ext cx="612668" cy="369332"/>
+          </a:xfrm>
+          <a:prstGeom prst="rect">
+            <a:avLst/>
+          </a:prstGeom>
+          <a:solidFill>
+            <a:schemeClr val="bg1"/>
+          </a:solidFill>
+          <a:ln>
+            <a:solidFill>
+              <a:schemeClr val="tx1"/>
+            </a:solidFill>
+          </a:ln>
+        </p:spPr>
+        <p:txBody>
+          <a:bodyPr wrap="none" rtlCol="0">
+            <a:spAutoFit/>
+          </a:bodyPr>
+          <a:lstStyle/>
+          <a:p>
+            <a:r>
+              <a:rPr lang="en-US" dirty="0">
+                <a:latin typeface="EB Garamond" panose="00000500000000000000" pitchFamily="2" charset="0"/>
+                <a:ea typeface="EB Garamond" panose="00000500000000000000" pitchFamily="2" charset="0"/>
+              </a:rPr>
+              <a:t>Date</a:t>
+            </a:r>
+          </a:p>
+        </p:txBody>
+      </p:sp>
+    </p:spTree>
+    <p:extLst>
+      <p:ext uri="{BB962C8B-B14F-4D97-AF65-F5344CB8AC3E}">
+        <p14:creationId xmlns:p14="http://schemas.microsoft.com/office/powerpoint/2010/main" val="3889820855"/>
+      </p:ext>
+    </p:extLst>
+  </p:cSld>
+  <p:clrMapOvr>
+    <a:masterClrMapping/>
+  </p:clrMapOvr>
+</p:sld>
+</file>
+
+<file path=ppt/slides/slide3.xml><?xml version="1.0" encoding="utf-8"?>
+<p:sld xmlns:a="http://schemas.openxmlformats.org/drawingml/2006/main" xmlns:r="http://schemas.openxmlformats.org/officeDocument/2006/relationships" xmlns:p="http://schemas.openxmlformats.org/presentationml/2006/main">
+  <p:cSld>
+    <p:spTree>
+      <p:nvGrpSpPr>
+        <p:cNvPr id="1" name="">
+          <a:extLst>
+            <a:ext uri="{FF2B5EF4-FFF2-40B4-BE49-F238E27FC236}">
+              <a16:creationId xmlns:a16="http://schemas.microsoft.com/office/drawing/2014/main" id="{46A204E5-054C-0FB4-55A6-B223A150CD39}"/>
+            </a:ext>
+          </a:extLst>
+        </p:cNvPr>
+        <p:cNvGrpSpPr/>
+        <p:nvPr/>
+      </p:nvGrpSpPr>
+      <p:grpSpPr>
+        <a:xfrm>
+          <a:off x="0" y="0"/>
+          <a:ext cx="0" cy="0"/>
+          <a:chOff x="0" y="0"/>
+          <a:chExt cx="0" cy="0"/>
+        </a:xfrm>
+      </p:grpSpPr>
+      <p:sp>
+        <p:nvSpPr>
+          <p:cNvPr id="2" name="Title 1">
+            <a:extLst>
+              <a:ext uri="{FF2B5EF4-FFF2-40B4-BE49-F238E27FC236}">
+                <a16:creationId xmlns:a16="http://schemas.microsoft.com/office/drawing/2014/main" id="{DC8A1FF7-D025-932B-6BA2-BB864B6D42DF}"/>
+              </a:ext>
+            </a:extLst>
+          </p:cNvPr>
+          <p:cNvSpPr>
+            <a:spLocks noGrp="1"/>
+          </p:cNvSpPr>
+          <p:nvPr>
+            <p:ph type="title"/>
+          </p:nvPr>
+        </p:nvSpPr>
+        <p:spPr>
+          <a:xfrm>
+            <a:off x="0" y="0"/>
+            <a:ext cx="5825247" cy="734101"/>
+          </a:xfrm>
+        </p:spPr>
+        <p:txBody>
+          <a:bodyPr/>
+          <a:lstStyle/>
+          <a:p>
+            <a:r>
+              <a:rPr lang="en-US" b="1" u="sng">
+                <a:solidFill>
+                  <a:srgbClr val="FE5E61"/>
+                </a:solidFill>
+                <a:latin typeface="EB Garamond"/>
+                <a:ea typeface="EB Garamond"/>
+              </a:rPr>
+              <a:t>Project Introduction:</a:t>
+            </a:r>
+          </a:p>
+        </p:txBody>
+      </p:sp>
+      <p:sp>
+        <p:nvSpPr>
+          <p:cNvPr id="3" name="Content Placeholder 2">
+            <a:extLst>
+              <a:ext uri="{FF2B5EF4-FFF2-40B4-BE49-F238E27FC236}">
+                <a16:creationId xmlns:a16="http://schemas.microsoft.com/office/drawing/2014/main" id="{891E5184-B660-605D-C31E-52332C4CE180}"/>
+              </a:ext>
+            </a:extLst>
+          </p:cNvPr>
+          <p:cNvSpPr>
+            <a:spLocks noGrp="1"/>
+          </p:cNvSpPr>
+          <p:nvPr>
+            <p:ph idx="1"/>
+          </p:nvPr>
+        </p:nvSpPr>
+        <p:spPr>
+          <a:xfrm>
+            <a:off x="579517" y="1710169"/>
+            <a:ext cx="11032958" cy="3109421"/>
+          </a:xfrm>
+        </p:spPr>
+        <p:txBody>
+          <a:bodyPr vert="horz" lIns="91440" tIns="45720" rIns="91440" bIns="45720" rtlCol="0" anchor="t">
+            <a:noAutofit/>
+          </a:bodyPr>
+          <a:lstStyle/>
+          <a:p>
+            <a:pPr marL="0" indent="0" algn="ctr">
+              <a:lnSpc>
+                <a:spcPct val="170000"/>
+              </a:lnSpc>
+              <a:buNone/>
+            </a:pPr>
+            <a:r>
+              <a:rPr lang="en-US" sz="2400" dirty="0">
+                <a:solidFill>
+                  <a:schemeClr val="bg2">
+                    <a:lumMod val="49000"/>
+                  </a:schemeClr>
+                </a:solidFill>
+                <a:latin typeface="EB Garamond"/>
+                <a:ea typeface="+mn-lt"/>
+                <a:cs typeface="+mn-lt"/>
+              </a:rPr>
+              <a:t>We developed a visually appealing and responsive portfolio website that effectively showcased John Doe's projects, experience, and skills. The website featured a dynamic home page and four distinct project pages, allowing users to navigate seamlessly and access detailed information about each project. Our goal was to create an engaging user experience that highlighted John Doe’s expertise and professional achievements.</a:t>
+            </a:r>
+          </a:p>
+        </p:txBody>
+      </p:sp>
+      <p:sp>
+        <p:nvSpPr>
+          <p:cNvPr id="4" name="Rectangle 3">
+            <a:extLst>
+              <a:ext uri="{FF2B5EF4-FFF2-40B4-BE49-F238E27FC236}">
+                <a16:creationId xmlns:a16="http://schemas.microsoft.com/office/drawing/2014/main" id="{A0F97035-4FAA-19B3-5078-9F2F8EA6AC04}"/>
+              </a:ext>
+            </a:extLst>
+          </p:cNvPr>
+          <p:cNvSpPr/>
+          <p:nvPr/>
+        </p:nvSpPr>
+        <p:spPr>
+          <a:xfrm>
+            <a:off x="0" y="6614809"/>
+            <a:ext cx="12192000" cy="243191"/>
+          </a:xfrm>
+          <a:prstGeom prst="rect">
+            <a:avLst/>
+          </a:prstGeom>
+          <a:solidFill>
+            <a:srgbClr val="FE5E61"/>
+          </a:solidFill>
+          <a:ln>
+            <a:noFill/>
+          </a:ln>
+        </p:spPr>
+        <p:style>
+          <a:lnRef idx="2">
+            <a:schemeClr val="accent1">
+              <a:shade val="15000"/>
+            </a:schemeClr>
+          </a:lnRef>
+          <a:fillRef idx="1">
+            <a:schemeClr val="accent1"/>
+          </a:fillRef>
+          <a:effectRef idx="0">
+            <a:schemeClr val="accent1"/>
+          </a:effectRef>
+          <a:fontRef idx="minor">
+            <a:schemeClr val="lt1"/>
+          </a:fontRef>
+        </p:style>
+        <p:txBody>
+          <a:bodyPr rtlCol="0" anchor="ctr"/>
+          <a:lstStyle/>
+          <a:p>
+            <a:pPr algn="ctr"/>
+            <a:endParaRPr lang="en-US"/>
+          </a:p>
+        </p:txBody>
+      </p:sp>
+      <p:sp>
+        <p:nvSpPr>
+          <p:cNvPr id="5" name="TextBox 4">
+            <a:extLst>
+              <a:ext uri="{FF2B5EF4-FFF2-40B4-BE49-F238E27FC236}">
+                <a16:creationId xmlns:a16="http://schemas.microsoft.com/office/drawing/2014/main" id="{CEDF0DBB-F1E0-A91D-9EE5-DA829378A874}"/>
+              </a:ext>
+            </a:extLst>
+          </p:cNvPr>
+          <p:cNvSpPr txBox="1"/>
+          <p:nvPr/>
+        </p:nvSpPr>
+        <p:spPr>
+          <a:xfrm>
+            <a:off x="3487416" y="1067195"/>
+            <a:ext cx="5218281" cy="646331"/>
+          </a:xfrm>
+          <a:prstGeom prst="rect">
+            <a:avLst/>
+          </a:prstGeom>
+          <a:noFill/>
+        </p:spPr>
+        <p:txBody>
+          <a:bodyPr wrap="square" lIns="91440" tIns="45720" rIns="91440" bIns="45720" rtlCol="0" anchor="t">
+            <a:spAutoFit/>
+          </a:bodyPr>
+          <a:lstStyle/>
+          <a:p>
+            <a:pPr algn="ctr"/>
+            <a:r>
+              <a:rPr lang="en-US" sz="3600" b="1">
+                <a:latin typeface="EB Garamond"/>
+                <a:ea typeface="EB Garamond"/>
+              </a:rPr>
+              <a:t>John Doe Portfolio</a:t>
+            </a:r>
+          </a:p>
+        </p:txBody>
+      </p:sp>
+      <p:sp>
+        <p:nvSpPr>
+          <p:cNvPr id="6" name="TextBox 5">
+            <a:extLst>
+              <a:ext uri="{FF2B5EF4-FFF2-40B4-BE49-F238E27FC236}">
+                <a16:creationId xmlns:a16="http://schemas.microsoft.com/office/drawing/2014/main" id="{3D627618-544F-26BF-88DE-B60C0E42D30B}"/>
+              </a:ext>
+            </a:extLst>
+          </p:cNvPr>
+          <p:cNvSpPr txBox="1"/>
+          <p:nvPr/>
+        </p:nvSpPr>
+        <p:spPr>
+          <a:xfrm>
+            <a:off x="5594098" y="6430143"/>
+            <a:ext cx="1200970" cy="369332"/>
+          </a:xfrm>
+          <a:prstGeom prst="rect">
+            <a:avLst/>
+          </a:prstGeom>
+          <a:solidFill>
+            <a:schemeClr val="bg1"/>
+          </a:solidFill>
+          <a:ln>
+            <a:solidFill>
+              <a:schemeClr val="tx1"/>
+            </a:solidFill>
+          </a:ln>
+        </p:spPr>
+        <p:txBody>
+          <a:bodyPr wrap="none" rtlCol="0">
+            <a:spAutoFit/>
+          </a:bodyPr>
+          <a:lstStyle/>
+          <a:p>
+            <a:r>
+              <a:rPr lang="en-US">
+                <a:latin typeface="EB Garamond" panose="00000500000000000000" pitchFamily="2" charset="0"/>
+                <a:ea typeface="EB Garamond" panose="00000500000000000000" pitchFamily="2" charset="0"/>
+              </a:rPr>
+              <a:t>Jack Dodge</a:t>
+            </a:r>
+          </a:p>
+        </p:txBody>
+      </p:sp>
+      <p:sp>
+        <p:nvSpPr>
+          <p:cNvPr id="7" name="TextBox 6">
+            <a:extLst>
+              <a:ext uri="{FF2B5EF4-FFF2-40B4-BE49-F238E27FC236}">
+                <a16:creationId xmlns:a16="http://schemas.microsoft.com/office/drawing/2014/main" id="{2DFCDBFB-EDEE-8C91-0579-1842509E67A4}"/>
+              </a:ext>
+            </a:extLst>
+          </p:cNvPr>
+          <p:cNvSpPr txBox="1"/>
+          <p:nvPr/>
+        </p:nvSpPr>
+        <p:spPr>
+          <a:xfrm>
+            <a:off x="2031455" y="6430143"/>
+            <a:ext cx="1531188" cy="369332"/>
+          </a:xfrm>
+          <a:prstGeom prst="rect">
+            <a:avLst/>
+          </a:prstGeom>
+          <a:solidFill>
+            <a:schemeClr val="bg1"/>
+          </a:solidFill>
+          <a:ln>
+            <a:solidFill>
+              <a:schemeClr val="tx1"/>
+            </a:solidFill>
+          </a:ln>
+        </p:spPr>
+        <p:txBody>
+          <a:bodyPr wrap="none" rtlCol="0">
+            <a:spAutoFit/>
+          </a:bodyPr>
+          <a:lstStyle/>
+          <a:p>
+            <a:r>
+              <a:rPr lang="en-US">
+                <a:latin typeface="EB Garamond" panose="00000500000000000000" pitchFamily="2" charset="0"/>
+                <a:ea typeface="EB Garamond" panose="00000500000000000000" pitchFamily="2" charset="0"/>
+              </a:rPr>
+              <a:t>05 March 2025</a:t>
+            </a:r>
+          </a:p>
+        </p:txBody>
+      </p:sp>
+    </p:spTree>
+    <p:extLst>
+      <p:ext uri="{BB962C8B-B14F-4D97-AF65-F5344CB8AC3E}">
+        <p14:creationId xmlns:p14="http://schemas.microsoft.com/office/powerpoint/2010/main" val="707077890"/>
+      </p:ext>
+    </p:extLst>
+  </p:cSld>
+  <p:clrMapOvr>
+    <a:masterClrMapping/>
+  </p:clrMapOvr>
+</p:sld>
+</file>
+
+<file path=ppt/slides/slide4.xml><?xml version="1.0" encoding="utf-8"?>
+<p:sld xmlns:a="http://schemas.openxmlformats.org/drawingml/2006/main" xmlns:r="http://schemas.openxmlformats.org/officeDocument/2006/relationships" xmlns:p="http://schemas.openxmlformats.org/presentationml/2006/main">
+  <p:cSld>
+    <p:spTree>
+      <p:nvGrpSpPr>
+        <p:cNvPr id="1" name="">
+          <a:extLst>
+            <a:ext uri="{FF2B5EF4-FFF2-40B4-BE49-F238E27FC236}">
+              <a16:creationId xmlns:a16="http://schemas.microsoft.com/office/drawing/2014/main" id="{6C1A2A11-BA95-7942-8BBF-B9875F866B35}"/>
+            </a:ext>
+          </a:extLst>
+        </p:cNvPr>
+        <p:cNvGrpSpPr/>
+        <p:nvPr/>
+      </p:nvGrpSpPr>
+      <p:grpSpPr>
+        <a:xfrm>
+          <a:off x="0" y="0"/>
+          <a:ext cx="0" cy="0"/>
+          <a:chOff x="0" y="0"/>
+          <a:chExt cx="0" cy="0"/>
+        </a:xfrm>
+      </p:grpSpPr>
+      <p:sp>
+        <p:nvSpPr>
+          <p:cNvPr id="2" name="Title 1">
+            <a:extLst>
+              <a:ext uri="{FF2B5EF4-FFF2-40B4-BE49-F238E27FC236}">
+                <a16:creationId xmlns:a16="http://schemas.microsoft.com/office/drawing/2014/main" id="{26AB97F3-B25B-7732-50D3-D5BC05E4755B}"/>
+              </a:ext>
+            </a:extLst>
+          </p:cNvPr>
+          <p:cNvSpPr>
+            <a:spLocks noGrp="1"/>
+          </p:cNvSpPr>
+          <p:nvPr>
+            <p:ph type="title"/>
+          </p:nvPr>
+        </p:nvSpPr>
+        <p:spPr>
+          <a:xfrm>
+            <a:off x="0" y="0"/>
+            <a:ext cx="5825247" cy="734101"/>
+          </a:xfrm>
+        </p:spPr>
+        <p:txBody>
+          <a:bodyPr/>
+          <a:lstStyle/>
+          <a:p>
+            <a:r>
+              <a:rPr lang="en-US" b="1" u="sng">
+                <a:solidFill>
+                  <a:srgbClr val="FE5E61"/>
+                </a:solidFill>
+                <a:latin typeface="EB Garamond" panose="00000500000000000000" pitchFamily="2" charset="0"/>
+                <a:ea typeface="EB Garamond" panose="00000500000000000000" pitchFamily="2" charset="0"/>
+              </a:rPr>
+              <a:t>Problem Statement:</a:t>
+            </a:r>
+          </a:p>
+        </p:txBody>
+      </p:sp>
+      <p:sp>
+        <p:nvSpPr>
+          <p:cNvPr id="4" name="Rectangle 3">
+            <a:extLst>
+              <a:ext uri="{FF2B5EF4-FFF2-40B4-BE49-F238E27FC236}">
+                <a16:creationId xmlns:a16="http://schemas.microsoft.com/office/drawing/2014/main" id="{497BEF3E-7D9C-A561-B9AA-575F04C34225}"/>
+              </a:ext>
+            </a:extLst>
+          </p:cNvPr>
+          <p:cNvSpPr/>
+          <p:nvPr/>
+        </p:nvSpPr>
+        <p:spPr>
+          <a:xfrm>
+            <a:off x="0" y="6614809"/>
+            <a:ext cx="12192000" cy="243191"/>
+          </a:xfrm>
+          <a:prstGeom prst="rect">
+            <a:avLst/>
+          </a:prstGeom>
+          <a:solidFill>
+            <a:srgbClr val="FE5E61"/>
+          </a:solidFill>
+          <a:ln>
+            <a:noFill/>
+          </a:ln>
+        </p:spPr>
+        <p:style>
+          <a:lnRef idx="2">
+            <a:schemeClr val="accent1">
+              <a:shade val="15000"/>
+            </a:schemeClr>
+          </a:lnRef>
+          <a:fillRef idx="1">
+            <a:schemeClr val="accent1"/>
+          </a:fillRef>
+          <a:effectRef idx="0">
+            <a:schemeClr val="accent1"/>
+          </a:effectRef>
+          <a:fontRef idx="minor">
+            <a:schemeClr val="lt1"/>
+          </a:fontRef>
+        </p:style>
+        <p:txBody>
+          <a:bodyPr rtlCol="0" anchor="ctr"/>
+          <a:lstStyle/>
+          <a:p>
+            <a:pPr algn="ctr"/>
+            <a:endParaRPr lang="en-US"/>
+          </a:p>
+        </p:txBody>
+      </p:sp>
+      <p:sp>
+        <p:nvSpPr>
+          <p:cNvPr id="5" name="TextBox 4">
+            <a:extLst>
+              <a:ext uri="{FF2B5EF4-FFF2-40B4-BE49-F238E27FC236}">
+                <a16:creationId xmlns:a16="http://schemas.microsoft.com/office/drawing/2014/main" id="{C920D5B8-7C1D-B722-62AF-5B95BE6BF6E3}"/>
+              </a:ext>
+            </a:extLst>
+          </p:cNvPr>
+          <p:cNvSpPr txBox="1"/>
+          <p:nvPr/>
+        </p:nvSpPr>
+        <p:spPr>
+          <a:xfrm>
+            <a:off x="457556" y="1389041"/>
+            <a:ext cx="11314983" cy="584775"/>
+          </a:xfrm>
+          <a:prstGeom prst="rect">
+            <a:avLst/>
+          </a:prstGeom>
+          <a:noFill/>
+        </p:spPr>
+        <p:txBody>
+          <a:bodyPr wrap="square" lIns="91440" tIns="45720" rIns="91440" bIns="45720" rtlCol="0" anchor="t">
+            <a:spAutoFit/>
+          </a:bodyPr>
+          <a:lstStyle/>
+          <a:p>
+            <a:r>
+              <a:rPr lang="en-US" sz="3200">
+                <a:latin typeface="EB Garamond"/>
+                <a:ea typeface="EB Garamond"/>
+              </a:rPr>
+              <a:t>How does someone stand out in a competitive and evolving job market?</a:t>
+            </a:r>
+          </a:p>
+        </p:txBody>
+      </p:sp>
+      <p:sp>
+        <p:nvSpPr>
+          <p:cNvPr id="6" name="TextBox 5">
+            <a:extLst>
+              <a:ext uri="{FF2B5EF4-FFF2-40B4-BE49-F238E27FC236}">
+                <a16:creationId xmlns:a16="http://schemas.microsoft.com/office/drawing/2014/main" id="{97134B37-D2D7-B21E-3121-C2303DCA6FDB}"/>
+              </a:ext>
+            </a:extLst>
+          </p:cNvPr>
+          <p:cNvSpPr txBox="1"/>
+          <p:nvPr/>
+        </p:nvSpPr>
+        <p:spPr>
+          <a:xfrm>
+            <a:off x="5594098" y="6430143"/>
+            <a:ext cx="1582484" cy="369332"/>
+          </a:xfrm>
+          <a:prstGeom prst="rect">
+            <a:avLst/>
+          </a:prstGeom>
+          <a:solidFill>
+            <a:schemeClr val="bg1"/>
+          </a:solidFill>
+          <a:ln>
+            <a:solidFill>
+              <a:schemeClr val="tx1"/>
+            </a:solidFill>
+          </a:ln>
+        </p:spPr>
+        <p:txBody>
+          <a:bodyPr wrap="none" rtlCol="0">
+            <a:spAutoFit/>
+          </a:bodyPr>
+          <a:lstStyle/>
+          <a:p>
+            <a:r>
+              <a:rPr lang="en-US">
+                <a:latin typeface="EB Garamond" panose="00000500000000000000" pitchFamily="2" charset="0"/>
+                <a:ea typeface="EB Garamond" panose="00000500000000000000" pitchFamily="2" charset="0"/>
+              </a:rPr>
+              <a:t>George Morales</a:t>
+            </a:r>
+          </a:p>
+        </p:txBody>
+      </p:sp>
+      <p:sp>
+        <p:nvSpPr>
+          <p:cNvPr id="9" name="TextBox 8">
+            <a:extLst>
+              <a:ext uri="{FF2B5EF4-FFF2-40B4-BE49-F238E27FC236}">
+                <a16:creationId xmlns:a16="http://schemas.microsoft.com/office/drawing/2014/main" id="{8E2E807A-11E3-5148-79F5-DD12BAF265C3}"/>
+              </a:ext>
+            </a:extLst>
+          </p:cNvPr>
+          <p:cNvSpPr txBox="1"/>
+          <p:nvPr/>
+        </p:nvSpPr>
+        <p:spPr>
+          <a:xfrm>
+            <a:off x="1130955" y="2203694"/>
+            <a:ext cx="9979327" cy="2585323"/>
+          </a:xfrm>
+          <a:prstGeom prst="rect">
+            <a:avLst/>
+          </a:prstGeom>
+          <a:noFill/>
+        </p:spPr>
+        <p:txBody>
+          <a:bodyPr wrap="square" lIns="91440" tIns="45720" rIns="91440" bIns="45720" rtlCol="0" anchor="t">
+            <a:spAutoFit/>
+          </a:bodyPr>
+          <a:lstStyle/>
+          <a:p>
+            <a:pPr>
+              <a:lnSpc>
+                <a:spcPct val="150000"/>
+              </a:lnSpc>
+            </a:pPr>
+            <a:r>
+              <a:rPr lang="en-US" sz="2400" dirty="0">
+                <a:solidFill>
+                  <a:schemeClr val="bg2">
+                    <a:lumMod val="49000"/>
+                  </a:schemeClr>
+                </a:solidFill>
+                <a:latin typeface="EB Garamond"/>
+                <a:ea typeface="EB Garamond"/>
+              </a:rPr>
+              <a:t>Our answer: differentiation. A portfolio website dedicated to a job-seeker’s projects, CV, and other important information allow a job-seeker to stand out. A portfolio is a demonstrable product that allows for hiring-managers and others who may be interested, to quickly identify skills, interests, and experience.</a:t>
+            </a:r>
+            <a:endParaRPr lang="en-US" dirty="0">
+              <a:solidFill>
+                <a:schemeClr val="bg2">
+                  <a:lumMod val="49000"/>
+                </a:schemeClr>
+              </a:solidFill>
+              <a:latin typeface="EB Garamond"/>
+              <a:ea typeface="EB Garamond"/>
+            </a:endParaRPr>
+          </a:p>
+          <a:p>
+            <a:endParaRPr lang="en-US" dirty="0"/>
+          </a:p>
+        </p:txBody>
+      </p:sp>
+      <p:sp>
+        <p:nvSpPr>
+          <p:cNvPr id="3" name="TextBox 2">
+            <a:extLst>
+              <a:ext uri="{FF2B5EF4-FFF2-40B4-BE49-F238E27FC236}">
+                <a16:creationId xmlns:a16="http://schemas.microsoft.com/office/drawing/2014/main" id="{DE34B6D6-DD6D-A13E-2EC4-FCC2708130D3}"/>
+              </a:ext>
+            </a:extLst>
+          </p:cNvPr>
+          <p:cNvSpPr txBox="1"/>
+          <p:nvPr/>
+        </p:nvSpPr>
+        <p:spPr>
+          <a:xfrm>
+            <a:off x="2031455" y="6430143"/>
+            <a:ext cx="1531188" cy="369332"/>
+          </a:xfrm>
+          <a:prstGeom prst="rect">
+            <a:avLst/>
+          </a:prstGeom>
+          <a:solidFill>
+            <a:schemeClr val="bg1"/>
+          </a:solidFill>
+          <a:ln>
+            <a:solidFill>
+              <a:schemeClr val="tx1"/>
+            </a:solidFill>
+          </a:ln>
+        </p:spPr>
+        <p:txBody>
+          <a:bodyPr wrap="none" rtlCol="0">
+            <a:spAutoFit/>
+          </a:bodyPr>
+          <a:lstStyle/>
+          <a:p>
+            <a:r>
+              <a:rPr lang="en-US">
+                <a:latin typeface="EB Garamond" panose="00000500000000000000" pitchFamily="2" charset="0"/>
+                <a:ea typeface="EB Garamond" panose="00000500000000000000" pitchFamily="2" charset="0"/>
+              </a:rPr>
+              <a:t>05 March 2025</a:t>
+            </a:r>
+          </a:p>
+        </p:txBody>
+      </p:sp>
+    </p:spTree>
+    <p:extLst>
+      <p:ext uri="{BB962C8B-B14F-4D97-AF65-F5344CB8AC3E}">
+        <p14:creationId xmlns:p14="http://schemas.microsoft.com/office/powerpoint/2010/main" val="2469523408"/>
+      </p:ext>
+    </p:extLst>
+  </p:cSld>
+  <p:clrMapOvr>
+    <a:masterClrMapping/>
+  </p:clrMapOvr>
+</p:sld>
+</file>
+
+<file path=ppt/slides/slide5.xml><?xml version="1.0" encoding="utf-8"?>
+<p:sld xmlns:a="http://schemas.openxmlformats.org/drawingml/2006/main" xmlns:r="http://schemas.openxmlformats.org/officeDocument/2006/relationships" xmlns:p="http://schemas.openxmlformats.org/presentationml/2006/main">
+  <p:cSld>
+    <p:spTree>
+      <p:nvGrpSpPr>
+        <p:cNvPr id="1" name=""/>
+        <p:cNvGrpSpPr/>
+        <p:nvPr/>
+      </p:nvGrpSpPr>
+      <p:grpSpPr>
+        <a:xfrm>
+          <a:off x="0" y="0"/>
+          <a:ext cx="0" cy="0"/>
+          <a:chOff x="0" y="0"/>
+          <a:chExt cx="0" cy="0"/>
+        </a:xfrm>
+      </p:grpSpPr>
+      <p:sp>
+        <p:nvSpPr>
+          <p:cNvPr id="2" name="Title 1">
+            <a:extLst>
+              <a:ext uri="{FF2B5EF4-FFF2-40B4-BE49-F238E27FC236}">
+                <a16:creationId xmlns:a16="http://schemas.microsoft.com/office/drawing/2014/main" id="{E6419D91-3230-958F-8080-174B112D8CAF}"/>
+              </a:ext>
+            </a:extLst>
+          </p:cNvPr>
+          <p:cNvSpPr>
+            <a:spLocks noGrp="1"/>
+          </p:cNvSpPr>
+          <p:nvPr>
+            <p:ph type="title"/>
+          </p:nvPr>
+        </p:nvSpPr>
+        <p:spPr>
+          <a:xfrm>
+            <a:off x="-1" y="0"/>
+            <a:ext cx="6488349" cy="898358"/>
+          </a:xfrm>
+        </p:spPr>
+        <p:txBody>
+          <a:bodyPr>
+            <a:noAutofit/>
+          </a:bodyPr>
+          <a:lstStyle/>
+          <a:p>
+            <a:r>
+              <a:rPr lang="en-US" b="1" dirty="0">
+                <a:solidFill>
+                  <a:srgbClr val="FE5E61"/>
+                </a:solidFill>
+                <a:latin typeface="EB Garamond" panose="00000500000000000000" pitchFamily="2" charset="0"/>
+                <a:ea typeface="EB Garamond" panose="00000500000000000000" pitchFamily="2" charset="0"/>
+              </a:rPr>
+              <a:t>Architecture Diagram</a:t>
+            </a:r>
+          </a:p>
+        </p:txBody>
+      </p:sp>
+      <p:sp>
+        <p:nvSpPr>
+          <p:cNvPr id="3" name="Content Placeholder 2">
+            <a:extLst>
+              <a:ext uri="{FF2B5EF4-FFF2-40B4-BE49-F238E27FC236}">
+                <a16:creationId xmlns:a16="http://schemas.microsoft.com/office/drawing/2014/main" id="{36F69D32-976F-3D50-5F0B-01CF99CE469B}"/>
+              </a:ext>
+            </a:extLst>
+          </p:cNvPr>
+          <p:cNvSpPr>
+            <a:spLocks noGrp="1"/>
+          </p:cNvSpPr>
+          <p:nvPr>
+            <p:ph idx="1"/>
+          </p:nvPr>
+        </p:nvSpPr>
+        <p:spPr>
+          <a:xfrm>
+            <a:off x="8165228" y="1087688"/>
+            <a:ext cx="3549694" cy="4684713"/>
+          </a:xfrm>
+        </p:spPr>
+        <p:txBody>
+          <a:bodyPr vert="horz" lIns="91440" tIns="45720" rIns="91440" bIns="45720" rtlCol="0" anchor="t">
+            <a:normAutofit fontScale="92500" lnSpcReduction="20000"/>
+          </a:bodyPr>
+          <a:lstStyle/>
+          <a:p>
+            <a:pPr marL="571500" indent="-571500">
+              <a:lnSpc>
+                <a:spcPct val="150000"/>
+              </a:lnSpc>
+            </a:pPr>
+            <a:r>
+              <a:rPr lang="en-US" sz="3600" dirty="0">
+                <a:latin typeface="EB Garamond"/>
+                <a:ea typeface="EB Garamond"/>
+              </a:rPr>
+              <a:t>The architecture diagram for our project is fairly straightforward since GitHub Pages is a static site host.</a:t>
+            </a:r>
+          </a:p>
+        </p:txBody>
+      </p:sp>
+      <p:sp>
+        <p:nvSpPr>
+          <p:cNvPr id="4" name="Rectangle 3">
+            <a:extLst>
+              <a:ext uri="{FF2B5EF4-FFF2-40B4-BE49-F238E27FC236}">
+                <a16:creationId xmlns:a16="http://schemas.microsoft.com/office/drawing/2014/main" id="{FCAC9C3A-2990-8FD8-0F7F-B55377EDAF41}"/>
+              </a:ext>
+            </a:extLst>
+          </p:cNvPr>
+          <p:cNvSpPr/>
+          <p:nvPr/>
+        </p:nvSpPr>
+        <p:spPr>
+          <a:xfrm>
+            <a:off x="-1" y="6614809"/>
+            <a:ext cx="12192000" cy="243191"/>
+          </a:xfrm>
+          <a:prstGeom prst="rect">
+            <a:avLst/>
+          </a:prstGeom>
+          <a:solidFill>
+            <a:srgbClr val="FE5E61"/>
+          </a:solidFill>
+          <a:ln>
+            <a:noFill/>
+          </a:ln>
+        </p:spPr>
+        <p:style>
+          <a:lnRef idx="2">
+            <a:schemeClr val="accent1">
+              <a:shade val="15000"/>
+            </a:schemeClr>
+          </a:lnRef>
+          <a:fillRef idx="1">
+            <a:schemeClr val="accent1"/>
+          </a:fillRef>
+          <a:effectRef idx="0">
+            <a:schemeClr val="accent1"/>
+          </a:effectRef>
+          <a:fontRef idx="minor">
+            <a:schemeClr val="lt1"/>
+          </a:fontRef>
+        </p:style>
+        <p:txBody>
+          <a:bodyPr rtlCol="0" anchor="ctr"/>
+          <a:lstStyle/>
+          <a:p>
+            <a:pPr algn="ctr"/>
+            <a:endParaRPr lang="en-US"/>
+          </a:p>
+        </p:txBody>
+      </p:sp>
+      <p:sp>
+        <p:nvSpPr>
+          <p:cNvPr id="7" name="TextBox 6">
+            <a:extLst>
+              <a:ext uri="{FF2B5EF4-FFF2-40B4-BE49-F238E27FC236}">
+                <a16:creationId xmlns:a16="http://schemas.microsoft.com/office/drawing/2014/main" id="{2AAE6FC4-8150-2FA6-AE90-949EADC63CEF}"/>
+              </a:ext>
+            </a:extLst>
+          </p:cNvPr>
+          <p:cNvSpPr txBox="1"/>
+          <p:nvPr/>
+        </p:nvSpPr>
+        <p:spPr>
+          <a:xfrm>
+            <a:off x="5594098" y="6430143"/>
+            <a:ext cx="728084" cy="369332"/>
+          </a:xfrm>
+          <a:prstGeom prst="rect">
+            <a:avLst/>
+          </a:prstGeom>
+          <a:solidFill>
+            <a:schemeClr val="bg1"/>
+          </a:solidFill>
+          <a:ln>
+            <a:solidFill>
+              <a:schemeClr val="tx1"/>
+            </a:solidFill>
+          </a:ln>
+        </p:spPr>
+        <p:txBody>
+          <a:bodyPr wrap="none" rtlCol="0">
+            <a:spAutoFit/>
+          </a:bodyPr>
+          <a:lstStyle/>
+          <a:p>
+            <a:r>
+              <a:rPr lang="en-US" dirty="0">
+                <a:latin typeface="EB Garamond" panose="00000500000000000000" pitchFamily="2" charset="0"/>
+                <a:ea typeface="EB Garamond" panose="00000500000000000000" pitchFamily="2" charset="0"/>
+              </a:rPr>
+              <a:t>Name</a:t>
+            </a:r>
+          </a:p>
+        </p:txBody>
+      </p:sp>
+      <p:sp>
+        <p:nvSpPr>
+          <p:cNvPr id="5" name="TextBox 4">
+            <a:extLst>
+              <a:ext uri="{FF2B5EF4-FFF2-40B4-BE49-F238E27FC236}">
+                <a16:creationId xmlns:a16="http://schemas.microsoft.com/office/drawing/2014/main" id="{7A526C39-BF35-2D0B-107C-D0EEE8B2E277}"/>
+              </a:ext>
+            </a:extLst>
+          </p:cNvPr>
+          <p:cNvSpPr txBox="1"/>
+          <p:nvPr/>
+        </p:nvSpPr>
+        <p:spPr>
+          <a:xfrm>
+            <a:off x="2031455" y="6430143"/>
+            <a:ext cx="612668" cy="369332"/>
+          </a:xfrm>
+          <a:prstGeom prst="rect">
+            <a:avLst/>
+          </a:prstGeom>
+          <a:solidFill>
+            <a:schemeClr val="bg1"/>
+          </a:solidFill>
+          <a:ln>
+            <a:solidFill>
+              <a:schemeClr val="tx1"/>
+            </a:solidFill>
+          </a:ln>
+        </p:spPr>
+        <p:txBody>
+          <a:bodyPr wrap="none" rtlCol="0">
+            <a:spAutoFit/>
+          </a:bodyPr>
+          <a:lstStyle/>
+          <a:p>
+            <a:r>
+              <a:rPr lang="en-US" dirty="0">
+                <a:latin typeface="EB Garamond" panose="00000500000000000000" pitchFamily="2" charset="0"/>
+                <a:ea typeface="EB Garamond" panose="00000500000000000000" pitchFamily="2" charset="0"/>
+              </a:rPr>
+              <a:t>Date</a:t>
+            </a:r>
+          </a:p>
+        </p:txBody>
+      </p:sp>
+      <p:pic>
+        <p:nvPicPr>
+          <p:cNvPr id="8" name="Picture 7" descr="A diagram of a computer network&#10;&#10;AI-generated content may be incorrect.">
+            <a:extLst>
+              <a:ext uri="{FF2B5EF4-FFF2-40B4-BE49-F238E27FC236}">
+                <a16:creationId xmlns:a16="http://schemas.microsoft.com/office/drawing/2014/main" id="{BC154AC7-7226-2E79-A064-22E6C6936720}"/>
+              </a:ext>
+            </a:extLst>
+          </p:cNvPr>
+          <p:cNvPicPr>
+            <a:picLocks noChangeAspect="1"/>
+          </p:cNvPicPr>
+          <p:nvPr/>
+        </p:nvPicPr>
+        <p:blipFill>
+          <a:blip r:embed="rId2">
+            <a:extLst>
+              <a:ext uri="{28A0092B-C50C-407E-A947-70E740481C1C}">
+                <a14:useLocalDpi xmlns:a14="http://schemas.microsoft.com/office/drawing/2010/main" val="0"/>
+              </a:ext>
+            </a:extLst>
+          </a:blip>
+          <a:stretch>
+            <a:fillRect/>
+          </a:stretch>
+        </p:blipFill>
+        <p:spPr>
+          <a:xfrm>
+            <a:off x="305216" y="898358"/>
+            <a:ext cx="7860012" cy="5160009"/>
+          </a:xfrm>
+          <a:prstGeom prst="rect">
+            <a:avLst/>
+          </a:prstGeom>
+        </p:spPr>
+      </p:pic>
+    </p:spTree>
+    <p:extLst>
+      <p:ext uri="{BB962C8B-B14F-4D97-AF65-F5344CB8AC3E}">
+        <p14:creationId xmlns:p14="http://schemas.microsoft.com/office/powerpoint/2010/main" val="1751938663"/>
+      </p:ext>
+    </p:extLst>
+  </p:cSld>
+  <p:clrMapOvr>
+    <a:masterClrMapping/>
+  </p:clrMapOvr>
+</p:sld>
+</file>
+
+<file path=ppt/slides/slide6.xml><?xml version="1.0" encoding="utf-8"?>
+<p:sld xmlns:a="http://schemas.openxmlformats.org/drawingml/2006/main" xmlns:r="http://schemas.openxmlformats.org/officeDocument/2006/relationships" xmlns:p="http://schemas.openxmlformats.org/presentationml/2006/main">
+  <p:cSld>
+    <p:spTree>
+      <p:nvGrpSpPr>
+        <p:cNvPr id="1" name="">
+          <a:extLst>
+            <a:ext uri="{FF2B5EF4-FFF2-40B4-BE49-F238E27FC236}">
+              <a16:creationId xmlns:a16="http://schemas.microsoft.com/office/drawing/2014/main" id="{64848D39-F1F7-9FF0-1C4C-C32B281415F8}"/>
+            </a:ext>
+          </a:extLst>
+        </p:cNvPr>
+        <p:cNvGrpSpPr/>
+        <p:nvPr/>
+      </p:nvGrpSpPr>
+      <p:grpSpPr>
+        <a:xfrm>
+          <a:off x="0" y="0"/>
+          <a:ext cx="0" cy="0"/>
+          <a:chOff x="0" y="0"/>
+          <a:chExt cx="0" cy="0"/>
+        </a:xfrm>
+      </p:grpSpPr>
+      <p:sp>
+        <p:nvSpPr>
+          <p:cNvPr id="2" name="Title 1">
+            <a:extLst>
+              <a:ext uri="{FF2B5EF4-FFF2-40B4-BE49-F238E27FC236}">
+                <a16:creationId xmlns:a16="http://schemas.microsoft.com/office/drawing/2014/main" id="{CE1C61D3-49AA-178A-F651-D1E49C84C863}"/>
+              </a:ext>
+            </a:extLst>
+          </p:cNvPr>
+          <p:cNvSpPr>
+            <a:spLocks noGrp="1"/>
+          </p:cNvSpPr>
+          <p:nvPr>
+            <p:ph type="title"/>
+          </p:nvPr>
+        </p:nvSpPr>
+        <p:spPr>
+          <a:xfrm>
+            <a:off x="-1" y="0"/>
+            <a:ext cx="6488349" cy="898358"/>
+          </a:xfrm>
+        </p:spPr>
+        <p:txBody>
+          <a:bodyPr>
+            <a:noAutofit/>
+          </a:bodyPr>
+          <a:lstStyle/>
+          <a:p>
+            <a:r>
+              <a:rPr lang="en-US" b="1" dirty="0">
+                <a:solidFill>
+                  <a:srgbClr val="FE5E61"/>
+                </a:solidFill>
+                <a:latin typeface="EB Garamond" panose="00000500000000000000" pitchFamily="2" charset="0"/>
+                <a:ea typeface="EB Garamond" panose="00000500000000000000" pitchFamily="2" charset="0"/>
+              </a:rPr>
+              <a:t>Software Design Diagram</a:t>
+            </a:r>
+          </a:p>
+        </p:txBody>
+      </p:sp>
+      <p:sp>
+        <p:nvSpPr>
+          <p:cNvPr id="4" name="Rectangle 3">
+            <a:extLst>
+              <a:ext uri="{FF2B5EF4-FFF2-40B4-BE49-F238E27FC236}">
+                <a16:creationId xmlns:a16="http://schemas.microsoft.com/office/drawing/2014/main" id="{81FFC2DF-6E66-7B71-089B-B41BA3707BBC}"/>
+              </a:ext>
+            </a:extLst>
+          </p:cNvPr>
+          <p:cNvSpPr/>
+          <p:nvPr/>
+        </p:nvSpPr>
+        <p:spPr>
+          <a:xfrm>
+            <a:off x="-1" y="6614809"/>
+            <a:ext cx="12192000" cy="243191"/>
+          </a:xfrm>
+          <a:prstGeom prst="rect">
+            <a:avLst/>
+          </a:prstGeom>
+          <a:solidFill>
+            <a:srgbClr val="FE5E61"/>
+          </a:solidFill>
+          <a:ln>
+            <a:noFill/>
+          </a:ln>
+        </p:spPr>
+        <p:style>
+          <a:lnRef idx="2">
+            <a:schemeClr val="accent1">
+              <a:shade val="15000"/>
+            </a:schemeClr>
+          </a:lnRef>
+          <a:fillRef idx="1">
+            <a:schemeClr val="accent1"/>
+          </a:fillRef>
+          <a:effectRef idx="0">
+            <a:schemeClr val="accent1"/>
+          </a:effectRef>
+          <a:fontRef idx="minor">
+            <a:schemeClr val="lt1"/>
+          </a:fontRef>
+        </p:style>
+        <p:txBody>
+          <a:bodyPr rtlCol="0" anchor="ctr"/>
+          <a:lstStyle/>
+          <a:p>
+            <a:pPr algn="ctr"/>
+            <a:endParaRPr lang="en-US"/>
+          </a:p>
+        </p:txBody>
+      </p:sp>
+      <p:sp>
+        <p:nvSpPr>
+          <p:cNvPr id="7" name="TextBox 6">
+            <a:extLst>
+              <a:ext uri="{FF2B5EF4-FFF2-40B4-BE49-F238E27FC236}">
+                <a16:creationId xmlns:a16="http://schemas.microsoft.com/office/drawing/2014/main" id="{CBE8E69D-9867-FB50-3355-31953BA9D842}"/>
+              </a:ext>
+            </a:extLst>
+          </p:cNvPr>
+          <p:cNvSpPr txBox="1"/>
+          <p:nvPr/>
+        </p:nvSpPr>
+        <p:spPr>
+          <a:xfrm>
+            <a:off x="5594098" y="6430143"/>
+            <a:ext cx="728084" cy="369332"/>
+          </a:xfrm>
+          <a:prstGeom prst="rect">
+            <a:avLst/>
+          </a:prstGeom>
+          <a:solidFill>
+            <a:schemeClr val="bg1"/>
+          </a:solidFill>
+          <a:ln>
+            <a:solidFill>
+              <a:schemeClr val="tx1"/>
+            </a:solidFill>
+          </a:ln>
+        </p:spPr>
+        <p:txBody>
+          <a:bodyPr wrap="none" rtlCol="0">
+            <a:spAutoFit/>
+          </a:bodyPr>
+          <a:lstStyle/>
+          <a:p>
+            <a:r>
+              <a:rPr lang="en-US" dirty="0">
+                <a:latin typeface="EB Garamond" panose="00000500000000000000" pitchFamily="2" charset="0"/>
+                <a:ea typeface="EB Garamond" panose="00000500000000000000" pitchFamily="2" charset="0"/>
+              </a:rPr>
+              <a:t>Name</a:t>
+            </a:r>
+          </a:p>
+        </p:txBody>
+      </p:sp>
+      <p:sp>
+        <p:nvSpPr>
+          <p:cNvPr id="5" name="TextBox 4">
+            <a:extLst>
+              <a:ext uri="{FF2B5EF4-FFF2-40B4-BE49-F238E27FC236}">
+                <a16:creationId xmlns:a16="http://schemas.microsoft.com/office/drawing/2014/main" id="{0605E4FE-AB98-B162-FD11-2EA7787215FF}"/>
+              </a:ext>
+            </a:extLst>
+          </p:cNvPr>
+          <p:cNvSpPr txBox="1"/>
+          <p:nvPr/>
+        </p:nvSpPr>
+        <p:spPr>
+          <a:xfrm>
+            <a:off x="2031455" y="6430143"/>
+            <a:ext cx="612668" cy="369332"/>
+          </a:xfrm>
+          <a:prstGeom prst="rect">
+            <a:avLst/>
+          </a:prstGeom>
+          <a:solidFill>
+            <a:schemeClr val="bg1"/>
+          </a:solidFill>
+          <a:ln>
+            <a:solidFill>
+              <a:schemeClr val="tx1"/>
+            </a:solidFill>
+          </a:ln>
+        </p:spPr>
+        <p:txBody>
+          <a:bodyPr wrap="none" rtlCol="0">
+            <a:spAutoFit/>
+          </a:bodyPr>
+          <a:lstStyle/>
+          <a:p>
+            <a:r>
+              <a:rPr lang="en-US" dirty="0">
+                <a:latin typeface="EB Garamond" panose="00000500000000000000" pitchFamily="2" charset="0"/>
+                <a:ea typeface="EB Garamond" panose="00000500000000000000" pitchFamily="2" charset="0"/>
+              </a:rPr>
+              <a:t>Date</a:t>
+            </a:r>
+          </a:p>
+        </p:txBody>
+      </p:sp>
+      <p:pic>
+        <p:nvPicPr>
+          <p:cNvPr id="6" name="Picture 5" descr="A diagram of a company&#10;&#10;AI-generated content may be incorrect.">
+            <a:extLst>
+              <a:ext uri="{FF2B5EF4-FFF2-40B4-BE49-F238E27FC236}">
+                <a16:creationId xmlns:a16="http://schemas.microsoft.com/office/drawing/2014/main" id="{1AEF83E9-E76E-7046-DFCB-B623CF5C5860}"/>
+              </a:ext>
+            </a:extLst>
+          </p:cNvPr>
+          <p:cNvPicPr>
+            <a:picLocks noChangeAspect="1"/>
+          </p:cNvPicPr>
+          <p:nvPr/>
+        </p:nvPicPr>
+        <p:blipFill>
+          <a:blip r:embed="rId2">
+            <a:extLst>
+              <a:ext uri="{28A0092B-C50C-407E-A947-70E740481C1C}">
+                <a14:useLocalDpi xmlns:a14="http://schemas.microsoft.com/office/drawing/2010/main" val="0"/>
+              </a:ext>
+            </a:extLst>
+          </a:blip>
+          <a:stretch>
+            <a:fillRect/>
+          </a:stretch>
+        </p:blipFill>
+        <p:spPr>
+          <a:xfrm>
+            <a:off x="0" y="717176"/>
+            <a:ext cx="12192000" cy="5423647"/>
+          </a:xfrm>
+          <a:prstGeom prst="rect">
+            <a:avLst/>
+          </a:prstGeom>
+        </p:spPr>
+      </p:pic>
+    </p:spTree>
+    <p:extLst>
+      <p:ext uri="{BB962C8B-B14F-4D97-AF65-F5344CB8AC3E}">
+        <p14:creationId xmlns:p14="http://schemas.microsoft.com/office/powerpoint/2010/main" val="941188688"/>
+      </p:ext>
+    </p:extLst>
+  </p:cSld>
+  <p:clrMapOvr>
+    <a:masterClrMapping/>
+  </p:clrMapOvr>
+</p:sld>
+</file>
+
+<file path=ppt/slides/slide7.xml><?xml version="1.0" encoding="utf-8"?>
+<p:sld xmlns:a="http://schemas.openxmlformats.org/drawingml/2006/main" xmlns:r="http://schemas.openxmlformats.org/officeDocument/2006/relationships" xmlns:p="http://schemas.openxmlformats.org/presentationml/2006/main">
+  <p:cSld>
+    <p:spTree>
+      <p:nvGrpSpPr>
+        <p:cNvPr id="1" name="">
+          <a:extLst>
+            <a:ext uri="{FF2B5EF4-FFF2-40B4-BE49-F238E27FC236}">
+              <a16:creationId xmlns:a16="http://schemas.microsoft.com/office/drawing/2014/main" id="{A6555D00-72E3-9DC7-7DE0-014D8BDF23BC}"/>
+            </a:ext>
+          </a:extLst>
+        </p:cNvPr>
+        <p:cNvGrpSpPr/>
+        <p:nvPr/>
+      </p:nvGrpSpPr>
+      <p:grpSpPr>
+        <a:xfrm>
+          <a:off x="0" y="0"/>
+          <a:ext cx="0" cy="0"/>
+          <a:chOff x="0" y="0"/>
+          <a:chExt cx="0" cy="0"/>
+        </a:xfrm>
+      </p:grpSpPr>
+      <p:sp>
+        <p:nvSpPr>
+          <p:cNvPr id="2" name="Title 1">
+            <a:extLst>
+              <a:ext uri="{FF2B5EF4-FFF2-40B4-BE49-F238E27FC236}">
+                <a16:creationId xmlns:a16="http://schemas.microsoft.com/office/drawing/2014/main" id="{E595481B-8744-BD39-A329-47E7A0C197F6}"/>
+              </a:ext>
+            </a:extLst>
+          </p:cNvPr>
+          <p:cNvSpPr>
+            <a:spLocks noGrp="1"/>
+          </p:cNvSpPr>
+          <p:nvPr>
+            <p:ph type="title"/>
+          </p:nvPr>
+        </p:nvSpPr>
+        <p:spPr>
+          <a:xfrm>
+            <a:off x="-1" y="0"/>
+            <a:ext cx="6488349" cy="898358"/>
+          </a:xfrm>
+        </p:spPr>
+        <p:txBody>
+          <a:bodyPr>
+            <a:noAutofit/>
+          </a:bodyPr>
+          <a:lstStyle/>
+          <a:p>
+            <a:r>
+              <a:rPr lang="en-US" b="1" dirty="0">
+                <a:solidFill>
+                  <a:srgbClr val="FE5E61"/>
+                </a:solidFill>
+                <a:latin typeface="EB Garamond" panose="00000500000000000000" pitchFamily="2" charset="0"/>
+                <a:ea typeface="EB Garamond" panose="00000500000000000000" pitchFamily="2" charset="0"/>
+              </a:rPr>
+              <a:t>Perspective User Model</a:t>
+            </a:r>
+          </a:p>
+        </p:txBody>
+      </p:sp>
+      <p:pic>
+        <p:nvPicPr>
+          <p:cNvPr id="8" name="Content Placeholder 7">
+            <a:extLst>
+              <a:ext uri="{FF2B5EF4-FFF2-40B4-BE49-F238E27FC236}">
+                <a16:creationId xmlns:a16="http://schemas.microsoft.com/office/drawing/2014/main" id="{411E4507-E4C7-D28F-8A5A-5C28CFDE3B67}"/>
+              </a:ext>
+            </a:extLst>
+          </p:cNvPr>
+          <p:cNvPicPr>
+            <a:picLocks noGrp="1" noChangeAspect="1"/>
+          </p:cNvPicPr>
+          <p:nvPr>
+            <p:ph idx="1"/>
+          </p:nvPr>
+        </p:nvPicPr>
+        <p:blipFill>
+          <a:blip r:embed="rId2">
+            <a:extLst>
+              <a:ext uri="{28A0092B-C50C-407E-A947-70E740481C1C}">
+                <a14:useLocalDpi xmlns:a14="http://schemas.microsoft.com/office/drawing/2010/main" val="0"/>
+              </a:ext>
+            </a:extLst>
+          </a:blip>
+          <a:stretch>
+            <a:fillRect/>
+          </a:stretch>
+        </p:blipFill>
+        <p:spPr>
+          <a:xfrm>
+            <a:off x="6865738" y="263205"/>
+            <a:ext cx="5085630" cy="6159099"/>
+          </a:xfrm>
+        </p:spPr>
+      </p:pic>
+      <p:sp>
+        <p:nvSpPr>
+          <p:cNvPr id="4" name="Rectangle 3">
+            <a:extLst>
+              <a:ext uri="{FF2B5EF4-FFF2-40B4-BE49-F238E27FC236}">
+                <a16:creationId xmlns:a16="http://schemas.microsoft.com/office/drawing/2014/main" id="{A687422D-ABDF-8C34-D431-1C59C1A220A4}"/>
+              </a:ext>
+            </a:extLst>
+          </p:cNvPr>
+          <p:cNvSpPr/>
+          <p:nvPr/>
+        </p:nvSpPr>
+        <p:spPr>
+          <a:xfrm>
+            <a:off x="-1" y="6614809"/>
+            <a:ext cx="12192000" cy="243191"/>
+          </a:xfrm>
+          <a:prstGeom prst="rect">
+            <a:avLst/>
+          </a:prstGeom>
+          <a:solidFill>
+            <a:srgbClr val="FE5E61"/>
+          </a:solidFill>
+          <a:ln>
+            <a:noFill/>
+          </a:ln>
+        </p:spPr>
+        <p:style>
+          <a:lnRef idx="2">
+            <a:schemeClr val="accent1">
+              <a:shade val="15000"/>
+            </a:schemeClr>
+          </a:lnRef>
+          <a:fillRef idx="1">
+            <a:schemeClr val="accent1"/>
+          </a:fillRef>
+          <a:effectRef idx="0">
+            <a:schemeClr val="accent1"/>
+          </a:effectRef>
+          <a:fontRef idx="minor">
+            <a:schemeClr val="lt1"/>
+          </a:fontRef>
+        </p:style>
+        <p:txBody>
+          <a:bodyPr rtlCol="0" anchor="ctr"/>
+          <a:lstStyle/>
+          <a:p>
+            <a:pPr algn="ctr"/>
+            <a:endParaRPr lang="en-US"/>
+          </a:p>
+        </p:txBody>
+      </p:sp>
+      <p:sp>
+        <p:nvSpPr>
+          <p:cNvPr id="7" name="TextBox 6">
+            <a:extLst>
+              <a:ext uri="{FF2B5EF4-FFF2-40B4-BE49-F238E27FC236}">
+                <a16:creationId xmlns:a16="http://schemas.microsoft.com/office/drawing/2014/main" id="{2F6CD4E8-5D91-7D7B-1661-36F3221BD05B}"/>
+              </a:ext>
+            </a:extLst>
+          </p:cNvPr>
+          <p:cNvSpPr txBox="1"/>
+          <p:nvPr/>
+        </p:nvSpPr>
+        <p:spPr>
+          <a:xfrm>
+            <a:off x="5594098" y="6430143"/>
+            <a:ext cx="728084" cy="369332"/>
+          </a:xfrm>
+          <a:prstGeom prst="rect">
+            <a:avLst/>
+          </a:prstGeom>
+          <a:solidFill>
+            <a:schemeClr val="bg1"/>
+          </a:solidFill>
+          <a:ln>
+            <a:solidFill>
+              <a:schemeClr val="tx1"/>
+            </a:solidFill>
+          </a:ln>
+        </p:spPr>
+        <p:txBody>
+          <a:bodyPr wrap="none" rtlCol="0">
+            <a:spAutoFit/>
+          </a:bodyPr>
+          <a:lstStyle/>
+          <a:p>
+            <a:r>
+              <a:rPr lang="en-US" dirty="0">
+                <a:latin typeface="EB Garamond" panose="00000500000000000000" pitchFamily="2" charset="0"/>
+                <a:ea typeface="EB Garamond" panose="00000500000000000000" pitchFamily="2" charset="0"/>
+              </a:rPr>
+              <a:t>Name</a:t>
+            </a:r>
+          </a:p>
+        </p:txBody>
+      </p:sp>
+      <p:sp>
+        <p:nvSpPr>
+          <p:cNvPr id="5" name="TextBox 4">
+            <a:extLst>
+              <a:ext uri="{FF2B5EF4-FFF2-40B4-BE49-F238E27FC236}">
+                <a16:creationId xmlns:a16="http://schemas.microsoft.com/office/drawing/2014/main" id="{5756D482-838D-2BED-112E-1DC762D59177}"/>
+              </a:ext>
+            </a:extLst>
+          </p:cNvPr>
+          <p:cNvSpPr txBox="1"/>
+          <p:nvPr/>
+        </p:nvSpPr>
+        <p:spPr>
+          <a:xfrm>
+            <a:off x="2031455" y="6430143"/>
+            <a:ext cx="612668" cy="369332"/>
+          </a:xfrm>
+          <a:prstGeom prst="rect">
+            <a:avLst/>
+          </a:prstGeom>
+          <a:solidFill>
+            <a:schemeClr val="bg1"/>
+          </a:solidFill>
+          <a:ln>
+            <a:solidFill>
+              <a:schemeClr val="tx1"/>
+            </a:solidFill>
+          </a:ln>
+        </p:spPr>
+        <p:txBody>
+          <a:bodyPr wrap="none" rtlCol="0">
+            <a:spAutoFit/>
+          </a:bodyPr>
+          <a:lstStyle/>
+          <a:p>
+            <a:r>
+              <a:rPr lang="en-US" dirty="0">
+                <a:latin typeface="EB Garamond" panose="00000500000000000000" pitchFamily="2" charset="0"/>
+                <a:ea typeface="EB Garamond" panose="00000500000000000000" pitchFamily="2" charset="0"/>
+              </a:rPr>
+              <a:t>Date</a:t>
+            </a:r>
+          </a:p>
+        </p:txBody>
+      </p:sp>
+      <p:pic>
+        <p:nvPicPr>
+          <p:cNvPr id="9" name="Camera 8">
+            <a:extLst>
+              <a:ext uri="{FF2B5EF4-FFF2-40B4-BE49-F238E27FC236}">
+                <a16:creationId xmlns:a16="http://schemas.microsoft.com/office/drawing/2014/main" id="{83E6A064-8466-BDC5-C196-8BCEE0FDECBF}"/>
+              </a:ext>
+            </a:extLst>
+          </p:cNvPr>
+          <p:cNvPicPr>
+            <a:picLocks noChangeAspect="1"/>
+            <a:extLst>
+              <a:ext uri="{51228E76-BA90-4043-B771-695A4F85340A}">
+                <alf:liveFeedProps xmlns:alf="http://schemas.microsoft.com/office/drawing/2021/livefeed"/>
+              </a:ext>
+            </a:extLst>
+          </p:cNvPicPr>
+          <p:nvPr/>
+        </p:nvPicPr>
+        <p:blipFill>
+          <a:blip r:embed="rId3">
+            <a:extLst>
+              <a:ext uri="{96DAC541-7B7A-43D3-8B79-37D633B846F1}">
+                <asvg:svgBlip xmlns:asvg="http://schemas.microsoft.com/office/drawing/2016/SVG/main" r:embed="rId4"/>
+              </a:ext>
+            </a:extLst>
+          </a:blip>
+          <a:stretch>
+            <a:fillRect/>
+          </a:stretch>
+        </p:blipFill>
+        <p:spPr>
+          <a:xfrm>
+            <a:off x="10052304" y="4718304"/>
+            <a:ext cx="2057400" cy="2057400"/>
+          </a:xfrm>
+          <a:prstGeom prst="ellipse">
+            <a:avLst/>
+          </a:prstGeom>
+        </p:spPr>
+      </p:pic>
+      <p:sp>
+        <p:nvSpPr>
+          <p:cNvPr id="10" name="TextBox 9">
+            <a:extLst>
+              <a:ext uri="{FF2B5EF4-FFF2-40B4-BE49-F238E27FC236}">
+                <a16:creationId xmlns:a16="http://schemas.microsoft.com/office/drawing/2014/main" id="{7B77DDCB-2DB3-66CE-A4E8-8CFEA837B177}"/>
+              </a:ext>
+            </a:extLst>
+          </p:cNvPr>
+          <p:cNvSpPr txBox="1"/>
+          <p:nvPr/>
+        </p:nvSpPr>
+        <p:spPr>
+          <a:xfrm>
+            <a:off x="446355" y="898358"/>
+            <a:ext cx="5889045" cy="5199821"/>
+          </a:xfrm>
+          <a:prstGeom prst="rect">
+            <a:avLst/>
+          </a:prstGeom>
+          <a:noFill/>
+        </p:spPr>
+        <p:txBody>
+          <a:bodyPr wrap="square" rtlCol="0">
+            <a:spAutoFit/>
+          </a:bodyPr>
+          <a:lstStyle/>
+          <a:p>
+            <a:pPr marL="457200" indent="-457200">
+              <a:lnSpc>
+                <a:spcPct val="150000"/>
+              </a:lnSpc>
+              <a:buFont typeface="Arial" panose="020B0604020202020204" pitchFamily="34" charset="0"/>
+              <a:buChar char="•"/>
+            </a:pPr>
+            <a:r>
+              <a:rPr lang="en-US" sz="2800" dirty="0">
+                <a:latin typeface="EB Garamond" panose="00000500000000000000" pitchFamily="2" charset="0"/>
+                <a:ea typeface="EB Garamond" panose="00000500000000000000" pitchFamily="2" charset="0"/>
+              </a:rPr>
+              <a:t>User’s access internet from personal device and can then access GitHub’s webhosting service.</a:t>
+            </a:r>
+          </a:p>
+          <a:p>
+            <a:pPr marL="457200" indent="-457200">
+              <a:lnSpc>
+                <a:spcPct val="150000"/>
+              </a:lnSpc>
+              <a:buFont typeface="Arial" panose="020B0604020202020204" pitchFamily="34" charset="0"/>
+              <a:buChar char="•"/>
+            </a:pPr>
+            <a:r>
+              <a:rPr lang="en-US" sz="2800" dirty="0">
+                <a:latin typeface="EB Garamond" panose="00000500000000000000" pitchFamily="2" charset="0"/>
+                <a:ea typeface="EB Garamond" panose="00000500000000000000" pitchFamily="2" charset="0"/>
+              </a:rPr>
+              <a:t>User interacts with a host of static pages, one of which redirects to a third party (for the contact me page) and then returns to the static pages hosted by GitHub</a:t>
+            </a:r>
+          </a:p>
+        </p:txBody>
+      </p:sp>
+    </p:spTree>
+    <p:extLst>
+      <p:ext uri="{BB962C8B-B14F-4D97-AF65-F5344CB8AC3E}">
+        <p14:creationId xmlns:p14="http://schemas.microsoft.com/office/powerpoint/2010/main" val="2394795041"/>
+      </p:ext>
+    </p:extLst>
+  </p:cSld>
+  <p:clrMapOvr>
+    <a:masterClrMapping/>
+  </p:clrMapOvr>
+</p:sld>
+</file>
+
+<file path=ppt/slides/slide8.xml><?xml version="1.0" encoding="utf-8"?>
+<p:sld xmlns:a="http://schemas.openxmlformats.org/drawingml/2006/main" xmlns:r="http://schemas.openxmlformats.org/officeDocument/2006/relationships" xmlns:p="http://schemas.openxmlformats.org/presentationml/2006/main">
+  <p:cSld>
+    <p:spTree>
+      <p:nvGrpSpPr>
+        <p:cNvPr id="1" name="">
+          <a:extLst>
+            <a:ext uri="{FF2B5EF4-FFF2-40B4-BE49-F238E27FC236}">
+              <a16:creationId xmlns:a16="http://schemas.microsoft.com/office/drawing/2014/main" id="{6BEA85D4-EECB-1437-2910-0C5EF0059E21}"/>
+            </a:ext>
+          </a:extLst>
+        </p:cNvPr>
+        <p:cNvGrpSpPr/>
+        <p:nvPr/>
+      </p:nvGrpSpPr>
+      <p:grpSpPr>
+        <a:xfrm>
+          <a:off x="0" y="0"/>
+          <a:ext cx="0" cy="0"/>
+          <a:chOff x="0" y="0"/>
+          <a:chExt cx="0" cy="0"/>
+        </a:xfrm>
+      </p:grpSpPr>
+      <p:sp>
+        <p:nvSpPr>
+          <p:cNvPr id="2" name="Title 1">
+            <a:extLst>
+              <a:ext uri="{FF2B5EF4-FFF2-40B4-BE49-F238E27FC236}">
+                <a16:creationId xmlns:a16="http://schemas.microsoft.com/office/drawing/2014/main" id="{53778690-60F9-3BC4-ACED-35BB7052E159}"/>
+              </a:ext>
+            </a:extLst>
+          </p:cNvPr>
+          <p:cNvSpPr>
+            <a:spLocks noGrp="1"/>
+          </p:cNvSpPr>
+          <p:nvPr>
+            <p:ph type="title"/>
+          </p:nvPr>
+        </p:nvSpPr>
+        <p:spPr>
+          <a:xfrm>
+            <a:off x="-1" y="0"/>
+            <a:ext cx="7090612" cy="898358"/>
+          </a:xfrm>
+        </p:spPr>
+        <p:txBody>
+          <a:bodyPr>
+            <a:noAutofit/>
+          </a:bodyPr>
+          <a:lstStyle/>
+          <a:p>
+            <a:r>
+              <a:rPr lang="en-US" b="1" dirty="0">
+                <a:solidFill>
+                  <a:srgbClr val="FE5E61"/>
+                </a:solidFill>
+                <a:latin typeface="EB Garamond" panose="00000500000000000000" pitchFamily="2" charset="0"/>
+                <a:ea typeface="EB Garamond" panose="00000500000000000000" pitchFamily="2" charset="0"/>
+              </a:rPr>
+              <a:t>Configuration Management</a:t>
+            </a:r>
+          </a:p>
+        </p:txBody>
+      </p:sp>
+      <p:sp>
+        <p:nvSpPr>
+          <p:cNvPr id="3" name="Content Placeholder 2">
+            <a:extLst>
+              <a:ext uri="{FF2B5EF4-FFF2-40B4-BE49-F238E27FC236}">
+                <a16:creationId xmlns:a16="http://schemas.microsoft.com/office/drawing/2014/main" id="{CDEC6139-2386-11D5-18E0-052415D9CEDE}"/>
+              </a:ext>
+            </a:extLst>
+          </p:cNvPr>
+          <p:cNvSpPr>
+            <a:spLocks noGrp="1"/>
+          </p:cNvSpPr>
+          <p:nvPr>
+            <p:ph idx="1"/>
+          </p:nvPr>
+        </p:nvSpPr>
+        <p:spPr>
+          <a:xfrm>
+            <a:off x="676275" y="1087688"/>
+            <a:ext cx="10696575" cy="4684713"/>
+          </a:xfrm>
+        </p:spPr>
+        <p:txBody>
+          <a:bodyPr vert="horz" lIns="91440" tIns="45720" rIns="91440" bIns="45720" rtlCol="0" anchor="t">
+            <a:normAutofit/>
+          </a:bodyPr>
+          <a:lstStyle/>
+          <a:p>
+            <a:pPr algn="l" rtl="0" fontAlgn="base">
+              <a:lnSpc>
+                <a:spcPts val="3450"/>
+              </a:lnSpc>
+              <a:buFont typeface="Arial" panose="020B0604020202020204" pitchFamily="34" charset="0"/>
+              <a:buChar char="•"/>
+            </a:pPr>
+            <a:r>
+              <a:rPr lang="en-US" b="1" i="0" u="none" strike="noStrike" dirty="0">
+                <a:solidFill>
+                  <a:srgbClr val="000000"/>
+                </a:solidFill>
+                <a:effectLst/>
+                <a:latin typeface="EB Garamond" panose="00000500000000000000" pitchFamily="2" charset="0"/>
+              </a:rPr>
+              <a:t>Version Control</a:t>
+            </a:r>
+            <a:r>
+              <a:rPr lang="en-US" b="0" i="0" u="none" strike="noStrike" dirty="0">
+                <a:solidFill>
+                  <a:srgbClr val="000000"/>
+                </a:solidFill>
+                <a:effectLst/>
+                <a:latin typeface="EB Garamond" panose="00000500000000000000" pitchFamily="2" charset="0"/>
+              </a:rPr>
+              <a:t>: GitHub</a:t>
+            </a:r>
+            <a:r>
+              <a:rPr lang="en-US" b="0" i="0" dirty="0">
+                <a:solidFill>
+                  <a:srgbClr val="000000"/>
+                </a:solidFill>
+                <a:effectLst/>
+                <a:latin typeface="EB Garamond" panose="00000500000000000000" pitchFamily="2" charset="0"/>
+              </a:rPr>
+              <a:t>​</a:t>
+            </a:r>
+            <a:endParaRPr lang="en-US" b="0" i="0" dirty="0">
+              <a:solidFill>
+                <a:srgbClr val="000000"/>
+              </a:solidFill>
+              <a:effectLst/>
+              <a:latin typeface="Arial" panose="020B0604020202020204" pitchFamily="34" charset="0"/>
+            </a:endParaRPr>
+          </a:p>
+          <a:p>
+            <a:pPr algn="l" rtl="0" fontAlgn="base">
+              <a:lnSpc>
+                <a:spcPts val="3450"/>
+              </a:lnSpc>
+              <a:buFont typeface="Arial" panose="020B0604020202020204" pitchFamily="34" charset="0"/>
+              <a:buChar char="•"/>
+            </a:pPr>
+            <a:r>
+              <a:rPr lang="en-US" b="1" i="0" u="none" strike="noStrike" dirty="0">
+                <a:solidFill>
+                  <a:srgbClr val="000000"/>
+                </a:solidFill>
+                <a:effectLst/>
+                <a:latin typeface="EB Garamond" panose="00000500000000000000" pitchFamily="2" charset="0"/>
+              </a:rPr>
+              <a:t>Dependencies</a:t>
+            </a:r>
+            <a:r>
+              <a:rPr lang="en-US" b="0" i="0" u="none" strike="noStrike" dirty="0">
+                <a:solidFill>
+                  <a:srgbClr val="000000"/>
+                </a:solidFill>
+                <a:effectLst/>
+                <a:latin typeface="EB Garamond" panose="00000500000000000000" pitchFamily="2" charset="0"/>
+              </a:rPr>
+              <a:t>: Front-End Libraries/Frameworks, GitHub Pages (static pages only)</a:t>
+            </a:r>
+            <a:r>
+              <a:rPr lang="en-US" b="0" i="0" dirty="0">
+                <a:solidFill>
+                  <a:srgbClr val="000000"/>
+                </a:solidFill>
+                <a:effectLst/>
+                <a:latin typeface="EB Garamond" panose="00000500000000000000" pitchFamily="2" charset="0"/>
+              </a:rPr>
+              <a:t>​</a:t>
+            </a:r>
+            <a:endParaRPr lang="en-US" b="0" i="0" dirty="0">
+              <a:solidFill>
+                <a:srgbClr val="000000"/>
+              </a:solidFill>
+              <a:effectLst/>
+              <a:latin typeface="Arial" panose="020B0604020202020204" pitchFamily="34" charset="0"/>
+            </a:endParaRPr>
+          </a:p>
+          <a:p>
+            <a:pPr algn="l" rtl="0" fontAlgn="base">
+              <a:lnSpc>
+                <a:spcPts val="3450"/>
+              </a:lnSpc>
+              <a:buFont typeface="Arial" panose="020B0604020202020204" pitchFamily="34" charset="0"/>
+              <a:buChar char="•"/>
+            </a:pPr>
+            <a:r>
+              <a:rPr lang="en-US" b="1" i="0" u="none" strike="noStrike" dirty="0">
+                <a:solidFill>
+                  <a:srgbClr val="000000"/>
+                </a:solidFill>
+                <a:effectLst/>
+                <a:latin typeface="EB Garamond" panose="00000500000000000000" pitchFamily="2" charset="0"/>
+              </a:rPr>
+              <a:t>Testing</a:t>
+            </a:r>
+            <a:r>
+              <a:rPr lang="en-US" b="0" i="0" u="none" strike="noStrike" dirty="0">
+                <a:solidFill>
+                  <a:srgbClr val="000000"/>
+                </a:solidFill>
+                <a:effectLst/>
+                <a:latin typeface="EB Garamond" panose="00000500000000000000" pitchFamily="2" charset="0"/>
+              </a:rPr>
+              <a:t>: Manual Testing</a:t>
+            </a:r>
+            <a:r>
+              <a:rPr lang="en-US" b="0" i="0" dirty="0">
+                <a:solidFill>
+                  <a:srgbClr val="000000"/>
+                </a:solidFill>
+                <a:effectLst/>
+                <a:latin typeface="EB Garamond" panose="00000500000000000000" pitchFamily="2" charset="0"/>
+              </a:rPr>
+              <a:t>​</a:t>
+            </a:r>
+            <a:endParaRPr lang="en-US" b="0" i="0" dirty="0">
+              <a:solidFill>
+                <a:srgbClr val="000000"/>
+              </a:solidFill>
+              <a:effectLst/>
+              <a:latin typeface="Arial" panose="020B0604020202020204" pitchFamily="34" charset="0"/>
+            </a:endParaRPr>
+          </a:p>
+          <a:p>
+            <a:pPr algn="l" rtl="0" fontAlgn="base">
+              <a:lnSpc>
+                <a:spcPts val="3450"/>
+              </a:lnSpc>
+              <a:buFont typeface="Arial" panose="020B0604020202020204" pitchFamily="34" charset="0"/>
+              <a:buChar char="•"/>
+            </a:pPr>
+            <a:r>
+              <a:rPr lang="en-US" b="1" i="0" u="none" strike="noStrike" dirty="0">
+                <a:solidFill>
+                  <a:srgbClr val="000000"/>
+                </a:solidFill>
+                <a:effectLst/>
+                <a:latin typeface="EB Garamond" panose="00000500000000000000" pitchFamily="2" charset="0"/>
+              </a:rPr>
+              <a:t>Deployment</a:t>
+            </a:r>
+            <a:r>
+              <a:rPr lang="en-US" b="0" i="0" u="none" strike="noStrike" dirty="0">
+                <a:solidFill>
+                  <a:srgbClr val="000000"/>
+                </a:solidFill>
+                <a:effectLst/>
+                <a:latin typeface="EB Garamond" panose="00000500000000000000" pitchFamily="2" charset="0"/>
+              </a:rPr>
+              <a:t>: GitHub Pages, DNS Provider, Thid Part</a:t>
+            </a:r>
+            <a:r>
+              <a:rPr lang="en-US" dirty="0">
+                <a:solidFill>
+                  <a:srgbClr val="000000"/>
+                </a:solidFill>
+                <a:latin typeface="EB Garamond" panose="00000500000000000000" pitchFamily="2" charset="0"/>
+              </a:rPr>
+              <a:t>y Form Service. </a:t>
+            </a:r>
+          </a:p>
+          <a:p>
+            <a:pPr algn="l" rtl="0" fontAlgn="base">
+              <a:lnSpc>
+                <a:spcPts val="3450"/>
+              </a:lnSpc>
+              <a:buFont typeface="Arial" panose="020B0604020202020204" pitchFamily="34" charset="0"/>
+              <a:buChar char="•"/>
+            </a:pPr>
+            <a:r>
+              <a:rPr lang="en-US" b="1" i="0" u="none" strike="noStrike" dirty="0">
+                <a:solidFill>
+                  <a:srgbClr val="000000"/>
+                </a:solidFill>
+                <a:effectLst/>
+                <a:latin typeface="EB Garamond" panose="00000500000000000000" pitchFamily="2" charset="0"/>
+              </a:rPr>
+              <a:t>Documentation</a:t>
+            </a:r>
+            <a:r>
+              <a:rPr lang="en-US" b="0" i="0" u="none" strike="noStrike" dirty="0">
+                <a:solidFill>
+                  <a:srgbClr val="000000"/>
+                </a:solidFill>
+                <a:effectLst/>
+                <a:latin typeface="EB Garamond" panose="00000500000000000000" pitchFamily="2" charset="0"/>
+              </a:rPr>
+              <a:t>: README.md, Code Comments, Project Wiki (GitHub)</a:t>
+            </a:r>
+            <a:r>
+              <a:rPr lang="en-US" b="0" i="0" dirty="0">
+                <a:solidFill>
+                  <a:srgbClr val="000000"/>
+                </a:solidFill>
+                <a:effectLst/>
+                <a:latin typeface="EB Garamond" panose="00000500000000000000" pitchFamily="2" charset="0"/>
+              </a:rPr>
+              <a:t>​</a:t>
+            </a:r>
+            <a:endParaRPr lang="en-US" b="0" i="0" dirty="0">
+              <a:solidFill>
+                <a:srgbClr val="000000"/>
+              </a:solidFill>
+              <a:effectLst/>
+              <a:latin typeface="Arial" panose="020B0604020202020204" pitchFamily="34" charset="0"/>
+            </a:endParaRPr>
+          </a:p>
+          <a:p>
+            <a:pPr algn="l" rtl="0" fontAlgn="base">
+              <a:lnSpc>
+                <a:spcPts val="3450"/>
+              </a:lnSpc>
+              <a:buFont typeface="Arial" panose="020B0604020202020204" pitchFamily="34" charset="0"/>
+              <a:buChar char="•"/>
+            </a:pPr>
+            <a:r>
+              <a:rPr lang="en-US" b="1" i="0" u="none" strike="noStrike" dirty="0">
+                <a:solidFill>
+                  <a:srgbClr val="000000"/>
+                </a:solidFill>
+                <a:effectLst/>
+                <a:latin typeface="EB Garamond" panose="00000500000000000000" pitchFamily="2" charset="0"/>
+              </a:rPr>
+              <a:t>Licensing</a:t>
+            </a:r>
+            <a:r>
+              <a:rPr lang="en-US" b="0" i="0" u="none" strike="noStrike" dirty="0">
+                <a:solidFill>
+                  <a:srgbClr val="000000"/>
+                </a:solidFill>
+                <a:effectLst/>
+                <a:latin typeface="EB Garamond" panose="00000500000000000000" pitchFamily="2" charset="0"/>
+              </a:rPr>
+              <a:t>: MIT License</a:t>
+            </a:r>
+            <a:endParaRPr lang="en-US" b="0" i="0" dirty="0">
+              <a:solidFill>
+                <a:srgbClr val="000000"/>
+              </a:solidFill>
+              <a:effectLst/>
+              <a:latin typeface="Arial" panose="020B0604020202020204" pitchFamily="34" charset="0"/>
+            </a:endParaRPr>
+          </a:p>
+        </p:txBody>
+      </p:sp>
+      <p:sp>
+        <p:nvSpPr>
+          <p:cNvPr id="4" name="Rectangle 3">
+            <a:extLst>
+              <a:ext uri="{FF2B5EF4-FFF2-40B4-BE49-F238E27FC236}">
+                <a16:creationId xmlns:a16="http://schemas.microsoft.com/office/drawing/2014/main" id="{61DB66AB-CDF3-CBD1-3BA4-437414AFE91B}"/>
+              </a:ext>
+            </a:extLst>
+          </p:cNvPr>
+          <p:cNvSpPr/>
+          <p:nvPr/>
+        </p:nvSpPr>
+        <p:spPr>
+          <a:xfrm>
+            <a:off x="-1" y="6614809"/>
+            <a:ext cx="12192000" cy="243191"/>
+          </a:xfrm>
+          <a:prstGeom prst="rect">
+            <a:avLst/>
+          </a:prstGeom>
+          <a:solidFill>
+            <a:srgbClr val="FE5E61"/>
+          </a:solidFill>
+          <a:ln>
+            <a:noFill/>
+          </a:ln>
+        </p:spPr>
+        <p:style>
+          <a:lnRef idx="2">
+            <a:schemeClr val="accent1">
+              <a:shade val="15000"/>
+            </a:schemeClr>
+          </a:lnRef>
+          <a:fillRef idx="1">
+            <a:schemeClr val="accent1"/>
+          </a:fillRef>
+          <a:effectRef idx="0">
+            <a:schemeClr val="accent1"/>
+          </a:effectRef>
+          <a:fontRef idx="minor">
+            <a:schemeClr val="lt1"/>
+          </a:fontRef>
+        </p:style>
+        <p:txBody>
+          <a:bodyPr rtlCol="0" anchor="ctr"/>
+          <a:lstStyle/>
+          <a:p>
+            <a:pPr algn="ctr"/>
+            <a:endParaRPr lang="en-US"/>
+          </a:p>
+        </p:txBody>
+      </p:sp>
+      <p:sp>
+        <p:nvSpPr>
+          <p:cNvPr id="7" name="TextBox 6">
+            <a:extLst>
+              <a:ext uri="{FF2B5EF4-FFF2-40B4-BE49-F238E27FC236}">
+                <a16:creationId xmlns:a16="http://schemas.microsoft.com/office/drawing/2014/main" id="{C874703E-32CE-2F50-A0AC-0FA515FD6CF1}"/>
+              </a:ext>
+            </a:extLst>
+          </p:cNvPr>
+          <p:cNvSpPr txBox="1"/>
+          <p:nvPr/>
+        </p:nvSpPr>
+        <p:spPr>
+          <a:xfrm>
+            <a:off x="5594098" y="6430143"/>
+            <a:ext cx="728084" cy="369332"/>
+          </a:xfrm>
+          <a:prstGeom prst="rect">
+            <a:avLst/>
+          </a:prstGeom>
+          <a:solidFill>
+            <a:schemeClr val="bg1"/>
+          </a:solidFill>
+          <a:ln>
+            <a:solidFill>
+              <a:schemeClr val="tx1"/>
+            </a:solidFill>
+          </a:ln>
+        </p:spPr>
+        <p:txBody>
+          <a:bodyPr wrap="none" rtlCol="0">
+            <a:spAutoFit/>
+          </a:bodyPr>
+          <a:lstStyle/>
+          <a:p>
+            <a:r>
+              <a:rPr lang="en-US" dirty="0">
+                <a:latin typeface="EB Garamond" panose="00000500000000000000" pitchFamily="2" charset="0"/>
+                <a:ea typeface="EB Garamond" panose="00000500000000000000" pitchFamily="2" charset="0"/>
+              </a:rPr>
+              <a:t>Name</a:t>
+            </a:r>
+          </a:p>
+        </p:txBody>
+      </p:sp>
+      <p:sp>
+        <p:nvSpPr>
+          <p:cNvPr id="5" name="TextBox 4">
+            <a:extLst>
+              <a:ext uri="{FF2B5EF4-FFF2-40B4-BE49-F238E27FC236}">
+                <a16:creationId xmlns:a16="http://schemas.microsoft.com/office/drawing/2014/main" id="{4D047CF3-C41D-7D15-6BA5-F46A71EB6B84}"/>
+              </a:ext>
+            </a:extLst>
+          </p:cNvPr>
+          <p:cNvSpPr txBox="1"/>
+          <p:nvPr/>
+        </p:nvSpPr>
+        <p:spPr>
+          <a:xfrm>
+            <a:off x="2031455" y="6430143"/>
+            <a:ext cx="612668" cy="369332"/>
+          </a:xfrm>
+          <a:prstGeom prst="rect">
+            <a:avLst/>
+          </a:prstGeom>
+          <a:solidFill>
+            <a:schemeClr val="bg1"/>
+          </a:solidFill>
+          <a:ln>
+            <a:solidFill>
+              <a:schemeClr val="tx1"/>
+            </a:solidFill>
+          </a:ln>
+        </p:spPr>
+        <p:txBody>
+          <a:bodyPr wrap="none" rtlCol="0">
+            <a:spAutoFit/>
+          </a:bodyPr>
+          <a:lstStyle/>
+          <a:p>
+            <a:r>
+              <a:rPr lang="en-US" dirty="0">
+                <a:latin typeface="EB Garamond" panose="00000500000000000000" pitchFamily="2" charset="0"/>
+                <a:ea typeface="EB Garamond" panose="00000500000000000000" pitchFamily="2" charset="0"/>
+              </a:rPr>
+              <a:t>Date</a:t>
+            </a:r>
+          </a:p>
+        </p:txBody>
+      </p:sp>
+    </p:spTree>
+    <p:extLst>
+      <p:ext uri="{BB962C8B-B14F-4D97-AF65-F5344CB8AC3E}">
+        <p14:creationId xmlns:p14="http://schemas.microsoft.com/office/powerpoint/2010/main" val="4086607083"/>
+      </p:ext>
+    </p:extLst>
+  </p:cSld>
+  <p:clrMapOvr>
+    <a:masterClrMapping/>
+  </p:clrMapOvr>
+</p:sld>
+</file>
+
+<file path=ppt/slides/slide9.xml><?xml version="1.0" encoding="utf-8"?>
+<p:sld xmlns:a="http://schemas.openxmlformats.org/drawingml/2006/main" xmlns:r="http://schemas.openxmlformats.org/officeDocument/2006/relationships" xmlns:p="http://schemas.openxmlformats.org/presentationml/2006/main">
+  <p:cSld>
+    <p:spTree>
+      <p:nvGrpSpPr>
+        <p:cNvPr id="1" name="">
+          <a:extLst>
+            <a:ext uri="{FF2B5EF4-FFF2-40B4-BE49-F238E27FC236}">
+              <a16:creationId xmlns:a16="http://schemas.microsoft.com/office/drawing/2014/main" id="{20BD2C0F-9CD4-62D0-BED2-6281D748F3FD}"/>
+            </a:ext>
+          </a:extLst>
+        </p:cNvPr>
+        <p:cNvGrpSpPr/>
+        <p:nvPr/>
+      </p:nvGrpSpPr>
+      <p:grpSpPr>
+        <a:xfrm>
+          <a:off x="0" y="0"/>
+          <a:ext cx="0" cy="0"/>
+          <a:chOff x="0" y="0"/>
+          <a:chExt cx="0" cy="0"/>
+        </a:xfrm>
+      </p:grpSpPr>
+      <p:sp>
+        <p:nvSpPr>
+          <p:cNvPr id="2" name="Title 1">
+            <a:extLst>
+              <a:ext uri="{FF2B5EF4-FFF2-40B4-BE49-F238E27FC236}">
+                <a16:creationId xmlns:a16="http://schemas.microsoft.com/office/drawing/2014/main" id="{5B282CEA-2A2F-5808-DD1C-4CFE3E102FF2}"/>
+              </a:ext>
+            </a:extLst>
+          </p:cNvPr>
+          <p:cNvSpPr>
+            <a:spLocks noGrp="1"/>
+          </p:cNvSpPr>
+          <p:nvPr>
+            <p:ph type="title"/>
+          </p:nvPr>
+        </p:nvSpPr>
+        <p:spPr>
+          <a:xfrm>
+            <a:off x="-1" y="0"/>
+            <a:ext cx="6488349" cy="898358"/>
+          </a:xfrm>
+        </p:spPr>
+        <p:txBody>
+          <a:bodyPr>
+            <a:noAutofit/>
+          </a:bodyPr>
+          <a:lstStyle/>
+          <a:p>
+            <a:r>
+              <a:rPr lang="en-US" b="1" dirty="0">
+                <a:solidFill>
+                  <a:srgbClr val="FE5E61"/>
+                </a:solidFill>
+                <a:latin typeface="EB Garamond" panose="00000500000000000000" pitchFamily="2" charset="0"/>
+                <a:ea typeface="EB Garamond" panose="00000500000000000000" pitchFamily="2" charset="0"/>
+              </a:rPr>
+              <a:t>Testing (V&amp;V)</a:t>
+            </a:r>
+          </a:p>
+        </p:txBody>
+      </p:sp>
+      <p:sp>
+        <p:nvSpPr>
+          <p:cNvPr id="3" name="Content Placeholder 2">
+            <a:extLst>
+              <a:ext uri="{FF2B5EF4-FFF2-40B4-BE49-F238E27FC236}">
+                <a16:creationId xmlns:a16="http://schemas.microsoft.com/office/drawing/2014/main" id="{1C26D128-A37A-6CAD-C5D5-4E8C99186B41}"/>
+              </a:ext>
+            </a:extLst>
+          </p:cNvPr>
+          <p:cNvSpPr>
+            <a:spLocks noGrp="1"/>
+          </p:cNvSpPr>
+          <p:nvPr>
+            <p:ph idx="1"/>
+          </p:nvPr>
+        </p:nvSpPr>
+        <p:spPr>
+          <a:xfrm>
+            <a:off x="676275" y="1087688"/>
+            <a:ext cx="10696575" cy="4684713"/>
+          </a:xfrm>
+        </p:spPr>
+        <p:txBody>
+          <a:bodyPr vert="horz" lIns="91440" tIns="45720" rIns="91440" bIns="45720" rtlCol="0" anchor="t">
+            <a:normAutofit/>
+          </a:bodyPr>
+          <a:lstStyle/>
+          <a:p>
+            <a:pPr marL="571500" indent="-571500">
+              <a:lnSpc>
+                <a:spcPct val="150000"/>
+              </a:lnSpc>
+            </a:pPr>
+            <a:r>
+              <a:rPr lang="en-US" sz="3600" dirty="0">
+                <a:latin typeface="EB Garamond"/>
+                <a:ea typeface="EB Garamond"/>
+              </a:rPr>
+              <a:t>Test Driven Development [TDD]</a:t>
+            </a:r>
+          </a:p>
+          <a:p>
+            <a:pPr marL="1028700" lvl="1" indent="-571500">
+              <a:lnSpc>
+                <a:spcPct val="150000"/>
+              </a:lnSpc>
+            </a:pPr>
+            <a:r>
+              <a:rPr lang="en-US" sz="3200" dirty="0">
+                <a:latin typeface="EB Garamond"/>
+                <a:ea typeface="EB Garamond"/>
+              </a:rPr>
+              <a:t>Manual testing was led by each team member for their own assigned subproject. </a:t>
+            </a:r>
+          </a:p>
+          <a:p>
+            <a:pPr marL="1028700" lvl="1" indent="-571500">
+              <a:lnSpc>
+                <a:spcPct val="150000"/>
+              </a:lnSpc>
+            </a:pPr>
+            <a:r>
+              <a:rPr lang="en-US" sz="3200" dirty="0">
+                <a:latin typeface="EB Garamond"/>
+                <a:ea typeface="EB Garamond"/>
+              </a:rPr>
+              <a:t>&lt;NEED IMAGE&gt;</a:t>
+            </a:r>
+          </a:p>
+        </p:txBody>
+      </p:sp>
+      <p:sp>
+        <p:nvSpPr>
+          <p:cNvPr id="4" name="Rectangle 3">
+            <a:extLst>
+              <a:ext uri="{FF2B5EF4-FFF2-40B4-BE49-F238E27FC236}">
+                <a16:creationId xmlns:a16="http://schemas.microsoft.com/office/drawing/2014/main" id="{E298BE49-2C39-79AD-8863-BC44756A2E18}"/>
+              </a:ext>
+            </a:extLst>
+          </p:cNvPr>
+          <p:cNvSpPr/>
+          <p:nvPr/>
+        </p:nvSpPr>
+        <p:spPr>
+          <a:xfrm>
+            <a:off x="-1" y="6614809"/>
+            <a:ext cx="12192000" cy="243191"/>
+          </a:xfrm>
+          <a:prstGeom prst="rect">
+            <a:avLst/>
+          </a:prstGeom>
+          <a:solidFill>
+            <a:srgbClr val="FE5E61"/>
+          </a:solidFill>
+          <a:ln>
+            <a:noFill/>
+          </a:ln>
+        </p:spPr>
+        <p:style>
+          <a:lnRef idx="2">
+            <a:schemeClr val="accent1">
+              <a:shade val="15000"/>
+            </a:schemeClr>
+          </a:lnRef>
+          <a:fillRef idx="1">
+            <a:schemeClr val="accent1"/>
+          </a:fillRef>
+          <a:effectRef idx="0">
+            <a:schemeClr val="accent1"/>
+          </a:effectRef>
+          <a:fontRef idx="minor">
+            <a:schemeClr val="lt1"/>
+          </a:fontRef>
+        </p:style>
+        <p:txBody>
+          <a:bodyPr rtlCol="0" anchor="ctr"/>
+          <a:lstStyle/>
+          <a:p>
+            <a:pPr algn="ctr"/>
+            <a:endParaRPr lang="en-US"/>
+          </a:p>
+        </p:txBody>
+      </p:sp>
+      <p:sp>
+        <p:nvSpPr>
+          <p:cNvPr id="7" name="TextBox 6">
+            <a:extLst>
+              <a:ext uri="{FF2B5EF4-FFF2-40B4-BE49-F238E27FC236}">
+                <a16:creationId xmlns:a16="http://schemas.microsoft.com/office/drawing/2014/main" id="{2392C24C-91E8-148E-5850-58DBFF09F724}"/>
+              </a:ext>
+            </a:extLst>
+          </p:cNvPr>
+          <p:cNvSpPr txBox="1"/>
+          <p:nvPr/>
+        </p:nvSpPr>
+        <p:spPr>
+          <a:xfrm>
+            <a:off x="5594098" y="6430143"/>
+            <a:ext cx="728084" cy="369332"/>
+          </a:xfrm>
+          <a:prstGeom prst="rect">
+            <a:avLst/>
+          </a:prstGeom>
+          <a:solidFill>
+            <a:schemeClr val="bg1"/>
+          </a:solidFill>
+          <a:ln>
+            <a:solidFill>
+              <a:schemeClr val="tx1"/>
+            </a:solidFill>
+          </a:ln>
+        </p:spPr>
+        <p:txBody>
+          <a:bodyPr wrap="none" rtlCol="0">
+            <a:spAutoFit/>
+          </a:bodyPr>
+          <a:lstStyle/>
+          <a:p>
+            <a:r>
+              <a:rPr lang="en-US" dirty="0">
+                <a:latin typeface="EB Garamond" panose="00000500000000000000" pitchFamily="2" charset="0"/>
+                <a:ea typeface="EB Garamond" panose="00000500000000000000" pitchFamily="2" charset="0"/>
+              </a:rPr>
+              <a:t>Name</a:t>
+            </a:r>
+          </a:p>
+        </p:txBody>
+      </p:sp>
+      <p:sp>
+        <p:nvSpPr>
+          <p:cNvPr id="5" name="TextBox 4">
+            <a:extLst>
+              <a:ext uri="{FF2B5EF4-FFF2-40B4-BE49-F238E27FC236}">
+                <a16:creationId xmlns:a16="http://schemas.microsoft.com/office/drawing/2014/main" id="{C0410292-118A-961B-73D5-F0C2D163EA2A}"/>
+              </a:ext>
+            </a:extLst>
+          </p:cNvPr>
+          <p:cNvSpPr txBox="1"/>
+          <p:nvPr/>
+        </p:nvSpPr>
+        <p:spPr>
+          <a:xfrm>
+            <a:off x="2031455" y="6430143"/>
+            <a:ext cx="612668" cy="369332"/>
+          </a:xfrm>
+          <a:prstGeom prst="rect">
+            <a:avLst/>
+          </a:prstGeom>
+          <a:solidFill>
+            <a:schemeClr val="bg1"/>
+          </a:solidFill>
+          <a:ln>
+            <a:solidFill>
+              <a:schemeClr val="tx1"/>
+            </a:solidFill>
+          </a:ln>
+        </p:spPr>
+        <p:txBody>
+          <a:bodyPr wrap="none" rtlCol="0">
+            <a:spAutoFit/>
+          </a:bodyPr>
+          <a:lstStyle/>
+          <a:p>
+            <a:r>
+              <a:rPr lang="en-US" dirty="0">
+                <a:latin typeface="EB Garamond" panose="00000500000000000000" pitchFamily="2" charset="0"/>
+                <a:ea typeface="EB Garamond" panose="00000500000000000000" pitchFamily="2" charset="0"/>
+              </a:rPr>
+              <a:t>Date</a:t>
+            </a:r>
+          </a:p>
+        </p:txBody>
+      </p:sp>
+    </p:spTree>
+    <p:extLst>
+      <p:ext uri="{BB962C8B-B14F-4D97-AF65-F5344CB8AC3E}">
+        <p14:creationId xmlns:p14="http://schemas.microsoft.com/office/powerpoint/2010/main" val="1974687317"/>
       </p:ext>
     </p:extLst>
   </p:cSld>
@@ -6439,20 +13339,20 @@
 </file>
 
 <file path=customXml/item2.xml><?xml version="1.0" encoding="utf-8"?>
-<p:properties xmlns:p="http://schemas.microsoft.com/office/2006/metadata/properties" xmlns:xsi="http://www.w3.org/2001/XMLSchema-instance" xmlns:pc="http://schemas.microsoft.com/office/infopath/2007/PartnerControls">
-  <documentManagement>
-    <_activity xmlns="13ff1bab-4769-433b-887e-aafb5391e712" xsi:nil="true"/>
-  </documentManagement>
-</p:properties>
-</file>
-
-<file path=customXml/item3.xml><?xml version="1.0" encoding="utf-8"?>
 <?mso-contentType ?>
 <FormTemplates xmlns="http://schemas.microsoft.com/sharepoint/v3/contenttype/forms">
   <Display>DocumentLibraryForm</Display>
   <Edit>DocumentLibraryForm</Edit>
   <New>DocumentLibraryForm</New>
 </FormTemplates>
+</file>
+
+<file path=customXml/item3.xml><?xml version="1.0" encoding="utf-8"?>
+<p:properties xmlns:p="http://schemas.microsoft.com/office/2006/metadata/properties" xmlns:xsi="http://www.w3.org/2001/XMLSchema-instance" xmlns:pc="http://schemas.microsoft.com/office/infopath/2007/PartnerControls">
+  <documentManagement>
+    <_activity xmlns="13ff1bab-4769-433b-887e-aafb5391e712" xsi:nil="true"/>
+  </documentManagement>
+</p:properties>
 </file>
 
 <file path=customXml/itemProps1.xml><?xml version="1.0" encoding="utf-8"?>
@@ -6475,6 +13375,14 @@
 </file>
 
 <file path=customXml/itemProps2.xml><?xml version="1.0" encoding="utf-8"?>
+<ds:datastoreItem xmlns:ds="http://schemas.openxmlformats.org/officeDocument/2006/customXml" ds:itemID="{07D81689-5A9E-4B2F-99F3-AD6CFA2AE90B}">
+  <ds:schemaRefs>
+    <ds:schemaRef ds:uri="http://schemas.microsoft.com/sharepoint/v3/contenttype/forms"/>
+  </ds:schemaRefs>
+</ds:datastoreItem>
+</file>
+
+<file path=customXml/itemProps3.xml><?xml version="1.0" encoding="utf-8"?>
 <ds:datastoreItem xmlns:ds="http://schemas.openxmlformats.org/officeDocument/2006/customXml" ds:itemID="{43C57BCB-4048-4813-9E3A-7B9B126D99DF}">
   <ds:schemaRefs>
     <ds:schemaRef ds:uri="13ff1bab-4769-433b-887e-aafb5391e712"/>
@@ -6489,12 +13397,4 @@
     <ds:schemaRef ds:uri="http://www.w3.org/XML/1998/namespace"/>
   </ds:schemaRefs>
 </ds:datastoreItem>
-</file>
-
-<file path=customXml/itemProps3.xml><?xml version="1.0" encoding="utf-8"?>
-<ds:datastoreItem xmlns:ds="http://schemas.openxmlformats.org/officeDocument/2006/customXml" ds:itemID="{07D81689-5A9E-4B2F-99F3-AD6CFA2AE90B}">
-  <ds:schemaRefs>
-    <ds:schemaRef ds:uri="http://schemas.microsoft.com/sharepoint/v3/contenttype/forms"/>
-  </ds:schemaRefs>
-</ds:datastoreItem>
 </file>